--- a/PRD-2017-G24/翻转课堂作业/UML概述/UML概述.pptx
+++ b/PRD-2017-G24/翻转课堂作业/UML概述/UML概述.pptx
@@ -131,7 +131,18 @@
   </p:defaultTextStyle>
   <p:extLst>
     <p:ext uri="{EFAFB233-063F-42B5-8137-9DF3F51BA10A}">
-      <p15:sldGuideLst xmlns="" xmlns:p15="http://schemas.microsoft.com/office/powerpoint/2012/main"/>
+      <p15:sldGuideLst xmlns:p15="http://schemas.microsoft.com/office/powerpoint/2012/main">
+        <p15:guide id="1" orient="horz" pos="2160">
+          <p15:clr>
+            <a:srgbClr val="A4A3A4"/>
+          </p15:clr>
+        </p15:guide>
+        <p15:guide id="2" pos="3840">
+          <p15:clr>
+            <a:srgbClr val="A4A3A4"/>
+          </p15:clr>
+        </p15:guide>
+      </p15:sldGuideLst>
     </p:ext>
   </p:extLst>
 </p:presentation>
@@ -1657,18 +1668,17 @@
         <a:lstStyle/>
         <a:p>
           <a:r>
-            <a:rPr lang="en-US" dirty="0" smtClean="0"/>
+            <a:rPr lang="en-US" dirty="0"/>
             <a:t>1</a:t>
           </a:r>
           <a:r>
-            <a:rPr lang="zh-CN" dirty="0" smtClean="0"/>
+            <a:rPr lang="zh-CN" dirty="0"/>
             <a:t>．什么是</a:t>
           </a:r>
           <a:r>
-            <a:rPr lang="en-US" dirty="0" smtClean="0"/>
+            <a:rPr lang="en-US" dirty="0"/>
             <a:t>UML</a:t>
           </a:r>
-          <a:endParaRPr lang="en-US" dirty="0"/>
         </a:p>
       </dgm:t>
     </dgm:pt>
@@ -1702,19 +1712,19 @@
         <a:lstStyle/>
         <a:p>
           <a:r>
-            <a:rPr lang="en-US" dirty="0" smtClean="0"/>
+            <a:rPr lang="en-US" dirty="0"/>
             <a:t>4</a:t>
           </a:r>
           <a:r>
-            <a:rPr lang="zh-CN" dirty="0" smtClean="0"/>
+            <a:rPr lang="zh-CN" dirty="0"/>
             <a:t>．</a:t>
           </a:r>
           <a:r>
-            <a:rPr lang="en-US" dirty="0" smtClean="0"/>
+            <a:rPr lang="en-US" dirty="0"/>
             <a:t>UML</a:t>
           </a:r>
           <a:r>
-            <a:rPr lang="zh-CN" dirty="0" smtClean="0"/>
+            <a:rPr lang="zh-CN" dirty="0"/>
             <a:t>特点</a:t>
           </a:r>
           <a:endParaRPr lang="en-US" dirty="0"/>
@@ -1751,19 +1761,19 @@
         <a:lstStyle/>
         <a:p>
           <a:r>
-            <a:rPr lang="en-US" dirty="0" smtClean="0"/>
+            <a:rPr lang="en-US" dirty="0"/>
             <a:t>5</a:t>
           </a:r>
           <a:r>
-            <a:rPr lang="zh-CN" dirty="0" smtClean="0"/>
+            <a:rPr lang="zh-CN" dirty="0"/>
             <a:t>．</a:t>
           </a:r>
           <a:r>
-            <a:rPr lang="en-US" dirty="0" smtClean="0"/>
+            <a:rPr lang="en-US" dirty="0"/>
             <a:t>UML</a:t>
           </a:r>
           <a:r>
-            <a:rPr lang="zh-CN" dirty="0" smtClean="0"/>
+            <a:rPr lang="zh-CN" dirty="0"/>
             <a:t>结构</a:t>
           </a:r>
           <a:endParaRPr lang="en-US" dirty="0"/>
@@ -1800,19 +1810,19 @@
         <a:lstStyle/>
         <a:p>
           <a:r>
-            <a:rPr lang="en-US" dirty="0" smtClean="0"/>
+            <a:rPr lang="en-US" dirty="0"/>
             <a:t>6</a:t>
           </a:r>
           <a:r>
-            <a:rPr lang="zh-CN" dirty="0" smtClean="0"/>
+            <a:rPr lang="zh-CN" dirty="0"/>
             <a:t>．</a:t>
           </a:r>
           <a:r>
-            <a:rPr lang="en-US" dirty="0" smtClean="0"/>
+            <a:rPr lang="en-US" dirty="0"/>
             <a:t>UML</a:t>
           </a:r>
           <a:r>
-            <a:rPr lang="zh-CN" dirty="0" smtClean="0"/>
+            <a:rPr lang="zh-CN" dirty="0"/>
             <a:t>中的事物</a:t>
           </a:r>
           <a:endParaRPr lang="en-US" dirty="0"/>
@@ -1849,19 +1859,19 @@
         <a:lstStyle/>
         <a:p>
           <a:r>
-            <a:rPr lang="en-US" dirty="0" smtClean="0"/>
+            <a:rPr lang="en-US" dirty="0"/>
             <a:t>7</a:t>
           </a:r>
           <a:r>
-            <a:rPr lang="zh-CN" dirty="0" smtClean="0"/>
+            <a:rPr lang="zh-CN" dirty="0"/>
             <a:t>．</a:t>
           </a:r>
           <a:r>
-            <a:rPr lang="en-US" dirty="0" smtClean="0"/>
+            <a:rPr lang="en-US" dirty="0"/>
             <a:t>UML</a:t>
           </a:r>
           <a:r>
-            <a:rPr lang="zh-CN" dirty="0" smtClean="0"/>
+            <a:rPr lang="zh-CN" dirty="0"/>
             <a:t>中的关系</a:t>
           </a:r>
           <a:endParaRPr lang="en-US" dirty="0"/>
@@ -1898,19 +1908,19 @@
         <a:lstStyle/>
         <a:p>
           <a:r>
-            <a:rPr lang="en-US" dirty="0" smtClean="0"/>
+            <a:rPr lang="en-US" dirty="0"/>
             <a:t>8</a:t>
           </a:r>
           <a:r>
-            <a:rPr lang="zh-CN" dirty="0" smtClean="0"/>
+            <a:rPr lang="zh-CN" dirty="0"/>
             <a:t>．</a:t>
           </a:r>
           <a:r>
-            <a:rPr lang="en-US" dirty="0" smtClean="0"/>
+            <a:rPr lang="en-US" dirty="0"/>
             <a:t>UML</a:t>
           </a:r>
           <a:r>
-            <a:rPr lang="zh-CN" dirty="0" smtClean="0"/>
+            <a:rPr lang="zh-CN" dirty="0"/>
             <a:t>视图</a:t>
           </a:r>
           <a:endParaRPr lang="en-US" dirty="0"/>
@@ -1947,19 +1957,19 @@
         <a:lstStyle/>
         <a:p>
           <a:r>
-            <a:rPr lang="en-US" dirty="0" smtClean="0"/>
+            <a:rPr lang="en-US" dirty="0"/>
             <a:t>2</a:t>
           </a:r>
           <a:r>
-            <a:rPr lang="zh-CN" dirty="0" smtClean="0"/>
+            <a:rPr lang="zh-CN" dirty="0"/>
             <a:t>．</a:t>
           </a:r>
           <a:r>
-            <a:rPr lang="en-US" dirty="0" smtClean="0"/>
+            <a:rPr lang="en-US" dirty="0"/>
             <a:t>UML</a:t>
           </a:r>
           <a:r>
-            <a:rPr lang="zh-CN" dirty="0" smtClean="0"/>
+            <a:rPr lang="zh-CN" dirty="0"/>
             <a:t>的背景</a:t>
           </a:r>
           <a:endParaRPr lang="en-US" dirty="0"/>
@@ -1996,19 +2006,19 @@
         <a:lstStyle/>
         <a:p>
           <a:r>
-            <a:rPr lang="en-US" dirty="0" smtClean="0"/>
+            <a:rPr lang="en-US" dirty="0"/>
             <a:t>3</a:t>
           </a:r>
           <a:r>
-            <a:rPr lang="zh-CN" dirty="0" smtClean="0"/>
+            <a:rPr lang="zh-CN" dirty="0"/>
             <a:t>．</a:t>
           </a:r>
           <a:r>
-            <a:rPr lang="en-US" dirty="0" smtClean="0"/>
+            <a:rPr lang="en-US" dirty="0"/>
             <a:t>UML</a:t>
           </a:r>
           <a:r>
-            <a:rPr lang="zh-CN" dirty="0" smtClean="0"/>
+            <a:rPr lang="zh-CN" dirty="0"/>
             <a:t>作用</a:t>
           </a:r>
           <a:endParaRPr lang="en-US" dirty="0"/>
@@ -2045,19 +2055,19 @@
         <a:lstStyle/>
         <a:p>
           <a:r>
-            <a:rPr lang="en-US" smtClean="0"/>
+            <a:rPr lang="en-US"/>
             <a:t>9</a:t>
           </a:r>
           <a:r>
-            <a:rPr lang="zh-CN" smtClean="0"/>
+            <a:rPr lang="zh-CN"/>
             <a:t>．</a:t>
           </a:r>
           <a:r>
-            <a:rPr lang="en-US" smtClean="0"/>
+            <a:rPr lang="en-US"/>
             <a:t>UML</a:t>
           </a:r>
           <a:r>
-            <a:rPr lang="zh-CN" smtClean="0"/>
+            <a:rPr lang="zh-CN"/>
             <a:t>的图</a:t>
           </a:r>
           <a:endParaRPr lang="en-US" dirty="0"/>
@@ -2081,13 +2091,6 @@
         </dgm:presLayoutVars>
       </dgm:prSet>
       <dgm:spPr/>
-      <dgm:t>
-        <a:bodyPr/>
-        <a:lstStyle/>
-        <a:p>
-          <a:endParaRPr lang="zh-CN" altLang="en-US"/>
-        </a:p>
-      </dgm:t>
     </dgm:pt>
     <dgm:pt modelId="{BB10B3FE-71B2-44C4-9881-9B1B6C4ED30A}" type="pres">
       <dgm:prSet presAssocID="{1FA03D0B-431E-4552-972E-930F5F39D8D4}" presName="thickLine" presStyleLbl="alignNode1" presStyleIdx="0" presStyleCnt="9"/>
@@ -2100,13 +2103,6 @@
     <dgm:pt modelId="{FC9D7768-4563-493E-B454-DDCFD4BDB902}" type="pres">
       <dgm:prSet presAssocID="{1FA03D0B-431E-4552-972E-930F5F39D8D4}" presName="tx1" presStyleLbl="revTx" presStyleIdx="0" presStyleCnt="9"/>
       <dgm:spPr/>
-      <dgm:t>
-        <a:bodyPr/>
-        <a:lstStyle/>
-        <a:p>
-          <a:endParaRPr lang="zh-CN" altLang="en-US"/>
-        </a:p>
-      </dgm:t>
     </dgm:pt>
     <dgm:pt modelId="{AD1CF356-254A-496B-8B30-7E65A8D385E9}" type="pres">
       <dgm:prSet presAssocID="{1FA03D0B-431E-4552-972E-930F5F39D8D4}" presName="vert1" presStyleCnt="0"/>
@@ -2123,13 +2119,6 @@
     <dgm:pt modelId="{BB3D9FB9-476E-49C0-B80D-9BE2F7650722}" type="pres">
       <dgm:prSet presAssocID="{F4D98294-6926-4BC8-9678-4AE0179FD98D}" presName="tx1" presStyleLbl="revTx" presStyleIdx="1" presStyleCnt="9"/>
       <dgm:spPr/>
-      <dgm:t>
-        <a:bodyPr/>
-        <a:lstStyle/>
-        <a:p>
-          <a:endParaRPr lang="zh-CN" altLang="en-US"/>
-        </a:p>
-      </dgm:t>
     </dgm:pt>
     <dgm:pt modelId="{D99806E3-20C1-4E7F-8374-0210A0C1A8AE}" type="pres">
       <dgm:prSet presAssocID="{F4D98294-6926-4BC8-9678-4AE0179FD98D}" presName="vert1" presStyleCnt="0"/>
@@ -2146,13 +2135,6 @@
     <dgm:pt modelId="{4115A148-7C9F-4251-95F8-2A051B52D5AC}" type="pres">
       <dgm:prSet presAssocID="{F26DE089-A9FD-4546-96AF-71432FD40C75}" presName="tx1" presStyleLbl="revTx" presStyleIdx="2" presStyleCnt="9"/>
       <dgm:spPr/>
-      <dgm:t>
-        <a:bodyPr/>
-        <a:lstStyle/>
-        <a:p>
-          <a:endParaRPr lang="zh-CN" altLang="en-US"/>
-        </a:p>
-      </dgm:t>
     </dgm:pt>
     <dgm:pt modelId="{394814FA-CDAF-4CC8-8109-62E7A5FA331D}" type="pres">
       <dgm:prSet presAssocID="{F26DE089-A9FD-4546-96AF-71432FD40C75}" presName="vert1" presStyleCnt="0"/>
@@ -2169,13 +2151,6 @@
     <dgm:pt modelId="{CF187C55-D274-4C80-A81A-7C74892EF144}" type="pres">
       <dgm:prSet presAssocID="{CBCE7A0C-1162-4DD8-8348-0E467EC325E0}" presName="tx1" presStyleLbl="revTx" presStyleIdx="3" presStyleCnt="9"/>
       <dgm:spPr/>
-      <dgm:t>
-        <a:bodyPr/>
-        <a:lstStyle/>
-        <a:p>
-          <a:endParaRPr lang="zh-CN" altLang="en-US"/>
-        </a:p>
-      </dgm:t>
     </dgm:pt>
     <dgm:pt modelId="{6B0C92B1-B619-46DC-9D61-064133EACD45}" type="pres">
       <dgm:prSet presAssocID="{CBCE7A0C-1162-4DD8-8348-0E467EC325E0}" presName="vert1" presStyleCnt="0"/>
@@ -2192,13 +2167,6 @@
     <dgm:pt modelId="{6D455BFA-CC98-472A-BB95-E26F8322A529}" type="pres">
       <dgm:prSet presAssocID="{390B9C77-7995-4357-AF04-9565041C9BF1}" presName="tx1" presStyleLbl="revTx" presStyleIdx="4" presStyleCnt="9"/>
       <dgm:spPr/>
-      <dgm:t>
-        <a:bodyPr/>
-        <a:lstStyle/>
-        <a:p>
-          <a:endParaRPr lang="zh-CN" altLang="en-US"/>
-        </a:p>
-      </dgm:t>
     </dgm:pt>
     <dgm:pt modelId="{6566A669-B31A-4342-B2F2-E8D66C00D8D2}" type="pres">
       <dgm:prSet presAssocID="{390B9C77-7995-4357-AF04-9565041C9BF1}" presName="vert1" presStyleCnt="0"/>
@@ -2215,13 +2183,6 @@
     <dgm:pt modelId="{733AD6BA-9EF6-487F-AE39-A6AB87079B67}" type="pres">
       <dgm:prSet presAssocID="{141B5341-4F8F-4B74-854E-A5FBA43D6D1E}" presName="tx1" presStyleLbl="revTx" presStyleIdx="5" presStyleCnt="9"/>
       <dgm:spPr/>
-      <dgm:t>
-        <a:bodyPr/>
-        <a:lstStyle/>
-        <a:p>
-          <a:endParaRPr lang="zh-CN" altLang="en-US"/>
-        </a:p>
-      </dgm:t>
     </dgm:pt>
     <dgm:pt modelId="{5F0C84B1-2009-464B-89D6-B90556266101}" type="pres">
       <dgm:prSet presAssocID="{141B5341-4F8F-4B74-854E-A5FBA43D6D1E}" presName="vert1" presStyleCnt="0"/>
@@ -2238,13 +2199,6 @@
     <dgm:pt modelId="{5FA7A339-4A97-496A-811A-E073C481D698}" type="pres">
       <dgm:prSet presAssocID="{CCBF378A-153E-4EE5-8F0A-8A5FB34A66CF}" presName="tx1" presStyleLbl="revTx" presStyleIdx="6" presStyleCnt="9"/>
       <dgm:spPr/>
-      <dgm:t>
-        <a:bodyPr/>
-        <a:lstStyle/>
-        <a:p>
-          <a:endParaRPr lang="zh-CN" altLang="en-US"/>
-        </a:p>
-      </dgm:t>
     </dgm:pt>
     <dgm:pt modelId="{94EA072E-AF86-4199-8755-931C99D3C01E}" type="pres">
       <dgm:prSet presAssocID="{CCBF378A-153E-4EE5-8F0A-8A5FB34A66CF}" presName="vert1" presStyleCnt="0"/>
@@ -2261,13 +2215,6 @@
     <dgm:pt modelId="{70DB64B1-1FDF-4B2A-AAEF-DB1E97CA5440}" type="pres">
       <dgm:prSet presAssocID="{DC329E2D-99D5-4712-80C4-E56DE34ADE60}" presName="tx1" presStyleLbl="revTx" presStyleIdx="7" presStyleCnt="9"/>
       <dgm:spPr/>
-      <dgm:t>
-        <a:bodyPr/>
-        <a:lstStyle/>
-        <a:p>
-          <a:endParaRPr lang="zh-CN" altLang="en-US"/>
-        </a:p>
-      </dgm:t>
     </dgm:pt>
     <dgm:pt modelId="{89E29417-B34E-4F3C-A6EB-3901844FD1F3}" type="pres">
       <dgm:prSet presAssocID="{DC329E2D-99D5-4712-80C4-E56DE34ADE60}" presName="vert1" presStyleCnt="0"/>
@@ -2284,13 +2231,6 @@
     <dgm:pt modelId="{4081DCFD-79DC-47DA-ACD7-E31D5B356590}" type="pres">
       <dgm:prSet presAssocID="{47F5D560-B56A-4095-BDC1-B1E4D1979825}" presName="tx1" presStyleLbl="revTx" presStyleIdx="8" presStyleCnt="9"/>
       <dgm:spPr/>
-      <dgm:t>
-        <a:bodyPr/>
-        <a:lstStyle/>
-        <a:p>
-          <a:endParaRPr lang="zh-CN" altLang="en-US"/>
-        </a:p>
-      </dgm:t>
     </dgm:pt>
     <dgm:pt modelId="{11281714-97DE-4F2E-9750-FD6D2D3E05E2}" type="pres">
       <dgm:prSet presAssocID="{47F5D560-B56A-4095-BDC1-B1E4D1979825}" presName="vert1" presStyleCnt="0"/>
@@ -2298,25 +2238,25 @@
     </dgm:pt>
   </dgm:ptLst>
   <dgm:cxnLst>
-    <dgm:cxn modelId="{FE4AB9E9-E8CD-45A8-A66A-2B24B34DB8B8}" srcId="{61344293-A1DE-4EC5-9A38-FAB9B9B4968C}" destId="{CCBF378A-153E-4EE5-8F0A-8A5FB34A66CF}" srcOrd="6" destOrd="0" parTransId="{CFEDB66F-5D05-479D-9B96-995EF1DCE1BF}" sibTransId="{B2BFBAE4-F714-46AB-8531-6F5C54896404}"/>
-    <dgm:cxn modelId="{A3534A96-073A-43CA-A326-8B12EE142B3F}" type="presOf" srcId="{141B5341-4F8F-4B74-854E-A5FBA43D6D1E}" destId="{733AD6BA-9EF6-487F-AE39-A6AB87079B67}" srcOrd="0" destOrd="0" presId="urn:microsoft.com/office/officeart/2008/layout/LinedList"/>
+    <dgm:cxn modelId="{A1E9C406-5962-4320-B454-170FCB50286F}" type="presOf" srcId="{CCBF378A-153E-4EE5-8F0A-8A5FB34A66CF}" destId="{5FA7A339-4A97-496A-811A-E073C481D698}" srcOrd="0" destOrd="0" presId="urn:microsoft.com/office/officeart/2008/layout/LinedList"/>
+    <dgm:cxn modelId="{25EC110C-6EF6-4C65-80E0-1871BBCC94F3}" srcId="{61344293-A1DE-4EC5-9A38-FAB9B9B4968C}" destId="{390B9C77-7995-4357-AF04-9565041C9BF1}" srcOrd="4" destOrd="0" parTransId="{EE403F8B-8568-4987-80D7-7FB2D18D7D16}" sibTransId="{290EC355-F468-41D9-90C5-D907CF21D967}"/>
     <dgm:cxn modelId="{D51ECB21-5218-49D4-980D-D86570A78CC9}" srcId="{61344293-A1DE-4EC5-9A38-FAB9B9B4968C}" destId="{141B5341-4F8F-4B74-854E-A5FBA43D6D1E}" srcOrd="5" destOrd="0" parTransId="{856EFA81-5ECF-4D6F-A8FF-5EA95BCEAF47}" sibTransId="{7A5DD433-F8FE-43BF-B663-090CAB808284}"/>
+    <dgm:cxn modelId="{FC96EF33-F0CD-420E-9A7B-30F9B6896026}" srcId="{61344293-A1DE-4EC5-9A38-FAB9B9B4968C}" destId="{F4D98294-6926-4BC8-9678-4AE0179FD98D}" srcOrd="1" destOrd="0" parTransId="{A14163C1-0CF1-4D38-B620-EB744E35794C}" sibTransId="{3796F5A7-8CBE-40D5-9D1D-9C0979F64A9C}"/>
+    <dgm:cxn modelId="{2B747639-0EB3-4CA8-8B46-A220149A240C}" type="presOf" srcId="{CBCE7A0C-1162-4DD8-8348-0E467EC325E0}" destId="{CF187C55-D274-4C80-A81A-7C74892EF144}" srcOrd="0" destOrd="0" presId="urn:microsoft.com/office/officeart/2008/layout/LinedList"/>
+    <dgm:cxn modelId="{72C78C39-D2FD-4657-A685-C850D72D9035}" srcId="{61344293-A1DE-4EC5-9A38-FAB9B9B4968C}" destId="{1FA03D0B-431E-4552-972E-930F5F39D8D4}" srcOrd="0" destOrd="0" parTransId="{DCA24973-8AA7-41B9-9B6A-AC4F09257488}" sibTransId="{7A188E71-997C-494E-B9C2-BAD4C716D4A0}"/>
+    <dgm:cxn modelId="{6F74CE48-579E-431D-9583-58A5F2ED3C85}" srcId="{61344293-A1DE-4EC5-9A38-FAB9B9B4968C}" destId="{F26DE089-A9FD-4546-96AF-71432FD40C75}" srcOrd="2" destOrd="0" parTransId="{1A63B470-973A-4426-A553-6A92D4588D20}" sibTransId="{F05992B1-9FD4-41E0-8709-1F3CDB8109B3}"/>
     <dgm:cxn modelId="{33D50369-788E-49A7-8974-C3AD880B79B4}" type="presOf" srcId="{61344293-A1DE-4EC5-9A38-FAB9B9B4968C}" destId="{16C4A9B8-6EFE-4EE6-A024-B6B528189985}" srcOrd="0" destOrd="0" presId="urn:microsoft.com/office/officeart/2008/layout/LinedList"/>
-    <dgm:cxn modelId="{72C78C39-D2FD-4657-A685-C850D72D9035}" srcId="{61344293-A1DE-4EC5-9A38-FAB9B9B4968C}" destId="{1FA03D0B-431E-4552-972E-930F5F39D8D4}" srcOrd="0" destOrd="0" parTransId="{DCA24973-8AA7-41B9-9B6A-AC4F09257488}" sibTransId="{7A188E71-997C-494E-B9C2-BAD4C716D4A0}"/>
     <dgm:cxn modelId="{0EDCF550-DA4A-4A70-A9D9-2D3A3C531AD5}" type="presOf" srcId="{F26DE089-A9FD-4546-96AF-71432FD40C75}" destId="{4115A148-7C9F-4251-95F8-2A051B52D5AC}" srcOrd="0" destOrd="0" presId="urn:microsoft.com/office/officeart/2008/layout/LinedList"/>
-    <dgm:cxn modelId="{9AAF5E9C-861F-4034-AF38-50013636D891}" type="presOf" srcId="{DC329E2D-99D5-4712-80C4-E56DE34ADE60}" destId="{70DB64B1-1FDF-4B2A-AAEF-DB1E97CA5440}" srcOrd="0" destOrd="0" presId="urn:microsoft.com/office/officeart/2008/layout/LinedList"/>
-    <dgm:cxn modelId="{FC96EF33-F0CD-420E-9A7B-30F9B6896026}" srcId="{61344293-A1DE-4EC5-9A38-FAB9B9B4968C}" destId="{F4D98294-6926-4BC8-9678-4AE0179FD98D}" srcOrd="1" destOrd="0" parTransId="{A14163C1-0CF1-4D38-B620-EB744E35794C}" sibTransId="{3796F5A7-8CBE-40D5-9D1D-9C0979F64A9C}"/>
-    <dgm:cxn modelId="{6F74CE48-579E-431D-9583-58A5F2ED3C85}" srcId="{61344293-A1DE-4EC5-9A38-FAB9B9B4968C}" destId="{F26DE089-A9FD-4546-96AF-71432FD40C75}" srcOrd="2" destOrd="0" parTransId="{1A63B470-973A-4426-A553-6A92D4588D20}" sibTransId="{F05992B1-9FD4-41E0-8709-1F3CDB8109B3}"/>
-    <dgm:cxn modelId="{38A784BF-68AC-4895-B444-DF7125610734}" type="presOf" srcId="{47F5D560-B56A-4095-BDC1-B1E4D1979825}" destId="{4081DCFD-79DC-47DA-ACD7-E31D5B356590}" srcOrd="0" destOrd="0" presId="urn:microsoft.com/office/officeart/2008/layout/LinedList"/>
-    <dgm:cxn modelId="{A87C39E1-E138-40B9-8A97-77B92E5EBC22}" type="presOf" srcId="{F4D98294-6926-4BC8-9678-4AE0179FD98D}" destId="{BB3D9FB9-476E-49C0-B80D-9BE2F7650722}" srcOrd="0" destOrd="0" presId="urn:microsoft.com/office/officeart/2008/layout/LinedList"/>
     <dgm:cxn modelId="{9D1D5B72-D290-471A-8897-4FC88C2E5D23}" srcId="{61344293-A1DE-4EC5-9A38-FAB9B9B4968C}" destId="{DC329E2D-99D5-4712-80C4-E56DE34ADE60}" srcOrd="7" destOrd="0" parTransId="{172F1330-ECEA-4AAE-A8A5-2AD1BB8F7FCC}" sibTransId="{6037AFAA-A079-4470-8AF5-855447CE326F}"/>
     <dgm:cxn modelId="{7C80495A-D039-4CC0-AD85-F41F30EFBF07}" type="presOf" srcId="{1FA03D0B-431E-4552-972E-930F5F39D8D4}" destId="{FC9D7768-4563-493E-B454-DDCFD4BDB902}" srcOrd="0" destOrd="0" presId="urn:microsoft.com/office/officeart/2008/layout/LinedList"/>
-    <dgm:cxn modelId="{A1E9C406-5962-4320-B454-170FCB50286F}" type="presOf" srcId="{CCBF378A-153E-4EE5-8F0A-8A5FB34A66CF}" destId="{5FA7A339-4A97-496A-811A-E073C481D698}" srcOrd="0" destOrd="0" presId="urn:microsoft.com/office/officeart/2008/layout/LinedList"/>
+    <dgm:cxn modelId="{921A8786-CEF7-4A09-8646-477EE41068EE}" srcId="{61344293-A1DE-4EC5-9A38-FAB9B9B4968C}" destId="{47F5D560-B56A-4095-BDC1-B1E4D1979825}" srcOrd="8" destOrd="0" parTransId="{13C0A50F-A094-4D9E-B9F1-D9E857774541}" sibTransId="{595CA217-5FB8-4751-9D92-FA205D95B673}"/>
+    <dgm:cxn modelId="{A3534A96-073A-43CA-A326-8B12EE142B3F}" type="presOf" srcId="{141B5341-4F8F-4B74-854E-A5FBA43D6D1E}" destId="{733AD6BA-9EF6-487F-AE39-A6AB87079B67}" srcOrd="0" destOrd="0" presId="urn:microsoft.com/office/officeart/2008/layout/LinedList"/>
+    <dgm:cxn modelId="{9AAF5E9C-861F-4034-AF38-50013636D891}" type="presOf" srcId="{DC329E2D-99D5-4712-80C4-E56DE34ADE60}" destId="{70DB64B1-1FDF-4B2A-AAEF-DB1E97CA5440}" srcOrd="0" destOrd="0" presId="urn:microsoft.com/office/officeart/2008/layout/LinedList"/>
+    <dgm:cxn modelId="{38A784BF-68AC-4895-B444-DF7125610734}" type="presOf" srcId="{47F5D560-B56A-4095-BDC1-B1E4D1979825}" destId="{4081DCFD-79DC-47DA-ACD7-E31D5B356590}" srcOrd="0" destOrd="0" presId="urn:microsoft.com/office/officeart/2008/layout/LinedList"/>
+    <dgm:cxn modelId="{97F1CCC4-1B19-4070-8C49-D818B7D503A3}" srcId="{61344293-A1DE-4EC5-9A38-FAB9B9B4968C}" destId="{CBCE7A0C-1162-4DD8-8348-0E467EC325E0}" srcOrd="3" destOrd="0" parTransId="{041D4F31-93BC-4168-A092-8AACF0FAE0A1}" sibTransId="{932E490C-516F-4D6F-9F44-B7FE8A9CCDAD}"/>
     <dgm:cxn modelId="{C2A4E7D5-0E91-4BC3-A55C-316FB74A93F5}" type="presOf" srcId="{390B9C77-7995-4357-AF04-9565041C9BF1}" destId="{6D455BFA-CC98-472A-BB95-E26F8322A529}" srcOrd="0" destOrd="0" presId="urn:microsoft.com/office/officeart/2008/layout/LinedList"/>
-    <dgm:cxn modelId="{25EC110C-6EF6-4C65-80E0-1871BBCC94F3}" srcId="{61344293-A1DE-4EC5-9A38-FAB9B9B4968C}" destId="{390B9C77-7995-4357-AF04-9565041C9BF1}" srcOrd="4" destOrd="0" parTransId="{EE403F8B-8568-4987-80D7-7FB2D18D7D16}" sibTransId="{290EC355-F468-41D9-90C5-D907CF21D967}"/>
-    <dgm:cxn modelId="{2B747639-0EB3-4CA8-8B46-A220149A240C}" type="presOf" srcId="{CBCE7A0C-1162-4DD8-8348-0E467EC325E0}" destId="{CF187C55-D274-4C80-A81A-7C74892EF144}" srcOrd="0" destOrd="0" presId="urn:microsoft.com/office/officeart/2008/layout/LinedList"/>
-    <dgm:cxn modelId="{921A8786-CEF7-4A09-8646-477EE41068EE}" srcId="{61344293-A1DE-4EC5-9A38-FAB9B9B4968C}" destId="{47F5D560-B56A-4095-BDC1-B1E4D1979825}" srcOrd="8" destOrd="0" parTransId="{13C0A50F-A094-4D9E-B9F1-D9E857774541}" sibTransId="{595CA217-5FB8-4751-9D92-FA205D95B673}"/>
-    <dgm:cxn modelId="{97F1CCC4-1B19-4070-8C49-D818B7D503A3}" srcId="{61344293-A1DE-4EC5-9A38-FAB9B9B4968C}" destId="{CBCE7A0C-1162-4DD8-8348-0E467EC325E0}" srcOrd="3" destOrd="0" parTransId="{041D4F31-93BC-4168-A092-8AACF0FAE0A1}" sibTransId="{932E490C-516F-4D6F-9F44-B7FE8A9CCDAD}"/>
+    <dgm:cxn modelId="{A87C39E1-E138-40B9-8A97-77B92E5EBC22}" type="presOf" srcId="{F4D98294-6926-4BC8-9678-4AE0179FD98D}" destId="{BB3D9FB9-476E-49C0-B80D-9BE2F7650722}" srcOrd="0" destOrd="0" presId="urn:microsoft.com/office/officeart/2008/layout/LinedList"/>
+    <dgm:cxn modelId="{FE4AB9E9-E8CD-45A8-A66A-2B24B34DB8B8}" srcId="{61344293-A1DE-4EC5-9A38-FAB9B9B4968C}" destId="{CCBF378A-153E-4EE5-8F0A-8A5FB34A66CF}" srcOrd="6" destOrd="0" parTransId="{CFEDB66F-5D05-479D-9B96-995EF1DCE1BF}" sibTransId="{B2BFBAE4-F714-46AB-8531-6F5C54896404}"/>
     <dgm:cxn modelId="{82E7AEFF-4A18-459E-9D95-FC25F3034281}" type="presParOf" srcId="{16C4A9B8-6EFE-4EE6-A024-B6B528189985}" destId="{BB10B3FE-71B2-44C4-9881-9B1B6C4ED30A}" srcOrd="0" destOrd="0" presId="urn:microsoft.com/office/officeart/2008/layout/LinedList"/>
     <dgm:cxn modelId="{0D745BA1-B015-43B1-A3DE-FD84DD748F8B}" type="presParOf" srcId="{16C4A9B8-6EFE-4EE6-A024-B6B528189985}" destId="{963CAB5B-C43A-4ACF-989E-11E2303E77FD}" srcOrd="1" destOrd="0" presId="urn:microsoft.com/office/officeart/2008/layout/LinedList"/>
     <dgm:cxn modelId="{9B738220-9BF1-40D4-AFBB-C8F4E77F79A1}" type="presParOf" srcId="{963CAB5B-C43A-4ACF-989E-11E2303E77FD}" destId="{FC9D7768-4563-493E-B454-DDCFD4BDB902}" srcOrd="0" destOrd="0" presId="urn:microsoft.com/office/officeart/2008/layout/LinedList"/>
@@ -2356,7 +2296,11 @@
   </dgm:cxnLst>
   <dgm:bg/>
   <dgm:whole/>
-  <dgm:extLst/>
+  <dgm:extLst>
+    <a:ext uri="http://schemas.microsoft.com/office/drawing/2008/diagram">
+      <dsp:dataModelExt xmlns:dsp="http://schemas.microsoft.com/office/drawing/2008/diagram" relId="rId6" minVer="http://schemas.openxmlformats.org/drawingml/2006/diagram"/>
+    </a:ext>
+  </dgm:extLst>
 </dgm:dataModel>
 </file>
 
@@ -2382,19 +2326,19 @@
         <a:lstStyle/>
         <a:p>
           <a:r>
-            <a:rPr lang="en-US" smtClean="0"/>
+            <a:rPr lang="en-US"/>
             <a:t>UML</a:t>
           </a:r>
           <a:r>
-            <a:rPr lang="zh-CN" smtClean="0"/>
+            <a:rPr lang="zh-CN"/>
             <a:t>统一了</a:t>
           </a:r>
           <a:r>
-            <a:rPr lang="en-US" smtClean="0"/>
+            <a:rPr lang="en-US"/>
             <a:t>OMT,OOSE,Booch</a:t>
           </a:r>
           <a:r>
-            <a:rPr lang="zh-CN" smtClean="0"/>
+            <a:rPr lang="zh-CN"/>
             <a:t>等方法中的基本概念和符号。</a:t>
           </a:r>
           <a:endParaRPr lang="en-US" dirty="0"/>
@@ -2431,14 +2375,13 @@
         <a:lstStyle/>
         <a:p>
           <a:r>
-            <a:rPr lang="en-US" smtClean="0"/>
+            <a:rPr lang="en-US"/>
             <a:t>UML</a:t>
           </a:r>
           <a:r>
-            <a:rPr lang="zh-CN" smtClean="0"/>
+            <a:rPr lang="zh-CN"/>
             <a:t>吸取了面向对象领域中各种优秀的思想。</a:t>
           </a:r>
-          <a:endParaRPr lang="zh-CN"/>
         </a:p>
       </dgm:t>
     </dgm:pt>
@@ -2472,14 +2415,13 @@
         <a:lstStyle/>
         <a:p>
           <a:r>
-            <a:rPr lang="en-US" smtClean="0"/>
+            <a:rPr lang="en-US"/>
             <a:t>UML</a:t>
           </a:r>
           <a:r>
-            <a:rPr lang="zh-CN" smtClean="0"/>
+            <a:rPr lang="zh-CN"/>
             <a:t>在演变过程中还提出了一些新的概念。</a:t>
           </a:r>
-          <a:endParaRPr lang="zh-CN"/>
         </a:p>
       </dgm:t>
     </dgm:pt>
@@ -2514,13 +2456,6 @@
         </dgm:presLayoutVars>
       </dgm:prSet>
       <dgm:spPr/>
-      <dgm:t>
-        <a:bodyPr/>
-        <a:lstStyle/>
-        <a:p>
-          <a:endParaRPr lang="zh-CN" altLang="en-US"/>
-        </a:p>
-      </dgm:t>
     </dgm:pt>
     <dgm:pt modelId="{06943FCA-F46C-4223-890A-D3877845AF57}" type="pres">
       <dgm:prSet presAssocID="{8415385F-4C50-4447-9CA3-AB4CA6F6A353}" presName="thickLine" presStyleLbl="alignNode1" presStyleIdx="0" presStyleCnt="3"/>
@@ -2533,13 +2468,6 @@
     <dgm:pt modelId="{BE58B695-7CF6-4678-AF36-F571F9EA8D7C}" type="pres">
       <dgm:prSet presAssocID="{8415385F-4C50-4447-9CA3-AB4CA6F6A353}" presName="tx1" presStyleLbl="revTx" presStyleIdx="0" presStyleCnt="3" custScaleY="93735"/>
       <dgm:spPr/>
-      <dgm:t>
-        <a:bodyPr/>
-        <a:lstStyle/>
-        <a:p>
-          <a:endParaRPr lang="zh-CN" altLang="en-US"/>
-        </a:p>
-      </dgm:t>
     </dgm:pt>
     <dgm:pt modelId="{7DF157A4-7458-4B2A-AD8C-7A21596AF8FE}" type="pres">
       <dgm:prSet presAssocID="{8415385F-4C50-4447-9CA3-AB4CA6F6A353}" presName="vert1" presStyleCnt="0"/>
@@ -2556,13 +2484,6 @@
     <dgm:pt modelId="{609E04FB-3A4B-4AC2-BFD1-271844259B3D}" type="pres">
       <dgm:prSet presAssocID="{945BD286-210A-41E0-B938-ACB30AEA698D}" presName="tx1" presStyleLbl="revTx" presStyleIdx="1" presStyleCnt="3"/>
       <dgm:spPr/>
-      <dgm:t>
-        <a:bodyPr/>
-        <a:lstStyle/>
-        <a:p>
-          <a:endParaRPr lang="zh-CN" altLang="en-US"/>
-        </a:p>
-      </dgm:t>
     </dgm:pt>
     <dgm:pt modelId="{963EEE8B-5EF3-44E8-B5AA-CF1CEE0AB87A}" type="pres">
       <dgm:prSet presAssocID="{945BD286-210A-41E0-B938-ACB30AEA698D}" presName="vert1" presStyleCnt="0"/>
@@ -2579,13 +2500,6 @@
     <dgm:pt modelId="{746267BE-B5BC-4366-804B-397E0E69C4EE}" type="pres">
       <dgm:prSet presAssocID="{3E7D623B-B6B2-4B8B-B301-4AD93CAD6599}" presName="tx1" presStyleLbl="revTx" presStyleIdx="2" presStyleCnt="3"/>
       <dgm:spPr/>
-      <dgm:t>
-        <a:bodyPr/>
-        <a:lstStyle/>
-        <a:p>
-          <a:endParaRPr lang="zh-CN" altLang="en-US"/>
-        </a:p>
-      </dgm:t>
     </dgm:pt>
     <dgm:pt modelId="{5100AB4F-F5C1-41F7-A951-EAEDA9FA89E3}" type="pres">
       <dgm:prSet presAssocID="{3E7D623B-B6B2-4B8B-B301-4AD93CAD6599}" presName="vert1" presStyleCnt="0"/>
@@ -2593,13 +2507,13 @@
     </dgm:pt>
   </dgm:ptLst>
   <dgm:cxnLst>
-    <dgm:cxn modelId="{ECB35473-3020-4B1B-ABCB-557124611E26}" type="presOf" srcId="{3E7D623B-B6B2-4B8B-B301-4AD93CAD6599}" destId="{746267BE-B5BC-4366-804B-397E0E69C4EE}" srcOrd="0" destOrd="0" presId="urn:microsoft.com/office/officeart/2008/layout/LinedList"/>
-    <dgm:cxn modelId="{8D820671-9F26-4E68-98EE-B46AFDE05520}" type="presOf" srcId="{A92EB68C-F409-40C5-AAC8-F79C501EA969}" destId="{68459F01-3BED-4E5F-9759-3052B9C6D5BF}" srcOrd="0" destOrd="0" presId="urn:microsoft.com/office/officeart/2008/layout/LinedList"/>
+    <dgm:cxn modelId="{603C6308-998E-4632-B4D5-B337E21B45A3}" srcId="{A92EB68C-F409-40C5-AAC8-F79C501EA969}" destId="{3E7D623B-B6B2-4B8B-B301-4AD93CAD6599}" srcOrd="2" destOrd="0" parTransId="{E3A57F47-AB4D-47AF-8640-C0F70FE9C057}" sibTransId="{6FE2BFDE-2AED-46C1-9CF9-678408784227}"/>
     <dgm:cxn modelId="{901E201E-6B86-46FF-B75E-6B259D5BC0A3}" type="presOf" srcId="{8415385F-4C50-4447-9CA3-AB4CA6F6A353}" destId="{BE58B695-7CF6-4678-AF36-F571F9EA8D7C}" srcOrd="0" destOrd="0" presId="urn:microsoft.com/office/officeart/2008/layout/LinedList"/>
     <dgm:cxn modelId="{2225B05B-9C8B-4EE8-A887-36D2B6525274}" srcId="{A92EB68C-F409-40C5-AAC8-F79C501EA969}" destId="{8415385F-4C50-4447-9CA3-AB4CA6F6A353}" srcOrd="0" destOrd="0" parTransId="{F4CE8B5F-7B59-4E84-8981-0F858CC6FE0F}" sibTransId="{ECA948E4-EEE1-4544-A088-81E1948CC005}"/>
+    <dgm:cxn modelId="{8D820671-9F26-4E68-98EE-B46AFDE05520}" type="presOf" srcId="{A92EB68C-F409-40C5-AAC8-F79C501EA969}" destId="{68459F01-3BED-4E5F-9759-3052B9C6D5BF}" srcOrd="0" destOrd="0" presId="urn:microsoft.com/office/officeart/2008/layout/LinedList"/>
+    <dgm:cxn modelId="{ECB35473-3020-4B1B-ABCB-557124611E26}" type="presOf" srcId="{3E7D623B-B6B2-4B8B-B301-4AD93CAD6599}" destId="{746267BE-B5BC-4366-804B-397E0E69C4EE}" srcOrd="0" destOrd="0" presId="urn:microsoft.com/office/officeart/2008/layout/LinedList"/>
+    <dgm:cxn modelId="{344863AB-00BC-42A2-9B1E-AED574146F83}" type="presOf" srcId="{945BD286-210A-41E0-B938-ACB30AEA698D}" destId="{609E04FB-3A4B-4AC2-BFD1-271844259B3D}" srcOrd="0" destOrd="0" presId="urn:microsoft.com/office/officeart/2008/layout/LinedList"/>
     <dgm:cxn modelId="{38D5DFEC-E4C9-487E-B6D2-7916B3352CD4}" srcId="{A92EB68C-F409-40C5-AAC8-F79C501EA969}" destId="{945BD286-210A-41E0-B938-ACB30AEA698D}" srcOrd="1" destOrd="0" parTransId="{769A0D81-DBBD-444B-9814-13F093AAF1B2}" sibTransId="{5640C9F5-9F83-47AE-B448-EBCB56A59E25}"/>
-    <dgm:cxn modelId="{603C6308-998E-4632-B4D5-B337E21B45A3}" srcId="{A92EB68C-F409-40C5-AAC8-F79C501EA969}" destId="{3E7D623B-B6B2-4B8B-B301-4AD93CAD6599}" srcOrd="2" destOrd="0" parTransId="{E3A57F47-AB4D-47AF-8640-C0F70FE9C057}" sibTransId="{6FE2BFDE-2AED-46C1-9CF9-678408784227}"/>
-    <dgm:cxn modelId="{344863AB-00BC-42A2-9B1E-AED574146F83}" type="presOf" srcId="{945BD286-210A-41E0-B938-ACB30AEA698D}" destId="{609E04FB-3A4B-4AC2-BFD1-271844259B3D}" srcOrd="0" destOrd="0" presId="urn:microsoft.com/office/officeart/2008/layout/LinedList"/>
     <dgm:cxn modelId="{C68E32BF-43F9-413B-A2BC-DA4374AF1B4C}" type="presParOf" srcId="{68459F01-3BED-4E5F-9759-3052B9C6D5BF}" destId="{06943FCA-F46C-4223-890A-D3877845AF57}" srcOrd="0" destOrd="0" presId="urn:microsoft.com/office/officeart/2008/layout/LinedList"/>
     <dgm:cxn modelId="{64E823E7-0333-4B6F-9BAE-E62E6F97E1FE}" type="presParOf" srcId="{68459F01-3BED-4E5F-9759-3052B9C6D5BF}" destId="{CB6F103D-3547-489E-A528-9399F015466E}" srcOrd="1" destOrd="0" presId="urn:microsoft.com/office/officeart/2008/layout/LinedList"/>
     <dgm:cxn modelId="{D5872E00-385E-4F05-AD76-6F09449CF4A3}" type="presParOf" srcId="{CB6F103D-3547-489E-A528-9399F015466E}" destId="{BE58B695-7CF6-4678-AF36-F571F9EA8D7C}" srcOrd="0" destOrd="0" presId="urn:microsoft.com/office/officeart/2008/layout/LinedList"/>
@@ -2615,12 +2529,16 @@
   </dgm:cxnLst>
   <dgm:bg/>
   <dgm:whole/>
-  <dgm:extLst/>
+  <dgm:extLst>
+    <a:ext uri="http://schemas.microsoft.com/office/drawing/2008/diagram">
+      <dsp:dataModelExt xmlns:dsp="http://schemas.microsoft.com/office/drawing/2008/diagram" relId="rId6" minVer="http://schemas.openxmlformats.org/drawingml/2006/diagram"/>
+    </a:ext>
+  </dgm:extLst>
 </dgm:dataModel>
 </file>
 
 <file path=ppt/diagrams/drawing1.xml><?xml version="1.0" encoding="utf-8"?>
-<dsp:drawing xmlns:dgm="http://schemas.openxmlformats.org/drawingml/2006/diagram" xmlns:a="http://schemas.openxmlformats.org/drawingml/2006/main" xmlns:dsp="http://schemas.microsoft.com/office/drawing/2008/diagram">
+<dsp:drawing xmlns:dgm="http://schemas.openxmlformats.org/drawingml/2006/diagram" xmlns:dsp="http://schemas.microsoft.com/office/drawing/2008/diagram" xmlns:a="http://schemas.openxmlformats.org/drawingml/2006/main">
   <dsp:spTree>
     <dsp:nvGrpSpPr>
       <dsp:cNvPr id="0" name=""/>
@@ -2634,7 +2552,7 @@
       </dsp:nvSpPr>
       <dsp:spPr>
         <a:xfrm>
-          <a:off x="0" y="0"/>
+          <a:off x="0" y="528"/>
           <a:ext cx="5816600" cy="0"/>
         </a:xfrm>
         <a:prstGeom prst="line">
@@ -2698,8 +2616,8 @@
       </dsp:nvSpPr>
       <dsp:spPr>
         <a:xfrm>
-          <a:off x="0" y="0"/>
-          <a:ext cx="5816600" cy="540940"/>
+          <a:off x="0" y="528"/>
+          <a:ext cx="5816600" cy="480718"/>
         </a:xfrm>
         <a:prstGeom prst="rect">
           <a:avLst/>
@@ -2723,12 +2641,12 @@
         <a:fontRef idx="minor"/>
       </dsp:style>
       <dsp:txBody>
-        <a:bodyPr spcFirstLastPara="0" vert="horz" wrap="square" lIns="87630" tIns="87630" rIns="87630" bIns="87630" numCol="1" spcCol="1270" anchor="t" anchorCtr="0">
+        <a:bodyPr spcFirstLastPara="0" vert="horz" wrap="square" lIns="80010" tIns="80010" rIns="80010" bIns="80010" numCol="1" spcCol="1270" anchor="t" anchorCtr="0">
           <a:noAutofit/>
         </a:bodyPr>
         <a:lstStyle/>
         <a:p>
-          <a:pPr lvl="0" algn="l" defTabSz="1022350">
+          <a:pPr marL="0" lvl="0" indent="0" algn="l" defTabSz="933450">
             <a:lnSpc>
               <a:spcPct val="90000"/>
             </a:lnSpc>
@@ -2738,29 +2656,25 @@
             <a:spcAft>
               <a:spcPct val="35000"/>
             </a:spcAft>
+            <a:buNone/>
           </a:pPr>
           <a:r>
-            <a:rPr lang="en-US" sz="2300" kern="1200" dirty="0"/>
+            <a:rPr lang="en-US" sz="2100" kern="1200" dirty="0"/>
             <a:t>1</a:t>
           </a:r>
           <a:r>
-            <a:rPr lang="zh-CN" sz="2300" kern="1200" dirty="0"/>
-            <a:t>、</a:t>
+            <a:rPr lang="zh-CN" sz="2100" kern="1200" dirty="0"/>
+            <a:t>．什么是</a:t>
           </a:r>
           <a:r>
-            <a:rPr lang="en-US" sz="2300" kern="1200" dirty="0"/>
+            <a:rPr lang="en-US" sz="2100" kern="1200" dirty="0"/>
             <a:t>UML</a:t>
           </a:r>
-          <a:r>
-            <a:rPr lang="zh-CN" sz="2300" kern="1200" dirty="0"/>
-            <a:t>介绍与背景</a:t>
-          </a:r>
-          <a:endParaRPr lang="en-US" sz="2300" kern="1200" dirty="0"/>
         </a:p>
       </dsp:txBody>
       <dsp:txXfrm>
-        <a:off x="0" y="0"/>
-        <a:ext cx="5816600" cy="540940"/>
+        <a:off x="0" y="528"/>
+        <a:ext cx="5816600" cy="480718"/>
       </dsp:txXfrm>
     </dsp:sp>
     <dsp:sp modelId="{DF0B91BF-B4CA-4353-8D74-953111AFF567}">
@@ -2770,7 +2684,7 @@
       </dsp:nvSpPr>
       <dsp:spPr>
         <a:xfrm>
-          <a:off x="0" y="540940"/>
+          <a:off x="0" y="481246"/>
           <a:ext cx="5816600" cy="0"/>
         </a:xfrm>
         <a:prstGeom prst="line">
@@ -2834,8 +2748,8 @@
       </dsp:nvSpPr>
       <dsp:spPr>
         <a:xfrm>
-          <a:off x="0" y="540940"/>
-          <a:ext cx="5816600" cy="540940"/>
+          <a:off x="0" y="481246"/>
+          <a:ext cx="5816600" cy="480718"/>
         </a:xfrm>
         <a:prstGeom prst="rect">
           <a:avLst/>
@@ -2859,12 +2773,12 @@
         <a:fontRef idx="minor"/>
       </dsp:style>
       <dsp:txBody>
-        <a:bodyPr spcFirstLastPara="0" vert="horz" wrap="square" lIns="87630" tIns="87630" rIns="87630" bIns="87630" numCol="1" spcCol="1270" anchor="t" anchorCtr="0">
+        <a:bodyPr spcFirstLastPara="0" vert="horz" wrap="square" lIns="80010" tIns="80010" rIns="80010" bIns="80010" numCol="1" spcCol="1270" anchor="t" anchorCtr="0">
           <a:noAutofit/>
         </a:bodyPr>
         <a:lstStyle/>
         <a:p>
-          <a:pPr lvl="0" algn="l" defTabSz="1022350">
+          <a:pPr marL="0" lvl="0" indent="0" algn="l" defTabSz="933450">
             <a:lnSpc>
               <a:spcPct val="90000"/>
             </a:lnSpc>
@@ -2874,29 +2788,30 @@
             <a:spcAft>
               <a:spcPct val="35000"/>
             </a:spcAft>
+            <a:buNone/>
           </a:pPr>
           <a:r>
-            <a:rPr lang="en-US" altLang="zh-CN" sz="2300" kern="1200" dirty="0"/>
+            <a:rPr lang="en-US" sz="2100" kern="1200" dirty="0"/>
             <a:t>2</a:t>
           </a:r>
           <a:r>
-            <a:rPr lang="zh-CN" altLang="en-US" sz="2300" kern="1200" dirty="0"/>
-            <a:t>、</a:t>
+            <a:rPr lang="zh-CN" sz="2100" kern="1200" dirty="0"/>
+            <a:t>．</a:t>
           </a:r>
           <a:r>
-            <a:rPr lang="en-US" altLang="zh-CN" sz="2300" kern="1200" dirty="0"/>
+            <a:rPr lang="en-US" sz="2100" kern="1200" dirty="0"/>
             <a:t>UML</a:t>
           </a:r>
           <a:r>
-            <a:rPr lang="zh-CN" altLang="en-US" sz="2300" kern="1200" dirty="0"/>
-            <a:t>有什么用？</a:t>
+            <a:rPr lang="zh-CN" sz="2100" kern="1200" dirty="0"/>
+            <a:t>的背景</a:t>
           </a:r>
-          <a:endParaRPr lang="en-US" sz="2300" kern="1200" dirty="0"/>
+          <a:endParaRPr lang="en-US" sz="2100" kern="1200" dirty="0"/>
         </a:p>
       </dsp:txBody>
       <dsp:txXfrm>
-        <a:off x="0" y="540940"/>
-        <a:ext cx="5816600" cy="540940"/>
+        <a:off x="0" y="481246"/>
+        <a:ext cx="5816600" cy="480718"/>
       </dsp:txXfrm>
     </dsp:sp>
     <dsp:sp modelId="{95001912-062E-4B5A-8EC6-8187415768D3}">
@@ -2906,7 +2821,7 @@
       </dsp:nvSpPr>
       <dsp:spPr>
         <a:xfrm>
-          <a:off x="0" y="1081881"/>
+          <a:off x="0" y="961965"/>
           <a:ext cx="5816600" cy="0"/>
         </a:xfrm>
         <a:prstGeom prst="line">
@@ -2970,8 +2885,8 @@
       </dsp:nvSpPr>
       <dsp:spPr>
         <a:xfrm>
-          <a:off x="0" y="1081881"/>
-          <a:ext cx="5816600" cy="540940"/>
+          <a:off x="0" y="961965"/>
+          <a:ext cx="5816600" cy="480718"/>
         </a:xfrm>
         <a:prstGeom prst="rect">
           <a:avLst/>
@@ -2995,12 +2910,12 @@
         <a:fontRef idx="minor"/>
       </dsp:style>
       <dsp:txBody>
-        <a:bodyPr spcFirstLastPara="0" vert="horz" wrap="square" lIns="87630" tIns="87630" rIns="87630" bIns="87630" numCol="1" spcCol="1270" anchor="t" anchorCtr="0">
+        <a:bodyPr spcFirstLastPara="0" vert="horz" wrap="square" lIns="80010" tIns="80010" rIns="80010" bIns="80010" numCol="1" spcCol="1270" anchor="t" anchorCtr="0">
           <a:noAutofit/>
         </a:bodyPr>
         <a:lstStyle/>
         <a:p>
-          <a:pPr lvl="0" algn="l" defTabSz="1022350">
+          <a:pPr marL="0" lvl="0" indent="0" algn="l" defTabSz="933450">
             <a:lnSpc>
               <a:spcPct val="90000"/>
             </a:lnSpc>
@@ -3010,29 +2925,30 @@
             <a:spcAft>
               <a:spcPct val="35000"/>
             </a:spcAft>
+            <a:buNone/>
           </a:pPr>
           <a:r>
-            <a:rPr lang="en-US" altLang="zh-CN" sz="2300" kern="1200" dirty="0"/>
+            <a:rPr lang="en-US" sz="2100" kern="1200" dirty="0"/>
             <a:t>3</a:t>
           </a:r>
           <a:r>
-            <a:rPr lang="zh-CN" altLang="en-US" sz="2300" kern="1200" dirty="0"/>
-            <a:t>、</a:t>
+            <a:rPr lang="zh-CN" sz="2100" kern="1200" dirty="0"/>
+            <a:t>．</a:t>
           </a:r>
           <a:r>
-            <a:rPr lang="en-US" altLang="zh-CN" sz="2300" kern="1200" dirty="0"/>
+            <a:rPr lang="en-US" sz="2100" kern="1200" dirty="0"/>
             <a:t>UML</a:t>
           </a:r>
           <a:r>
-            <a:rPr lang="zh-CN" altLang="en-US" sz="2300" kern="1200" dirty="0"/>
-            <a:t>的结构型与行为型</a:t>
+            <a:rPr lang="zh-CN" sz="2100" kern="1200" dirty="0"/>
+            <a:t>作用</a:t>
           </a:r>
-          <a:endParaRPr lang="en-US" sz="2300" kern="1200" dirty="0"/>
+          <a:endParaRPr lang="en-US" sz="2100" kern="1200" dirty="0"/>
         </a:p>
       </dsp:txBody>
       <dsp:txXfrm>
-        <a:off x="0" y="1081881"/>
-        <a:ext cx="5816600" cy="540940"/>
+        <a:off x="0" y="961965"/>
+        <a:ext cx="5816600" cy="480718"/>
       </dsp:txXfrm>
     </dsp:sp>
     <dsp:sp modelId="{1D5B3A02-00A6-473F-B5E2-9397402134CE}">
@@ -3042,7 +2958,7 @@
       </dsp:nvSpPr>
       <dsp:spPr>
         <a:xfrm>
-          <a:off x="0" y="1622821"/>
+          <a:off x="0" y="1442684"/>
           <a:ext cx="5816600" cy="0"/>
         </a:xfrm>
         <a:prstGeom prst="line">
@@ -3106,8 +3022,8 @@
       </dsp:nvSpPr>
       <dsp:spPr>
         <a:xfrm>
-          <a:off x="0" y="1622821"/>
-          <a:ext cx="5816600" cy="540940"/>
+          <a:off x="0" y="1442684"/>
+          <a:ext cx="5816600" cy="480718"/>
         </a:xfrm>
         <a:prstGeom prst="rect">
           <a:avLst/>
@@ -3131,12 +3047,12 @@
         <a:fontRef idx="minor"/>
       </dsp:style>
       <dsp:txBody>
-        <a:bodyPr spcFirstLastPara="0" vert="horz" wrap="square" lIns="87630" tIns="87630" rIns="87630" bIns="87630" numCol="1" spcCol="1270" anchor="t" anchorCtr="0">
+        <a:bodyPr spcFirstLastPara="0" vert="horz" wrap="square" lIns="80010" tIns="80010" rIns="80010" bIns="80010" numCol="1" spcCol="1270" anchor="t" anchorCtr="0">
           <a:noAutofit/>
         </a:bodyPr>
         <a:lstStyle/>
         <a:p>
-          <a:pPr lvl="0" algn="l" defTabSz="1022350">
+          <a:pPr marL="0" lvl="0" indent="0" algn="l" defTabSz="933450">
             <a:lnSpc>
               <a:spcPct val="90000"/>
             </a:lnSpc>
@@ -3146,29 +3062,30 @@
             <a:spcAft>
               <a:spcPct val="35000"/>
             </a:spcAft>
+            <a:buNone/>
           </a:pPr>
           <a:r>
-            <a:rPr lang="en-US" altLang="zh-CN" sz="2300" kern="1200" dirty="0"/>
+            <a:rPr lang="en-US" sz="2100" kern="1200" dirty="0"/>
             <a:t>4</a:t>
           </a:r>
           <a:r>
-            <a:rPr lang="zh-CN" sz="2300" kern="1200" dirty="0"/>
-            <a:t>、</a:t>
+            <a:rPr lang="zh-CN" sz="2100" kern="1200" dirty="0"/>
+            <a:t>．</a:t>
           </a:r>
           <a:r>
-            <a:rPr lang="en-US" sz="2300" kern="1200" dirty="0"/>
+            <a:rPr lang="en-US" sz="2100" kern="1200" dirty="0"/>
             <a:t>UML</a:t>
           </a:r>
           <a:r>
-            <a:rPr lang="zh-CN" sz="2300" kern="1200" dirty="0"/>
-            <a:t>特点与结构</a:t>
+            <a:rPr lang="zh-CN" sz="2100" kern="1200" dirty="0"/>
+            <a:t>特点</a:t>
           </a:r>
-          <a:endParaRPr lang="en-US" sz="2300" kern="1200" dirty="0"/>
+          <a:endParaRPr lang="en-US" sz="2100" kern="1200" dirty="0"/>
         </a:p>
       </dsp:txBody>
       <dsp:txXfrm>
-        <a:off x="0" y="1622821"/>
-        <a:ext cx="5816600" cy="540940"/>
+        <a:off x="0" y="1442684"/>
+        <a:ext cx="5816600" cy="480718"/>
       </dsp:txXfrm>
     </dsp:sp>
     <dsp:sp modelId="{165A2E05-853A-4796-A4F7-9A222BA428E6}">
@@ -3178,7 +3095,7 @@
       </dsp:nvSpPr>
       <dsp:spPr>
         <a:xfrm>
-          <a:off x="0" y="2163762"/>
+          <a:off x="0" y="1923403"/>
           <a:ext cx="5816600" cy="0"/>
         </a:xfrm>
         <a:prstGeom prst="line">
@@ -3242,8 +3159,8 @@
       </dsp:nvSpPr>
       <dsp:spPr>
         <a:xfrm>
-          <a:off x="0" y="2163762"/>
-          <a:ext cx="5816600" cy="540940"/>
+          <a:off x="0" y="1923403"/>
+          <a:ext cx="5816600" cy="480718"/>
         </a:xfrm>
         <a:prstGeom prst="rect">
           <a:avLst/>
@@ -3267,12 +3184,12 @@
         <a:fontRef idx="minor"/>
       </dsp:style>
       <dsp:txBody>
-        <a:bodyPr spcFirstLastPara="0" vert="horz" wrap="square" lIns="87630" tIns="87630" rIns="87630" bIns="87630" numCol="1" spcCol="1270" anchor="t" anchorCtr="0">
+        <a:bodyPr spcFirstLastPara="0" vert="horz" wrap="square" lIns="80010" tIns="80010" rIns="80010" bIns="80010" numCol="1" spcCol="1270" anchor="t" anchorCtr="0">
           <a:noAutofit/>
         </a:bodyPr>
         <a:lstStyle/>
         <a:p>
-          <a:pPr lvl="0" algn="l" defTabSz="1022350">
+          <a:pPr marL="0" lvl="0" indent="0" algn="l" defTabSz="933450">
             <a:lnSpc>
               <a:spcPct val="90000"/>
             </a:lnSpc>
@@ -3282,29 +3199,30 @@
             <a:spcAft>
               <a:spcPct val="35000"/>
             </a:spcAft>
+            <a:buNone/>
           </a:pPr>
           <a:r>
-            <a:rPr lang="en-US" altLang="zh-CN" sz="2300" kern="1200" dirty="0"/>
+            <a:rPr lang="en-US" sz="2100" kern="1200" dirty="0"/>
             <a:t>5</a:t>
           </a:r>
           <a:r>
-            <a:rPr lang="zh-CN" sz="2300" kern="1200" dirty="0"/>
-            <a:t>、</a:t>
+            <a:rPr lang="zh-CN" sz="2100" kern="1200" dirty="0"/>
+            <a:t>．</a:t>
           </a:r>
           <a:r>
-            <a:rPr lang="en-US" sz="2300" kern="1200" dirty="0"/>
+            <a:rPr lang="en-US" sz="2100" kern="1200" dirty="0"/>
             <a:t>UML</a:t>
           </a:r>
           <a:r>
-            <a:rPr lang="zh-CN" sz="2300" kern="1200" dirty="0"/>
-            <a:t>中的事物</a:t>
+            <a:rPr lang="zh-CN" sz="2100" kern="1200" dirty="0"/>
+            <a:t>结构</a:t>
           </a:r>
-          <a:endParaRPr lang="en-US" sz="2300" kern="1200" dirty="0"/>
+          <a:endParaRPr lang="en-US" sz="2100" kern="1200" dirty="0"/>
         </a:p>
       </dsp:txBody>
       <dsp:txXfrm>
-        <a:off x="0" y="2163762"/>
-        <a:ext cx="5816600" cy="540940"/>
+        <a:off x="0" y="1923403"/>
+        <a:ext cx="5816600" cy="480718"/>
       </dsp:txXfrm>
     </dsp:sp>
     <dsp:sp modelId="{7614DB1E-CC9D-4EDF-AD13-F408C753FE43}">
@@ -3314,7 +3232,7 @@
       </dsp:nvSpPr>
       <dsp:spPr>
         <a:xfrm>
-          <a:off x="0" y="2704703"/>
+          <a:off x="0" y="2404121"/>
           <a:ext cx="5816600" cy="0"/>
         </a:xfrm>
         <a:prstGeom prst="line">
@@ -3378,8 +3296,8 @@
       </dsp:nvSpPr>
       <dsp:spPr>
         <a:xfrm>
-          <a:off x="0" y="2704703"/>
-          <a:ext cx="5816600" cy="540940"/>
+          <a:off x="0" y="2404121"/>
+          <a:ext cx="5816600" cy="480718"/>
         </a:xfrm>
         <a:prstGeom prst="rect">
           <a:avLst/>
@@ -3403,12 +3321,12 @@
         <a:fontRef idx="minor"/>
       </dsp:style>
       <dsp:txBody>
-        <a:bodyPr spcFirstLastPara="0" vert="horz" wrap="square" lIns="87630" tIns="87630" rIns="87630" bIns="87630" numCol="1" spcCol="1270" anchor="t" anchorCtr="0">
+        <a:bodyPr spcFirstLastPara="0" vert="horz" wrap="square" lIns="80010" tIns="80010" rIns="80010" bIns="80010" numCol="1" spcCol="1270" anchor="t" anchorCtr="0">
           <a:noAutofit/>
         </a:bodyPr>
         <a:lstStyle/>
         <a:p>
-          <a:pPr lvl="0" algn="l" defTabSz="1022350">
+          <a:pPr marL="0" lvl="0" indent="0" algn="l" defTabSz="933450">
             <a:lnSpc>
               <a:spcPct val="90000"/>
             </a:lnSpc>
@@ -3418,29 +3336,30 @@
             <a:spcAft>
               <a:spcPct val="35000"/>
             </a:spcAft>
+            <a:buNone/>
           </a:pPr>
           <a:r>
-            <a:rPr lang="en-US" altLang="zh-CN" sz="2300" kern="1200" dirty="0"/>
+            <a:rPr lang="en-US" sz="2100" kern="1200" dirty="0"/>
             <a:t>6</a:t>
           </a:r>
           <a:r>
-            <a:rPr lang="zh-CN" sz="2300" kern="1200" dirty="0"/>
-            <a:t>、</a:t>
+            <a:rPr lang="zh-CN" sz="2100" kern="1200" dirty="0"/>
+            <a:t>．</a:t>
           </a:r>
           <a:r>
-            <a:rPr lang="en-US" sz="2300" kern="1200" dirty="0"/>
+            <a:rPr lang="en-US" sz="2100" kern="1200" dirty="0"/>
             <a:t>UML</a:t>
           </a:r>
           <a:r>
-            <a:rPr lang="zh-CN" sz="2300" kern="1200" dirty="0"/>
-            <a:t>中的关系</a:t>
+            <a:rPr lang="zh-CN" sz="2100" kern="1200" dirty="0"/>
+            <a:t>中的事物</a:t>
           </a:r>
-          <a:endParaRPr lang="en-US" sz="2300" kern="1200" dirty="0"/>
+          <a:endParaRPr lang="en-US" sz="2100" kern="1200" dirty="0"/>
         </a:p>
       </dsp:txBody>
       <dsp:txXfrm>
-        <a:off x="0" y="2704703"/>
-        <a:ext cx="5816600" cy="540940"/>
+        <a:off x="0" y="2404121"/>
+        <a:ext cx="5816600" cy="480718"/>
       </dsp:txXfrm>
     </dsp:sp>
     <dsp:sp modelId="{DF47E796-67DE-4A50-A12B-6A4070492B53}">
@@ -3450,7 +3369,7 @@
       </dsp:nvSpPr>
       <dsp:spPr>
         <a:xfrm>
-          <a:off x="0" y="3245643"/>
+          <a:off x="0" y="2884840"/>
           <a:ext cx="5816600" cy="0"/>
         </a:xfrm>
         <a:prstGeom prst="line">
@@ -3514,8 +3433,8 @@
       </dsp:nvSpPr>
       <dsp:spPr>
         <a:xfrm>
-          <a:off x="0" y="3245643"/>
-          <a:ext cx="5816600" cy="540940"/>
+          <a:off x="0" y="2884840"/>
+          <a:ext cx="5816600" cy="480718"/>
         </a:xfrm>
         <a:prstGeom prst="rect">
           <a:avLst/>
@@ -3539,12 +3458,12 @@
         <a:fontRef idx="minor"/>
       </dsp:style>
       <dsp:txBody>
-        <a:bodyPr spcFirstLastPara="0" vert="horz" wrap="square" lIns="87630" tIns="87630" rIns="87630" bIns="87630" numCol="1" spcCol="1270" anchor="t" anchorCtr="0">
+        <a:bodyPr spcFirstLastPara="0" vert="horz" wrap="square" lIns="80010" tIns="80010" rIns="80010" bIns="80010" numCol="1" spcCol="1270" anchor="t" anchorCtr="0">
           <a:noAutofit/>
         </a:bodyPr>
         <a:lstStyle/>
         <a:p>
-          <a:pPr lvl="0" algn="l" defTabSz="1022350">
+          <a:pPr marL="0" lvl="0" indent="0" algn="l" defTabSz="933450">
             <a:lnSpc>
               <a:spcPct val="90000"/>
             </a:lnSpc>
@@ -3554,29 +3473,30 @@
             <a:spcAft>
               <a:spcPct val="35000"/>
             </a:spcAft>
+            <a:buNone/>
           </a:pPr>
           <a:r>
-            <a:rPr lang="en-US" altLang="zh-CN" sz="2300" kern="1200" dirty="0"/>
+            <a:rPr lang="en-US" sz="2100" kern="1200" dirty="0"/>
             <a:t>7</a:t>
           </a:r>
           <a:r>
-            <a:rPr lang="zh-CN" sz="2300" kern="1200" dirty="0"/>
-            <a:t>、</a:t>
+            <a:rPr lang="zh-CN" sz="2100" kern="1200" dirty="0"/>
+            <a:t>．</a:t>
           </a:r>
           <a:r>
-            <a:rPr lang="en-US" sz="2300" kern="1200" dirty="0"/>
+            <a:rPr lang="en-US" sz="2100" kern="1200" dirty="0"/>
             <a:t>UML</a:t>
           </a:r>
           <a:r>
-            <a:rPr lang="zh-CN" sz="2300" kern="1200" dirty="0"/>
-            <a:t>视图</a:t>
+            <a:rPr lang="zh-CN" sz="2100" kern="1200" dirty="0"/>
+            <a:t>中的关系</a:t>
           </a:r>
-          <a:endParaRPr lang="en-US" sz="2300" kern="1200" dirty="0"/>
+          <a:endParaRPr lang="en-US" sz="2100" kern="1200" dirty="0"/>
         </a:p>
       </dsp:txBody>
       <dsp:txXfrm>
-        <a:off x="0" y="3245643"/>
-        <a:ext cx="5816600" cy="540940"/>
+        <a:off x="0" y="2884840"/>
+        <a:ext cx="5816600" cy="480718"/>
       </dsp:txXfrm>
     </dsp:sp>
     <dsp:sp modelId="{762091DB-15F5-4D68-9F10-46BD9D28E7F0}">
@@ -3586,7 +3506,7 @@
       </dsp:nvSpPr>
       <dsp:spPr>
         <a:xfrm>
-          <a:off x="0" y="3786584"/>
+          <a:off x="0" y="3365559"/>
           <a:ext cx="5816600" cy="0"/>
         </a:xfrm>
         <a:prstGeom prst="line">
@@ -3650,8 +3570,8 @@
       </dsp:nvSpPr>
       <dsp:spPr>
         <a:xfrm>
-          <a:off x="0" y="3786584"/>
-          <a:ext cx="5816600" cy="540940"/>
+          <a:off x="0" y="3365559"/>
+          <a:ext cx="5816600" cy="480718"/>
         </a:xfrm>
         <a:prstGeom prst="rect">
           <a:avLst/>
@@ -3675,12 +3595,12 @@
         <a:fontRef idx="minor"/>
       </dsp:style>
       <dsp:txBody>
-        <a:bodyPr spcFirstLastPara="0" vert="horz" wrap="square" lIns="87630" tIns="87630" rIns="87630" bIns="87630" numCol="1" spcCol="1270" anchor="t" anchorCtr="0">
+        <a:bodyPr spcFirstLastPara="0" vert="horz" wrap="square" lIns="80010" tIns="80010" rIns="80010" bIns="80010" numCol="1" spcCol="1270" anchor="t" anchorCtr="0">
           <a:noAutofit/>
         </a:bodyPr>
         <a:lstStyle/>
         <a:p>
-          <a:pPr lvl="0" algn="l" defTabSz="1022350">
+          <a:pPr marL="0" lvl="0" indent="0" algn="l" defTabSz="933450">
             <a:lnSpc>
               <a:spcPct val="90000"/>
             </a:lnSpc>
@@ -3690,29 +3610,167 @@
             <a:spcAft>
               <a:spcPct val="35000"/>
             </a:spcAft>
+            <a:buNone/>
           </a:pPr>
           <a:r>
-            <a:rPr lang="en-US" altLang="zh-CN" sz="2300" kern="1200" dirty="0"/>
+            <a:rPr lang="en-US" sz="2100" kern="1200" dirty="0"/>
             <a:t>8</a:t>
           </a:r>
           <a:r>
-            <a:rPr lang="zh-CN" sz="2300" kern="1200" dirty="0"/>
-            <a:t>、</a:t>
+            <a:rPr lang="zh-CN" sz="2100" kern="1200" dirty="0"/>
+            <a:t>．</a:t>
           </a:r>
           <a:r>
-            <a:rPr lang="en-US" sz="2300" kern="1200" dirty="0"/>
+            <a:rPr lang="en-US" sz="2100" kern="1200" dirty="0"/>
             <a:t>UML</a:t>
           </a:r>
           <a:r>
-            <a:rPr lang="zh-CN" sz="2300" kern="1200" dirty="0"/>
-            <a:t>的图与介绍</a:t>
+            <a:rPr lang="zh-CN" sz="2100" kern="1200" dirty="0"/>
+            <a:t>视图</a:t>
           </a:r>
-          <a:endParaRPr lang="en-US" sz="2300" kern="1200" dirty="0"/>
+          <a:endParaRPr lang="en-US" sz="2100" kern="1200" dirty="0"/>
         </a:p>
       </dsp:txBody>
       <dsp:txXfrm>
-        <a:off x="0" y="3786584"/>
-        <a:ext cx="5816600" cy="540940"/>
+        <a:off x="0" y="3365559"/>
+        <a:ext cx="5816600" cy="480718"/>
+      </dsp:txXfrm>
+    </dsp:sp>
+    <dsp:sp modelId="{6DA84E7F-847E-4B70-BC40-484FD73FF94C}">
+      <dsp:nvSpPr>
+        <dsp:cNvPr id="0" name=""/>
+        <dsp:cNvSpPr/>
+      </dsp:nvSpPr>
+      <dsp:spPr>
+        <a:xfrm>
+          <a:off x="0" y="3846278"/>
+          <a:ext cx="5816600" cy="0"/>
+        </a:xfrm>
+        <a:prstGeom prst="line">
+          <a:avLst/>
+        </a:prstGeom>
+        <a:blipFill rotWithShape="0">
+          <a:blip xmlns:r="http://schemas.openxmlformats.org/officeDocument/2006/relationships" r:embed="rId1">
+            <a:duotone>
+              <a:schemeClr val="accent1">
+                <a:hueOff val="0"/>
+                <a:satOff val="0"/>
+                <a:lumOff val="0"/>
+                <a:alphaOff val="0"/>
+                <a:tint val="98000"/>
+                <a:lumMod val="102000"/>
+              </a:schemeClr>
+              <a:schemeClr val="accent1">
+                <a:hueOff val="0"/>
+                <a:satOff val="0"/>
+                <a:lumOff val="0"/>
+                <a:alphaOff val="0"/>
+                <a:shade val="98000"/>
+                <a:lumMod val="98000"/>
+              </a:schemeClr>
+            </a:duotone>
+          </a:blip>
+          <a:tile tx="0" ty="0" sx="100000" sy="100000" flip="none" algn="tl"/>
+        </a:blipFill>
+        <a:ln w="9525" cap="rnd" cmpd="sng" algn="ctr">
+          <a:solidFill>
+            <a:schemeClr val="accent1">
+              <a:hueOff val="0"/>
+              <a:satOff val="0"/>
+              <a:lumOff val="0"/>
+              <a:alphaOff val="0"/>
+            </a:schemeClr>
+          </a:solidFill>
+          <a:prstDash val="solid"/>
+        </a:ln>
+        <a:effectLst/>
+      </dsp:spPr>
+      <dsp:style>
+        <a:lnRef idx="1">
+          <a:scrgbClr r="0" g="0" b="0"/>
+        </a:lnRef>
+        <a:fillRef idx="3">
+          <a:scrgbClr r="0" g="0" b="0"/>
+        </a:fillRef>
+        <a:effectRef idx="2">
+          <a:scrgbClr r="0" g="0" b="0"/>
+        </a:effectRef>
+        <a:fontRef idx="minor">
+          <a:schemeClr val="lt1"/>
+        </a:fontRef>
+      </dsp:style>
+    </dsp:sp>
+    <dsp:sp modelId="{4081DCFD-79DC-47DA-ACD7-E31D5B356590}">
+      <dsp:nvSpPr>
+        <dsp:cNvPr id="0" name=""/>
+        <dsp:cNvSpPr/>
+      </dsp:nvSpPr>
+      <dsp:spPr>
+        <a:xfrm>
+          <a:off x="0" y="3846278"/>
+          <a:ext cx="5816600" cy="480718"/>
+        </a:xfrm>
+        <a:prstGeom prst="rect">
+          <a:avLst/>
+        </a:prstGeom>
+        <a:noFill/>
+        <a:ln>
+          <a:noFill/>
+        </a:ln>
+        <a:effectLst/>
+      </dsp:spPr>
+      <dsp:style>
+        <a:lnRef idx="0">
+          <a:scrgbClr r="0" g="0" b="0"/>
+        </a:lnRef>
+        <a:fillRef idx="0">
+          <a:scrgbClr r="0" g="0" b="0"/>
+        </a:fillRef>
+        <a:effectRef idx="0">
+          <a:scrgbClr r="0" g="0" b="0"/>
+        </a:effectRef>
+        <a:fontRef idx="minor"/>
+      </dsp:style>
+      <dsp:txBody>
+        <a:bodyPr spcFirstLastPara="0" vert="horz" wrap="square" lIns="80010" tIns="80010" rIns="80010" bIns="80010" numCol="1" spcCol="1270" anchor="t" anchorCtr="0">
+          <a:noAutofit/>
+        </a:bodyPr>
+        <a:lstStyle/>
+        <a:p>
+          <a:pPr marL="0" lvl="0" indent="0" algn="l" defTabSz="933450">
+            <a:lnSpc>
+              <a:spcPct val="90000"/>
+            </a:lnSpc>
+            <a:spcBef>
+              <a:spcPct val="0"/>
+            </a:spcBef>
+            <a:spcAft>
+              <a:spcPct val="35000"/>
+            </a:spcAft>
+            <a:buNone/>
+          </a:pPr>
+          <a:r>
+            <a:rPr lang="en-US" sz="2100" kern="1200"/>
+            <a:t>9</a:t>
+          </a:r>
+          <a:r>
+            <a:rPr lang="zh-CN" sz="2100" kern="1200"/>
+            <a:t>．</a:t>
+          </a:r>
+          <a:r>
+            <a:rPr lang="en-US" sz="2100" kern="1200"/>
+            <a:t>UML</a:t>
+          </a:r>
+          <a:r>
+            <a:rPr lang="zh-CN" sz="2100" kern="1200"/>
+            <a:t>的图</a:t>
+          </a:r>
+          <a:endParaRPr lang="en-US" sz="2100" kern="1200" dirty="0"/>
+        </a:p>
+      </dsp:txBody>
+      <dsp:txXfrm>
+        <a:off x="0" y="3846278"/>
+        <a:ext cx="5816600" cy="480718"/>
       </dsp:txXfrm>
     </dsp:sp>
   </dsp:spTree>
@@ -3720,7 +3778,7 @@
 </file>
 
 <file path=ppt/diagrams/drawing2.xml><?xml version="1.0" encoding="utf-8"?>
-<dsp:drawing xmlns:dgm="http://schemas.openxmlformats.org/drawingml/2006/diagram" xmlns:a="http://schemas.openxmlformats.org/drawingml/2006/main" xmlns:dsp="http://schemas.microsoft.com/office/drawing/2008/diagram">
+<dsp:drawing xmlns:dgm="http://schemas.openxmlformats.org/drawingml/2006/diagram" xmlns:dsp="http://schemas.microsoft.com/office/drawing/2008/diagram" xmlns:a="http://schemas.openxmlformats.org/drawingml/2006/main">
   <dsp:spTree>
     <dsp:nvGrpSpPr>
       <dsp:cNvPr id="0" name=""/>
@@ -3734,7 +3792,7 @@
       </dsp:nvSpPr>
       <dsp:spPr>
         <a:xfrm>
-          <a:off x="0" y="671"/>
+          <a:off x="0" y="719"/>
           <a:ext cx="6125937" cy="0"/>
         </a:xfrm>
         <a:prstGeom prst="line">
@@ -3798,8 +3856,8 @@
       </dsp:nvSpPr>
       <dsp:spPr>
         <a:xfrm>
-          <a:off x="0" y="671"/>
-          <a:ext cx="6125937" cy="2115810"/>
+          <a:off x="0" y="719"/>
+          <a:ext cx="6125937" cy="1409866"/>
         </a:xfrm>
         <a:prstGeom prst="rect">
           <a:avLst/>
@@ -3823,12 +3881,12 @@
         <a:fontRef idx="minor"/>
       </dsp:style>
       <dsp:txBody>
-        <a:bodyPr spcFirstLastPara="0" vert="horz" wrap="square" lIns="114300" tIns="114300" rIns="114300" bIns="114300" numCol="1" spcCol="1270" anchor="t" anchorCtr="0">
+        <a:bodyPr spcFirstLastPara="0" vert="horz" wrap="square" lIns="125730" tIns="125730" rIns="125730" bIns="125730" numCol="1" spcCol="1270" anchor="t" anchorCtr="0">
           <a:noAutofit/>
         </a:bodyPr>
         <a:lstStyle/>
         <a:p>
-          <a:pPr lvl="0" algn="l" defTabSz="1333500">
+          <a:pPr marL="0" lvl="0" indent="0" algn="l" defTabSz="1466850">
             <a:lnSpc>
               <a:spcPct val="90000"/>
             </a:lnSpc>
@@ -3838,35 +3896,40 @@
             <a:spcAft>
               <a:spcPct val="35000"/>
             </a:spcAft>
+            <a:buNone/>
           </a:pPr>
           <a:r>
-            <a:rPr lang="zh-CN" sz="3000" kern="1200" dirty="0"/>
-            <a:t>特点：</a:t>
-          </a:r>
-          <a:r>
-            <a:rPr lang="en-US" sz="3000" kern="1200" dirty="0"/>
+            <a:rPr lang="en-US" sz="3300" kern="1200"/>
             <a:t>UML</a:t>
           </a:r>
           <a:r>
-            <a:rPr lang="zh-CN" sz="3000" kern="1200" dirty="0"/>
-            <a:t>统一了OMT，OOSE和Booch，吸取了各种优秀的思想以及在演变过程中提出了一些新的概念。</a:t>
+            <a:rPr lang="zh-CN" sz="3300" kern="1200"/>
+            <a:t>统一了</a:t>
           </a:r>
-          <a:endParaRPr lang="en-US" sz="3000" kern="1200" dirty="0"/>
+          <a:r>
+            <a:rPr lang="en-US" sz="3300" kern="1200"/>
+            <a:t>OMT,OOSE,Booch</a:t>
+          </a:r>
+          <a:r>
+            <a:rPr lang="zh-CN" sz="3300" kern="1200"/>
+            <a:t>等方法中的基本概念和符号。</a:t>
+          </a:r>
+          <a:endParaRPr lang="en-US" sz="3300" kern="1200" dirty="0"/>
         </a:p>
       </dsp:txBody>
       <dsp:txXfrm>
-        <a:off x="0" y="671"/>
-        <a:ext cx="6125937" cy="2115810"/>
+        <a:off x="0" y="719"/>
+        <a:ext cx="6125937" cy="1409866"/>
       </dsp:txXfrm>
     </dsp:sp>
-    <dsp:sp modelId="{9DA2F4A5-F05D-464F-AEF7-2896AB07166F}">
+    <dsp:sp modelId="{482F682D-2424-4702-A620-C7F23115D366}">
       <dsp:nvSpPr>
         <dsp:cNvPr id="0" name=""/>
         <dsp:cNvSpPr/>
       </dsp:nvSpPr>
       <dsp:spPr>
         <a:xfrm>
-          <a:off x="0" y="2116481"/>
+          <a:off x="0" y="1410585"/>
           <a:ext cx="6125937" cy="0"/>
         </a:xfrm>
         <a:prstGeom prst="line">
@@ -3923,15 +3986,15 @@
         </a:fontRef>
       </dsp:style>
     </dsp:sp>
-    <dsp:sp modelId="{BD1CA96C-571B-49D7-995C-CA8BE0F8B526}">
+    <dsp:sp modelId="{609E04FB-3A4B-4AC2-BFD1-271844259B3D}">
       <dsp:nvSpPr>
         <dsp:cNvPr id="0" name=""/>
         <dsp:cNvSpPr/>
       </dsp:nvSpPr>
       <dsp:spPr>
         <a:xfrm>
-          <a:off x="0" y="2117153"/>
-          <a:ext cx="6119954" cy="2302347"/>
+          <a:off x="0" y="1410585"/>
+          <a:ext cx="6125937" cy="1504097"/>
         </a:xfrm>
         <a:prstGeom prst="rect">
           <a:avLst/>
@@ -3955,12 +4018,12 @@
         <a:fontRef idx="minor"/>
       </dsp:style>
       <dsp:txBody>
-        <a:bodyPr spcFirstLastPara="0" vert="horz" wrap="square" lIns="114300" tIns="114300" rIns="114300" bIns="114300" numCol="1" spcCol="1270" anchor="t" anchorCtr="0">
+        <a:bodyPr spcFirstLastPara="0" vert="horz" wrap="square" lIns="125730" tIns="125730" rIns="125730" bIns="125730" numCol="1" spcCol="1270" anchor="t" anchorCtr="0">
           <a:noAutofit/>
         </a:bodyPr>
         <a:lstStyle/>
         <a:p>
-          <a:pPr lvl="0" algn="l" defTabSz="1333500">
+          <a:pPr marL="0" lvl="0" indent="0" algn="l" defTabSz="1466850">
             <a:lnSpc>
               <a:spcPct val="90000"/>
             </a:lnSpc>
@@ -3970,33 +4033,149 @@
             <a:spcAft>
               <a:spcPct val="35000"/>
             </a:spcAft>
+            <a:buNone/>
           </a:pPr>
           <a:r>
-            <a:rPr lang="zh-CN" sz="3000" kern="1200" dirty="0"/>
-            <a:t>结构：</a:t>
-          </a:r>
-          <a:r>
-            <a:rPr lang="en-US" sz="3000" kern="1200" dirty="0"/>
+            <a:rPr lang="en-US" sz="3300" kern="1200"/>
             <a:t>UML</a:t>
           </a:r>
           <a:r>
-            <a:rPr lang="zh-CN" sz="3000" kern="1200" dirty="0"/>
-            <a:t>主要由事物、图和关系组成。事物是</a:t>
+            <a:rPr lang="zh-CN" sz="3300" kern="1200"/>
+            <a:t>吸取了面向对象领域中各种优秀的思想。</a:t>
           </a:r>
+        </a:p>
+      </dsp:txBody>
+      <dsp:txXfrm>
+        <a:off x="0" y="1410585"/>
+        <a:ext cx="6125937" cy="1504097"/>
+      </dsp:txXfrm>
+    </dsp:sp>
+    <dsp:sp modelId="{E96ADFA6-36BA-4A19-AEE1-808A1315C943}">
+      <dsp:nvSpPr>
+        <dsp:cNvPr id="0" name=""/>
+        <dsp:cNvSpPr/>
+      </dsp:nvSpPr>
+      <dsp:spPr>
+        <a:xfrm>
+          <a:off x="0" y="2914683"/>
+          <a:ext cx="6125937" cy="0"/>
+        </a:xfrm>
+        <a:prstGeom prst="line">
+          <a:avLst/>
+        </a:prstGeom>
+        <a:blipFill rotWithShape="0">
+          <a:blip xmlns:r="http://schemas.openxmlformats.org/officeDocument/2006/relationships" r:embed="rId1">
+            <a:duotone>
+              <a:schemeClr val="accent1">
+                <a:hueOff val="0"/>
+                <a:satOff val="0"/>
+                <a:lumOff val="0"/>
+                <a:alphaOff val="0"/>
+                <a:tint val="98000"/>
+                <a:lumMod val="102000"/>
+              </a:schemeClr>
+              <a:schemeClr val="accent1">
+                <a:hueOff val="0"/>
+                <a:satOff val="0"/>
+                <a:lumOff val="0"/>
+                <a:alphaOff val="0"/>
+                <a:shade val="98000"/>
+                <a:lumMod val="98000"/>
+              </a:schemeClr>
+            </a:duotone>
+          </a:blip>
+          <a:tile tx="0" ty="0" sx="100000" sy="100000" flip="none" algn="tl"/>
+        </a:blipFill>
+        <a:ln w="9525" cap="rnd" cmpd="sng" algn="ctr">
+          <a:solidFill>
+            <a:schemeClr val="accent1">
+              <a:hueOff val="0"/>
+              <a:satOff val="0"/>
+              <a:lumOff val="0"/>
+              <a:alphaOff val="0"/>
+            </a:schemeClr>
+          </a:solidFill>
+          <a:prstDash val="solid"/>
+        </a:ln>
+        <a:effectLst/>
+      </dsp:spPr>
+      <dsp:style>
+        <a:lnRef idx="1">
+          <a:scrgbClr r="0" g="0" b="0"/>
+        </a:lnRef>
+        <a:fillRef idx="3">
+          <a:scrgbClr r="0" g="0" b="0"/>
+        </a:fillRef>
+        <a:effectRef idx="2">
+          <a:scrgbClr r="0" g="0" b="0"/>
+        </a:effectRef>
+        <a:fontRef idx="minor">
+          <a:schemeClr val="lt1"/>
+        </a:fontRef>
+      </dsp:style>
+    </dsp:sp>
+    <dsp:sp modelId="{746267BE-B5BC-4366-804B-397E0E69C4EE}">
+      <dsp:nvSpPr>
+        <dsp:cNvPr id="0" name=""/>
+        <dsp:cNvSpPr/>
+      </dsp:nvSpPr>
+      <dsp:spPr>
+        <a:xfrm>
+          <a:off x="0" y="2914683"/>
+          <a:ext cx="6125937" cy="1504097"/>
+        </a:xfrm>
+        <a:prstGeom prst="rect">
+          <a:avLst/>
+        </a:prstGeom>
+        <a:noFill/>
+        <a:ln>
+          <a:noFill/>
+        </a:ln>
+        <a:effectLst/>
+      </dsp:spPr>
+      <dsp:style>
+        <a:lnRef idx="0">
+          <a:scrgbClr r="0" g="0" b="0"/>
+        </a:lnRef>
+        <a:fillRef idx="0">
+          <a:scrgbClr r="0" g="0" b="0"/>
+        </a:fillRef>
+        <a:effectRef idx="0">
+          <a:scrgbClr r="0" g="0" b="0"/>
+        </a:effectRef>
+        <a:fontRef idx="minor"/>
+      </dsp:style>
+      <dsp:txBody>
+        <a:bodyPr spcFirstLastPara="0" vert="horz" wrap="square" lIns="125730" tIns="125730" rIns="125730" bIns="125730" numCol="1" spcCol="1270" anchor="t" anchorCtr="0">
+          <a:noAutofit/>
+        </a:bodyPr>
+        <a:lstStyle/>
+        <a:p>
+          <a:pPr marL="0" lvl="0" indent="0" algn="l" defTabSz="1466850">
+            <a:lnSpc>
+              <a:spcPct val="90000"/>
+            </a:lnSpc>
+            <a:spcBef>
+              <a:spcPct val="0"/>
+            </a:spcBef>
+            <a:spcAft>
+              <a:spcPct val="35000"/>
+            </a:spcAft>
+            <a:buNone/>
+          </a:pPr>
           <a:r>
-            <a:rPr lang="en-US" sz="3000" kern="1200" dirty="0"/>
+            <a:rPr lang="en-US" sz="3300" kern="1200"/>
             <a:t>UML</a:t>
           </a:r>
           <a:r>
-            <a:rPr lang="zh-CN" sz="3000" kern="1200" dirty="0"/>
-            <a:t>中组成元素，关系把元素紧密联系在一起 ，图是有相互关系的事物的组。</a:t>
+            <a:rPr lang="zh-CN" sz="3300" kern="1200"/>
+            <a:t>在演变过程中还提出了一些新的概念。</a:t>
           </a:r>
-          <a:endParaRPr lang="en-US" sz="3000" kern="1200" dirty="0"/>
         </a:p>
       </dsp:txBody>
       <dsp:txXfrm>
-        <a:off x="0" y="2117153"/>
-        <a:ext cx="6119954" cy="2302347"/>
+        <a:off x="0" y="2914683"/>
+        <a:ext cx="6125937" cy="1504097"/>
       </dsp:txXfrm>
     </dsp:sp>
   </dsp:spTree>
@@ -7086,7 +7265,7 @@
             <a:fld id="{BC02ACD8-9D28-445F-BAFE-92DA3311E912}" type="datetimeFigureOut">
               <a:rPr lang="zh-CN" altLang="en-US" smtClean="0"/>
               <a:pPr/>
-              <a:t>2017/10/15</a:t>
+              <a:t>2017/10/17</a:t>
             </a:fld>
             <a:endParaRPr lang="zh-CN" altLang="en-US"/>
           </a:p>
@@ -7254,7 +7433,7 @@
     </p:spTree>
     <p:extLst>
       <p:ext uri="{BB962C8B-B14F-4D97-AF65-F5344CB8AC3E}">
-        <p14:creationId xmlns="" xmlns:p14="http://schemas.microsoft.com/office/powerpoint/2010/main" val="4201606135"/>
+        <p14:creationId xmlns:p14="http://schemas.microsoft.com/office/powerpoint/2010/main" val="4201606135"/>
       </p:ext>
     </p:extLst>
   </p:cSld>
@@ -7441,7 +7620,7 @@
     </p:spTree>
     <p:extLst>
       <p:ext uri="{BB962C8B-B14F-4D97-AF65-F5344CB8AC3E}">
-        <p14:creationId xmlns="" xmlns:p14="http://schemas.microsoft.com/office/powerpoint/2010/main" val="87421703"/>
+        <p14:creationId xmlns:p14="http://schemas.microsoft.com/office/powerpoint/2010/main" val="87421703"/>
       </p:ext>
     </p:extLst>
   </p:cSld>
@@ -7538,7 +7717,7 @@
     </p:spTree>
     <p:extLst>
       <p:ext uri="{BB962C8B-B14F-4D97-AF65-F5344CB8AC3E}">
-        <p14:creationId xmlns="" xmlns:p14="http://schemas.microsoft.com/office/powerpoint/2010/main" val="87421703"/>
+        <p14:creationId xmlns:p14="http://schemas.microsoft.com/office/powerpoint/2010/main" val="87421703"/>
       </p:ext>
     </p:extLst>
   </p:cSld>
@@ -7626,7 +7805,7 @@
     </p:spTree>
     <p:extLst>
       <p:ext uri="{BB962C8B-B14F-4D97-AF65-F5344CB8AC3E}">
-        <p14:creationId xmlns="" xmlns:p14="http://schemas.microsoft.com/office/powerpoint/2010/main" val="3133964934"/>
+        <p14:creationId xmlns:p14="http://schemas.microsoft.com/office/powerpoint/2010/main" val="3133964934"/>
       </p:ext>
     </p:extLst>
   </p:cSld>
@@ -7813,7 +7992,7 @@
           <a:effectLst/>
           <a:extLst>
             <a:ext uri="{91240B29-F687-4f45-9708-019B960494DF}">
-              <a14:hiddenLine xmlns:a14="http://schemas.microsoft.com/office/drawing/2010/main" xmlns="" w="9525">
+              <a14:hiddenLine xmlns="" xmlns:a14="http://schemas.microsoft.com/office/drawing/2010/main" w="9525">
                 <a:solidFill>
                   <a:srgbClr val="000000"/>
                 </a:solidFill>
@@ -8006,7 +8185,7 @@
             <a:fld id="{08B9EBBA-996F-894A-B54A-D6246ED52CEA}" type="datetimeFigureOut">
               <a:rPr lang="en-US" dirty="0"/>
               <a:pPr/>
-              <a:t>10/15/2017</a:t>
+              <a:t>10/17/2017</a:t>
             </a:fld>
             <a:endParaRPr lang="en-US" dirty="0"/>
           </a:p>
@@ -8321,7 +8500,7 @@
             <a:fld id="{18C79C5D-2A6F-F04D-97DA-BEF2467B64E4}" type="datetimeFigureOut">
               <a:rPr lang="en-US" dirty="0"/>
               <a:pPr/>
-              <a:t>10/15/2017</a:t>
+              <a:t>10/17/2017</a:t>
             </a:fld>
             <a:endParaRPr lang="en-US" dirty="0"/>
           </a:p>
@@ -8806,7 +8985,7 @@
             <a:fld id="{8DFA1846-DA80-1C48-A609-854EA85C59AD}" type="datetimeFigureOut">
               <a:rPr lang="en-US" dirty="0"/>
               <a:pPr/>
-              <a:t>10/15/2017</a:t>
+              <a:t>10/17/2017</a:t>
             </a:fld>
             <a:endParaRPr lang="en-US" dirty="0"/>
           </a:p>
@@ -9172,7 +9351,7 @@
             <a:fld id="{FBF54567-0DE4-3F47-BF90-CB84690072F9}" type="datetimeFigureOut">
               <a:rPr lang="en-US" dirty="0"/>
               <a:pPr/>
-              <a:t>10/15/2017</a:t>
+              <a:t>10/17/2017</a:t>
             </a:fld>
             <a:endParaRPr lang="en-US" dirty="0"/>
           </a:p>
@@ -9323,7 +9502,7 @@
           <a:ln/>
           <a:extLst>
             <a:ext uri="{91240B29-F687-4f45-9708-019B960494DF}">
-              <a14:hiddenLine xmlns:a14="http://schemas.microsoft.com/office/drawing/2010/main" xmlns="" w="9525">
+              <a14:hiddenLine xmlns="" xmlns:a14="http://schemas.microsoft.com/office/drawing/2010/main" w="9525">
                 <a:solidFill>
                   <a:srgbClr val="000000"/>
                 </a:solidFill>
@@ -9442,7 +9621,7 @@
             <a:fld id="{C6C52C72-DE31-F449-A4ED-4C594FD91407}" type="datetimeFigureOut">
               <a:rPr lang="en-US" dirty="0"/>
               <a:pPr/>
-              <a:t>10/15/2017</a:t>
+              <a:t>10/17/2017</a:t>
             </a:fld>
             <a:endParaRPr lang="en-US" dirty="0"/>
           </a:p>
@@ -9595,7 +9774,7 @@
           <a:ln/>
           <a:extLst>
             <a:ext uri="{91240B29-F687-4f45-9708-019B960494DF}">
-              <a14:hiddenLine xmlns:a14="http://schemas.microsoft.com/office/drawing/2010/main" xmlns="" w="9525">
+              <a14:hiddenLine xmlns="" xmlns:a14="http://schemas.microsoft.com/office/drawing/2010/main" w="9525">
                 <a:solidFill>
                   <a:srgbClr val="000000"/>
                 </a:solidFill>
@@ -9724,7 +9903,7 @@
             <a:fld id="{ED62726E-379B-B349-9EED-81ED093FA806}" type="datetimeFigureOut">
               <a:rPr lang="en-US" dirty="0"/>
               <a:pPr/>
-              <a:t>10/15/2017</a:t>
+              <a:t>10/17/2017</a:t>
             </a:fld>
             <a:endParaRPr lang="en-US" dirty="0"/>
           </a:p>
@@ -9875,7 +10054,7 @@
           <a:ln/>
           <a:extLst>
             <a:ext uri="{91240B29-F687-4f45-9708-019B960494DF}">
-              <a14:hiddenLine xmlns:a14="http://schemas.microsoft.com/office/drawing/2010/main" xmlns="" w="9525">
+              <a14:hiddenLine xmlns="" xmlns:a14="http://schemas.microsoft.com/office/drawing/2010/main" w="9525">
                 <a:solidFill>
                   <a:srgbClr val="000000"/>
                 </a:solidFill>
@@ -10004,7 +10183,7 @@
             <a:fld id="{9B3A1323-8D79-1946-B0D7-40001CF92E9D}" type="datetimeFigureOut">
               <a:rPr lang="en-US" dirty="0"/>
               <a:pPr/>
-              <a:t>10/15/2017</a:t>
+              <a:t>10/17/2017</a:t>
             </a:fld>
             <a:endParaRPr lang="en-US" dirty="0"/>
           </a:p>
@@ -10344,7 +10523,7 @@
             <a:fld id="{8DFA1846-DA80-1C48-A609-854EA85C59AD}" type="datetimeFigureOut">
               <a:rPr lang="en-US" dirty="0"/>
               <a:pPr/>
-              <a:t>10/15/2017</a:t>
+              <a:t>10/17/2017</a:t>
             </a:fld>
             <a:endParaRPr lang="en-US" dirty="0"/>
           </a:p>
@@ -10495,7 +10674,7 @@
           <a:ln/>
           <a:extLst>
             <a:ext uri="{91240B29-F687-4f45-9708-019B960494DF}">
-              <a14:hiddenLine xmlns:a14="http://schemas.microsoft.com/office/drawing/2010/main" xmlns="" w="9525">
+              <a14:hiddenLine xmlns="" xmlns:a14="http://schemas.microsoft.com/office/drawing/2010/main" w="9525">
                 <a:solidFill>
                   <a:srgbClr val="000000"/>
                 </a:solidFill>
@@ -10680,7 +10859,7 @@
             <a:fld id="{57302355-E14B-8545-A8F8-0FE83CC9D524}" type="datetimeFigureOut">
               <a:rPr lang="en-US" dirty="0"/>
               <a:pPr/>
-              <a:t>10/15/2017</a:t>
+              <a:t>10/17/2017</a:t>
             </a:fld>
             <a:endParaRPr lang="en-US" dirty="0"/>
           </a:p>
@@ -10831,7 +11010,7 @@
           <a:ln/>
           <a:extLst>
             <a:ext uri="{91240B29-F687-4f45-9708-019B960494DF}">
-              <a14:hiddenLine xmlns:a14="http://schemas.microsoft.com/office/drawing/2010/main" xmlns="" w="9525">
+              <a14:hiddenLine xmlns="" xmlns:a14="http://schemas.microsoft.com/office/drawing/2010/main" w="9525">
                 <a:solidFill>
                   <a:srgbClr val="000000"/>
                 </a:solidFill>
@@ -11154,7 +11333,7 @@
             <a:fld id="{02640F58-564D-2B4F-AE67-E407BA4FCF45}" type="datetimeFigureOut">
               <a:rPr lang="en-US" dirty="0"/>
               <a:pPr/>
-              <a:t>10/15/2017</a:t>
+              <a:t>10/17/2017</a:t>
             </a:fld>
             <a:endParaRPr lang="en-US" dirty="0"/>
           </a:p>
@@ -11305,7 +11484,7 @@
           <a:ln/>
           <a:extLst>
             <a:ext uri="{91240B29-F687-4f45-9708-019B960494DF}">
-              <a14:hiddenLine xmlns:a14="http://schemas.microsoft.com/office/drawing/2010/main" xmlns="" w="9525">
+              <a14:hiddenLine xmlns="" xmlns:a14="http://schemas.microsoft.com/office/drawing/2010/main" w="9525">
                 <a:solidFill>
                   <a:srgbClr val="000000"/>
                 </a:solidFill>
@@ -11372,7 +11551,7 @@
             <a:fld id="{F13A34C8-038E-2045-AF43-DF7DBB8E0E9E}" type="datetimeFigureOut">
               <a:rPr lang="en-US" dirty="0"/>
               <a:pPr/>
-              <a:t>10/15/2017</a:t>
+              <a:t>10/17/2017</a:t>
             </a:fld>
             <a:endParaRPr lang="en-US" dirty="0"/>
           </a:p>
@@ -11464,7 +11643,7 @@
             <a:fld id="{8818C68F-D26B-8F47-958C-23B49CF8A634}" type="datetimeFigureOut">
               <a:rPr lang="en-US" dirty="0"/>
               <a:pPr/>
-              <a:t>10/15/2017</a:t>
+              <a:t>10/17/2017</a:t>
             </a:fld>
             <a:endParaRPr lang="en-US" dirty="0"/>
           </a:p>
@@ -11728,7 +11907,7 @@
           <a:ln/>
           <a:extLst>
             <a:ext uri="{91240B29-F687-4f45-9708-019B960494DF}">
-              <a14:hiddenLine xmlns:a14="http://schemas.microsoft.com/office/drawing/2010/main" xmlns="" w="9525">
+              <a14:hiddenLine xmlns="" xmlns:a14="http://schemas.microsoft.com/office/drawing/2010/main" w="9525">
                 <a:solidFill>
                   <a:srgbClr val="000000"/>
                 </a:solidFill>
@@ -11928,7 +12107,7 @@
             <a:fld id="{D0DF5E60-9974-AC48-9591-99C2BB44B7CF}" type="datetimeFigureOut">
               <a:rPr lang="en-US" dirty="0"/>
               <a:pPr/>
-              <a:t>10/15/2017</a:t>
+              <a:t>10/17/2017</a:t>
             </a:fld>
             <a:endParaRPr lang="en-US" dirty="0"/>
           </a:p>
@@ -12238,7 +12417,7 @@
             <a:fld id="{18C79C5D-2A6F-F04D-97DA-BEF2467B64E4}" type="datetimeFigureOut">
               <a:rPr lang="en-US" dirty="0"/>
               <a:pPr/>
-              <a:t>10/15/2017</a:t>
+              <a:t>10/17/2017</a:t>
             </a:fld>
             <a:endParaRPr lang="en-US" dirty="0"/>
           </a:p>
@@ -12505,7 +12684,7 @@
             <a:fld id="{09B482E8-6E0E-1B4F-B1FD-C69DB9E858D9}" type="datetimeFigureOut">
               <a:rPr lang="en-US" dirty="0"/>
               <a:pPr/>
-              <a:t>10/15/2017</a:t>
+              <a:t>10/17/2017</a:t>
             </a:fld>
             <a:endParaRPr lang="en-US" dirty="0"/>
           </a:p>
@@ -12956,7 +13135,7 @@
           <p:cNvPr id="2" name="标题 1">
             <a:extLst>
               <a:ext uri="{FF2B5EF4-FFF2-40B4-BE49-F238E27FC236}">
-                <a16:creationId xmlns="" xmlns:a16="http://schemas.microsoft.com/office/drawing/2014/main" id="{517CBC26-BCC2-4455-AAF6-E0DADAD90334}"/>
+                <a16:creationId xmlns:a16="http://schemas.microsoft.com/office/drawing/2014/main" id="{517CBC26-BCC2-4455-AAF6-E0DADAD90334}"/>
               </a:ext>
             </a:extLst>
           </p:cNvPr>
@@ -13003,7 +13182,7 @@
           <p:cNvPr id="3" name="副标题 2">
             <a:extLst>
               <a:ext uri="{FF2B5EF4-FFF2-40B4-BE49-F238E27FC236}">
-                <a16:creationId xmlns="" xmlns:a16="http://schemas.microsoft.com/office/drawing/2014/main" id="{F79290E5-D6EA-4C55-91E4-864E78CD1D53}"/>
+                <a16:creationId xmlns:a16="http://schemas.microsoft.com/office/drawing/2014/main" id="{F79290E5-D6EA-4C55-91E4-864E78CD1D53}"/>
               </a:ext>
             </a:extLst>
           </p:cNvPr>
@@ -13034,14 +13213,11 @@
               <a:t>小组：</a:t>
             </a:r>
             <a:r>
-              <a:rPr lang="en-US" altLang="zh-CN" sz="2000" dirty="0" smtClean="0">
+              <a:rPr lang="en-US" altLang="zh-CN" sz="2000" dirty="0">
                 <a:latin typeface="+mn-ea"/>
               </a:rPr>
               <a:t>PRD-G24</a:t>
             </a:r>
-            <a:endParaRPr lang="en-US" altLang="zh-CN" sz="2000" dirty="0">
-              <a:latin typeface="+mn-ea"/>
-            </a:endParaRPr>
           </a:p>
           <a:p>
             <a:pPr algn="ctr"/>
@@ -13090,7 +13266,7 @@
     </p:spTree>
     <p:extLst>
       <p:ext uri="{BB962C8B-B14F-4D97-AF65-F5344CB8AC3E}">
-        <p14:creationId xmlns="" xmlns:p14="http://schemas.microsoft.com/office/powerpoint/2010/main" val="1806236602"/>
+        <p14:creationId xmlns:p14="http://schemas.microsoft.com/office/powerpoint/2010/main" val="1806236602"/>
       </p:ext>
     </p:extLst>
   </p:cSld>
@@ -13205,7 +13381,7 @@
           <p:cNvPr id="2" name="标题 1">
             <a:extLst>
               <a:ext uri="{FF2B5EF4-FFF2-40B4-BE49-F238E27FC236}">
-                <a16:creationId xmlns="" xmlns:a16="http://schemas.microsoft.com/office/drawing/2014/main" id="{EBCFB24A-4F80-4BF8-8F86-F80D7DE26470}"/>
+                <a16:creationId xmlns:a16="http://schemas.microsoft.com/office/drawing/2014/main" id="{EBCFB24A-4F80-4BF8-8F86-F80D7DE26470}"/>
               </a:ext>
             </a:extLst>
           </p:cNvPr>
@@ -13238,7 +13414,7 @@
           <p:cNvPr id="3" name="竖排文字占位符 2">
             <a:extLst>
               <a:ext uri="{FF2B5EF4-FFF2-40B4-BE49-F238E27FC236}">
-                <a16:creationId xmlns="" xmlns:a16="http://schemas.microsoft.com/office/drawing/2014/main" id="{9000D8E1-402D-443D-963D-2E71F3CA2E7F}"/>
+                <a16:creationId xmlns:a16="http://schemas.microsoft.com/office/drawing/2014/main" id="{9000D8E1-402D-443D-963D-2E71F3CA2E7F}"/>
               </a:ext>
             </a:extLst>
           </p:cNvPr>
@@ -13334,7 +13510,7 @@
     </p:spTree>
     <p:extLst>
       <p:ext uri="{BB962C8B-B14F-4D97-AF65-F5344CB8AC3E}">
-        <p14:creationId xmlns="" xmlns:p14="http://schemas.microsoft.com/office/powerpoint/2010/main" val="2344961253"/>
+        <p14:creationId xmlns:p14="http://schemas.microsoft.com/office/powerpoint/2010/main" val="2344961253"/>
       </p:ext>
     </p:extLst>
   </p:cSld>
@@ -13701,7 +13877,7 @@
           <p:cNvPr id="2" name="标题 1">
             <a:extLst>
               <a:ext uri="{FF2B5EF4-FFF2-40B4-BE49-F238E27FC236}">
-                <a16:creationId xmlns="" xmlns:a16="http://schemas.microsoft.com/office/drawing/2014/main" id="{1DDA3B09-FC23-43EB-86E2-763B5A3FE7F2}"/>
+                <a16:creationId xmlns:a16="http://schemas.microsoft.com/office/drawing/2014/main" id="{1DDA3B09-FC23-43EB-86E2-763B5A3FE7F2}"/>
               </a:ext>
             </a:extLst>
           </p:cNvPr>
@@ -13738,7 +13914,7 @@
           <p:cNvPr id="3" name="文本占位符 2">
             <a:extLst>
               <a:ext uri="{FF2B5EF4-FFF2-40B4-BE49-F238E27FC236}">
-                <a16:creationId xmlns="" xmlns:a16="http://schemas.microsoft.com/office/drawing/2014/main" id="{73313F3C-A473-44BD-8A5C-CCED823AD5B5}"/>
+                <a16:creationId xmlns:a16="http://schemas.microsoft.com/office/drawing/2014/main" id="{73313F3C-A473-44BD-8A5C-CCED823AD5B5}"/>
               </a:ext>
             </a:extLst>
           </p:cNvPr>
@@ -13783,7 +13959,7 @@
           <p:cNvPr id="4" name="文本占位符 3">
             <a:extLst>
               <a:ext uri="{FF2B5EF4-FFF2-40B4-BE49-F238E27FC236}">
-                <a16:creationId xmlns="" xmlns:a16="http://schemas.microsoft.com/office/drawing/2014/main" id="{0459766A-BD2B-4253-8362-B1900B7F0FF8}"/>
+                <a16:creationId xmlns:a16="http://schemas.microsoft.com/office/drawing/2014/main" id="{0459766A-BD2B-4253-8362-B1900B7F0FF8}"/>
               </a:ext>
             </a:extLst>
           </p:cNvPr>
@@ -13839,15 +14015,7 @@
             </a:pPr>
             <a:r>
               <a:rPr lang="zh-CN" altLang="en-US" dirty="0"/>
-              <a:t>静态图（类图、对象图、包图、组</a:t>
-            </a:r>
-            <a:r>
-              <a:rPr lang="zh-CN" altLang="en-US" dirty="0" smtClean="0"/>
-              <a:t>合结</a:t>
-            </a:r>
-            <a:r>
-              <a:rPr lang="zh-CN" altLang="en-US" dirty="0"/>
-              <a:t>构图）</a:t>
+              <a:t>静态图（类图、对象图、包图、组合结构图）</a:t>
             </a:r>
             <a:endParaRPr lang="en-US" altLang="zh-CN" dirty="0"/>
           </a:p>
@@ -13858,15 +14026,7 @@
             </a:pPr>
             <a:r>
               <a:rPr lang="zh-CN" altLang="en-US" dirty="0"/>
-              <a:t>行为图（状</a:t>
-            </a:r>
-            <a:r>
-              <a:rPr lang="zh-CN" altLang="en-US" dirty="0" smtClean="0"/>
-              <a:t>态机图</a:t>
-            </a:r>
-            <a:r>
-              <a:rPr lang="zh-CN" altLang="en-US" dirty="0"/>
-              <a:t>和活动图）</a:t>
+              <a:t>行为图（状态机图和活动图）</a:t>
             </a:r>
             <a:endParaRPr lang="en-US" altLang="zh-CN" dirty="0"/>
           </a:p>
@@ -13912,15 +14072,7 @@
             </a:pPr>
             <a:r>
               <a:rPr lang="zh-CN" altLang="en-US" dirty="0"/>
-              <a:t>实现图（</a:t>
-            </a:r>
-            <a:r>
-              <a:rPr lang="zh-CN" altLang="en-US" dirty="0" smtClean="0"/>
-              <a:t>构件图</a:t>
-            </a:r>
-            <a:r>
-              <a:rPr lang="zh-CN" altLang="en-US" dirty="0"/>
-              <a:t>、部署图）</a:t>
+              <a:t>实现图（构件图、部署图）</a:t>
             </a:r>
             <a:endParaRPr lang="en-US" altLang="zh-CN" dirty="0"/>
           </a:p>
@@ -13929,7 +14081,7 @@
     </p:spTree>
     <p:extLst>
       <p:ext uri="{BB962C8B-B14F-4D97-AF65-F5344CB8AC3E}">
-        <p14:creationId xmlns="" xmlns:p14="http://schemas.microsoft.com/office/powerpoint/2010/main" val="724463141"/>
+        <p14:creationId xmlns:p14="http://schemas.microsoft.com/office/powerpoint/2010/main" val="724463141"/>
       </p:ext>
     </p:extLst>
   </p:cSld>
@@ -14364,7 +14516,7 @@
           <p:nvPr>
             <p:extLst>
               <p:ext uri="{386F3935-93C4-4BCD-93E2-E3B085C9AB24}">
-                <p16:designElem xmlns:p16="http://schemas.microsoft.com/office/powerpoint/2015/main" xmlns="" val="1"/>
+                <p16:designElem xmlns:p16="http://schemas.microsoft.com/office/powerpoint/2015/main" val="1"/>
               </p:ext>
             </p:extLst>
           </p:nvPr>
@@ -14391,7 +14543,7 @@
           <p:cNvPr id="11" name="Freeform 6">
             <a:extLst>
               <a:ext uri="{FF2B5EF4-FFF2-40B4-BE49-F238E27FC236}">
-                <a16:creationId xmlns:a16="http://schemas.microsoft.com/office/drawing/2014/main" xmlns="" id="{8EE457FF-670E-4EC1-ACD4-1173DA9A7975}"/>
+                <a16:creationId xmlns:a16="http://schemas.microsoft.com/office/drawing/2014/main" id="{8EE457FF-670E-4EC1-ACD4-1173DA9A7975}"/>
               </a:ext>
             </a:extLst>
           </p:cNvPr>
@@ -14401,7 +14553,7 @@
           <p:nvPr>
             <p:extLst>
               <p:ext uri="{386F3935-93C4-4BCD-93E2-E3B085C9AB24}">
-                <p16:designElem xmlns:p16="http://schemas.microsoft.com/office/powerpoint/2015/main" xmlns="" val="1"/>
+                <p16:designElem xmlns:p16="http://schemas.microsoft.com/office/powerpoint/2015/main" val="1"/>
               </p:ext>
             </p:extLst>
           </p:nvPr>
@@ -14477,7 +14629,7 @@
           <a:ln/>
           <a:extLst>
             <a:ext uri="{91240B29-F687-4f45-9708-019B960494DF}">
-              <a14:hiddenLine xmlns:a14="http://schemas.microsoft.com/office/drawing/2010/main" xmlns="" w="9525">
+              <a14:hiddenLine xmlns="" xmlns:a14="http://schemas.microsoft.com/office/drawing/2010/main" w="9525">
                 <a:solidFill>
                   <a:srgbClr val="000000"/>
                 </a:solidFill>
@@ -14508,7 +14660,7 @@
           <p:cNvPr id="13" name="Rectangle 12">
             <a:extLst>
               <a:ext uri="{FF2B5EF4-FFF2-40B4-BE49-F238E27FC236}">
-                <a16:creationId xmlns:a16="http://schemas.microsoft.com/office/drawing/2014/main" xmlns="" id="{089A69AF-D57B-49B4-886C-D4A5DC194421}"/>
+                <a16:creationId xmlns:a16="http://schemas.microsoft.com/office/drawing/2014/main" id="{089A69AF-D57B-49B4-886C-D4A5DC194421}"/>
               </a:ext>
             </a:extLst>
           </p:cNvPr>
@@ -14518,7 +14670,7 @@
           <p:nvPr>
             <p:extLst>
               <p:ext uri="{386F3935-93C4-4BCD-93E2-E3B085C9AB24}">
-                <p16:designElem xmlns:p16="http://schemas.microsoft.com/office/powerpoint/2015/main" xmlns="" val="1"/>
+                <p16:designElem xmlns:p16="http://schemas.microsoft.com/office/powerpoint/2015/main" val="1"/>
               </p:ext>
             </p:extLst>
           </p:nvPr>
@@ -14565,7 +14717,7 @@
           <p:cNvPr id="15" name="Freeform: Shape 14">
             <a:extLst>
               <a:ext uri="{FF2B5EF4-FFF2-40B4-BE49-F238E27FC236}">
-                <a16:creationId xmlns:a16="http://schemas.microsoft.com/office/drawing/2014/main" xmlns="" id="{CABDC08D-6093-4397-92D4-54D00E2BB1C2}"/>
+                <a16:creationId xmlns:a16="http://schemas.microsoft.com/office/drawing/2014/main" id="{CABDC08D-6093-4397-92D4-54D00E2BB1C2}"/>
               </a:ext>
             </a:extLst>
           </p:cNvPr>
@@ -14575,7 +14727,7 @@
           <p:nvPr>
             <p:extLst>
               <p:ext uri="{386F3935-93C4-4BCD-93E2-E3B085C9AB24}">
-                <p16:designElem xmlns:p16="http://schemas.microsoft.com/office/powerpoint/2015/main" xmlns="" val="1"/>
+                <p16:designElem xmlns:p16="http://schemas.microsoft.com/office/powerpoint/2015/main" val="1"/>
               </p:ext>
             </p:extLst>
           </p:nvPr>
@@ -14770,7 +14922,7 @@
           <a:effectLst/>
           <a:extLst>
             <a:ext uri="{91240B29-F687-4f45-9708-019B960494DF}">
-              <a14:hiddenLine xmlns:a14="http://schemas.microsoft.com/office/drawing/2010/main" xmlns:p14="http://schemas.microsoft.com/office/powerpoint/2010/main" xmlns:a16="http://schemas.microsoft.com/office/drawing/2014/main" xmlns="" w="9525">
+              <a14:hiddenLine xmlns="" xmlns:a16="http://schemas.microsoft.com/office/drawing/2014/main" xmlns:p14="http://schemas.microsoft.com/office/powerpoint/2010/main" xmlns:a14="http://schemas.microsoft.com/office/drawing/2010/main" w="9525">
                 <a:solidFill>
                   <a:srgbClr val="000000"/>
                 </a:solidFill>
@@ -14801,7 +14953,7 @@
           <p:cNvPr id="2" name="标题 1">
             <a:extLst>
               <a:ext uri="{FF2B5EF4-FFF2-40B4-BE49-F238E27FC236}">
-                <a16:creationId xmlns:a16="http://schemas.microsoft.com/office/drawing/2014/main" xmlns="" id="{E96509DE-3F06-43CD-A0BC-6D0825469805}"/>
+                <a16:creationId xmlns:a16="http://schemas.microsoft.com/office/drawing/2014/main" id="{E96509DE-3F06-43CD-A0BC-6D0825469805}"/>
               </a:ext>
             </a:extLst>
           </p:cNvPr>
@@ -14826,11 +14978,7 @@
           <a:p>
             <a:r>
               <a:rPr lang="zh-CN" altLang="en-US" sz="4000" b="1" dirty="0"/>
-              <a:t>用</a:t>
-            </a:r>
-            <a:r>
-              <a:rPr lang="zh-CN" altLang="en-US" sz="4000" b="1" dirty="0" smtClean="0"/>
-              <a:t>例图</a:t>
+              <a:t>用例图</a:t>
             </a:r>
             <a:endParaRPr lang="en-US" altLang="zh-CN" sz="4000" b="1" dirty="0"/>
           </a:p>
@@ -14848,7 +14996,7 @@
           <a:blip r:embed="rId2">
             <a:extLst>
               <a:ext uri="{28A0092B-C50C-407E-A947-70E740481C1C}">
-                <a14:useLocalDpi xmlns:a14="http://schemas.microsoft.com/office/drawing/2010/main" xmlns="" val="0"/>
+                <a14:useLocalDpi xmlns:a14="http://schemas.microsoft.com/office/drawing/2010/main" val="0"/>
               </a:ext>
             </a:extLst>
           </a:blip>
@@ -15003,7 +15151,7 @@
     </p:spTree>
     <p:extLst>
       <p:ext uri="{BB962C8B-B14F-4D97-AF65-F5344CB8AC3E}">
-        <p14:creationId xmlns:p14="http://schemas.microsoft.com/office/powerpoint/2010/main" xmlns="" val="1913403072"/>
+        <p14:creationId xmlns:p14="http://schemas.microsoft.com/office/powerpoint/2010/main" val="1913403072"/>
       </p:ext>
     </p:extLst>
   </p:cSld>
@@ -15216,7 +15364,7 @@
           <p:nvPr>
             <p:extLst>
               <p:ext uri="{386F3935-93C4-4BCD-93E2-E3B085C9AB24}">
-                <p16:designElem xmlns="" xmlns:p16="http://schemas.microsoft.com/office/powerpoint/2015/main" val="1"/>
+                <p16:designElem xmlns:p16="http://schemas.microsoft.com/office/powerpoint/2015/main" val="1"/>
               </p:ext>
             </p:extLst>
           </p:nvPr>
@@ -15243,7 +15391,7 @@
           <p:cNvPr id="11" name="Freeform 6">
             <a:extLst>
               <a:ext uri="{FF2B5EF4-FFF2-40B4-BE49-F238E27FC236}">
-                <a16:creationId xmlns="" xmlns:a16="http://schemas.microsoft.com/office/drawing/2014/main" id="{8EE457FF-670E-4EC1-ACD4-1173DA9A7975}"/>
+                <a16:creationId xmlns:a16="http://schemas.microsoft.com/office/drawing/2014/main" id="{8EE457FF-670E-4EC1-ACD4-1173DA9A7975}"/>
               </a:ext>
             </a:extLst>
           </p:cNvPr>
@@ -15253,7 +15401,7 @@
           <p:nvPr>
             <p:extLst>
               <p:ext uri="{386F3935-93C4-4BCD-93E2-E3B085C9AB24}">
-                <p16:designElem xmlns="" xmlns:p16="http://schemas.microsoft.com/office/powerpoint/2015/main" val="1"/>
+                <p16:designElem xmlns:p16="http://schemas.microsoft.com/office/powerpoint/2015/main" val="1"/>
               </p:ext>
             </p:extLst>
           </p:nvPr>
@@ -15329,7 +15477,7 @@
           <a:ln/>
           <a:extLst>
             <a:ext uri="{91240B29-F687-4f45-9708-019B960494DF}">
-              <a14:hiddenLine xmlns="" xmlns:a14="http://schemas.microsoft.com/office/drawing/2010/main" w="9525">
+              <a14:hiddenLine xmlns:a14="http://schemas.microsoft.com/office/drawing/2010/main" xmlns="" w="9525">
                 <a:solidFill>
                   <a:srgbClr val="000000"/>
                 </a:solidFill>
@@ -15360,7 +15508,7 @@
           <p:cNvPr id="13" name="Rectangle 12">
             <a:extLst>
               <a:ext uri="{FF2B5EF4-FFF2-40B4-BE49-F238E27FC236}">
-                <a16:creationId xmlns="" xmlns:a16="http://schemas.microsoft.com/office/drawing/2014/main" id="{089A69AF-D57B-49B4-886C-D4A5DC194421}"/>
+                <a16:creationId xmlns:a16="http://schemas.microsoft.com/office/drawing/2014/main" id="{089A69AF-D57B-49B4-886C-D4A5DC194421}"/>
               </a:ext>
             </a:extLst>
           </p:cNvPr>
@@ -15370,7 +15518,7 @@
           <p:nvPr>
             <p:extLst>
               <p:ext uri="{386F3935-93C4-4BCD-93E2-E3B085C9AB24}">
-                <p16:designElem xmlns="" xmlns:p16="http://schemas.microsoft.com/office/powerpoint/2015/main" val="1"/>
+                <p16:designElem xmlns:p16="http://schemas.microsoft.com/office/powerpoint/2015/main" val="1"/>
               </p:ext>
             </p:extLst>
           </p:nvPr>
@@ -15420,7 +15568,7 @@
           <p:cNvPr id="15" name="Freeform: Shape 14">
             <a:extLst>
               <a:ext uri="{FF2B5EF4-FFF2-40B4-BE49-F238E27FC236}">
-                <a16:creationId xmlns="" xmlns:a16="http://schemas.microsoft.com/office/drawing/2014/main" id="{68F2977E-E0AE-4EB4-A059-59E908EB862A}"/>
+                <a16:creationId xmlns:a16="http://schemas.microsoft.com/office/drawing/2014/main" id="{68F2977E-E0AE-4EB4-A059-59E908EB862A}"/>
               </a:ext>
             </a:extLst>
           </p:cNvPr>
@@ -15430,7 +15578,7 @@
           <p:nvPr>
             <p:extLst>
               <p:ext uri="{386F3935-93C4-4BCD-93E2-E3B085C9AB24}">
-                <p16:designElem xmlns="" xmlns:p16="http://schemas.microsoft.com/office/powerpoint/2015/main" val="1"/>
+                <p16:designElem xmlns:p16="http://schemas.microsoft.com/office/powerpoint/2015/main" val="1"/>
               </p:ext>
             </p:extLst>
           </p:nvPr>
@@ -15657,7 +15805,7 @@
           <a:effectLst/>
           <a:extLst>
             <a:ext uri="{91240B29-F687-4f45-9708-019B960494DF}">
-              <a14:hiddenLine xmlns="" xmlns:a16="http://schemas.microsoft.com/office/drawing/2014/main" xmlns:p14="http://schemas.microsoft.com/office/powerpoint/2010/main" xmlns:a14="http://schemas.microsoft.com/office/drawing/2010/main" w="9525">
+              <a14:hiddenLine xmlns:a14="http://schemas.microsoft.com/office/drawing/2010/main" xmlns:p14="http://schemas.microsoft.com/office/powerpoint/2010/main" xmlns:a16="http://schemas.microsoft.com/office/drawing/2014/main" xmlns="" w="9525">
                 <a:solidFill>
                   <a:srgbClr val="000000"/>
                 </a:solidFill>
@@ -15688,7 +15836,7 @@
           <p:cNvPr id="2" name="标题 1">
             <a:extLst>
               <a:ext uri="{FF2B5EF4-FFF2-40B4-BE49-F238E27FC236}">
-                <a16:creationId xmlns="" xmlns:a16="http://schemas.microsoft.com/office/drawing/2014/main" id="{C02436D1-70D4-4430-AC58-3D56BFE150F9}"/>
+                <a16:creationId xmlns:a16="http://schemas.microsoft.com/office/drawing/2014/main" id="{C02436D1-70D4-4430-AC58-3D56BFE150F9}"/>
               </a:ext>
             </a:extLst>
           </p:cNvPr>
@@ -15832,7 +15980,7 @@
           <a:blip r:embed="rId2">
             <a:extLst>
               <a:ext uri="{28A0092B-C50C-407E-A947-70E740481C1C}">
-                <a14:useLocalDpi xmlns="" xmlns:a14="http://schemas.microsoft.com/office/drawing/2010/main" val="0"/>
+                <a14:useLocalDpi xmlns:a14="http://schemas.microsoft.com/office/drawing/2010/main" val="0"/>
               </a:ext>
             </a:extLst>
           </a:blip>
@@ -15883,7 +16031,7 @@
     </p:spTree>
     <p:extLst>
       <p:ext uri="{BB962C8B-B14F-4D97-AF65-F5344CB8AC3E}">
-        <p14:creationId xmlns="" xmlns:p14="http://schemas.microsoft.com/office/powerpoint/2010/main" val="1062934262"/>
+        <p14:creationId xmlns:p14="http://schemas.microsoft.com/office/powerpoint/2010/main" val="1062934262"/>
       </p:ext>
     </p:extLst>
   </p:cSld>
@@ -16096,7 +16244,7 @@
           <p:nvPr>
             <p:extLst>
               <p:ext uri="{386F3935-93C4-4BCD-93E2-E3B085C9AB24}">
-                <p16:designElem xmlns="" xmlns:p16="http://schemas.microsoft.com/office/powerpoint/2015/main" val="1"/>
+                <p16:designElem xmlns:p16="http://schemas.microsoft.com/office/powerpoint/2015/main" val="1"/>
               </p:ext>
             </p:extLst>
           </p:nvPr>
@@ -16123,7 +16271,7 @@
           <p:cNvPr id="11" name="Freeform 6">
             <a:extLst>
               <a:ext uri="{FF2B5EF4-FFF2-40B4-BE49-F238E27FC236}">
-                <a16:creationId xmlns="" xmlns:a16="http://schemas.microsoft.com/office/drawing/2014/main" id="{8EE457FF-670E-4EC1-ACD4-1173DA9A7975}"/>
+                <a16:creationId xmlns:a16="http://schemas.microsoft.com/office/drawing/2014/main" id="{8EE457FF-670E-4EC1-ACD4-1173DA9A7975}"/>
               </a:ext>
             </a:extLst>
           </p:cNvPr>
@@ -16133,7 +16281,7 @@
           <p:nvPr>
             <p:extLst>
               <p:ext uri="{386F3935-93C4-4BCD-93E2-E3B085C9AB24}">
-                <p16:designElem xmlns="" xmlns:p16="http://schemas.microsoft.com/office/powerpoint/2015/main" val="1"/>
+                <p16:designElem xmlns:p16="http://schemas.microsoft.com/office/powerpoint/2015/main" val="1"/>
               </p:ext>
             </p:extLst>
           </p:nvPr>
@@ -16209,7 +16357,7 @@
           <a:ln/>
           <a:extLst>
             <a:ext uri="{91240B29-F687-4f45-9708-019B960494DF}">
-              <a14:hiddenLine xmlns="" xmlns:a14="http://schemas.microsoft.com/office/drawing/2010/main" w="9525">
+              <a14:hiddenLine xmlns:a14="http://schemas.microsoft.com/office/drawing/2010/main" xmlns="" w="9525">
                 <a:solidFill>
                   <a:srgbClr val="000000"/>
                 </a:solidFill>
@@ -16240,7 +16388,7 @@
           <p:cNvPr id="13" name="Rectangle 12">
             <a:extLst>
               <a:ext uri="{FF2B5EF4-FFF2-40B4-BE49-F238E27FC236}">
-                <a16:creationId xmlns="" xmlns:a16="http://schemas.microsoft.com/office/drawing/2014/main" id="{089A69AF-D57B-49B4-886C-D4A5DC194421}"/>
+                <a16:creationId xmlns:a16="http://schemas.microsoft.com/office/drawing/2014/main" id="{089A69AF-D57B-49B4-886C-D4A5DC194421}"/>
               </a:ext>
             </a:extLst>
           </p:cNvPr>
@@ -16250,7 +16398,7 @@
           <p:nvPr>
             <p:extLst>
               <p:ext uri="{386F3935-93C4-4BCD-93E2-E3B085C9AB24}">
-                <p16:designElem xmlns="" xmlns:p16="http://schemas.microsoft.com/office/powerpoint/2015/main" val="1"/>
+                <p16:designElem xmlns:p16="http://schemas.microsoft.com/office/powerpoint/2015/main" val="1"/>
               </p:ext>
             </p:extLst>
           </p:nvPr>
@@ -16297,7 +16445,7 @@
           <p:cNvPr id="15" name="Freeform: Shape 14">
             <a:extLst>
               <a:ext uri="{FF2B5EF4-FFF2-40B4-BE49-F238E27FC236}">
-                <a16:creationId xmlns="" xmlns:a16="http://schemas.microsoft.com/office/drawing/2014/main" id="{CABDC08D-6093-4397-92D4-54D00E2BB1C2}"/>
+                <a16:creationId xmlns:a16="http://schemas.microsoft.com/office/drawing/2014/main" id="{CABDC08D-6093-4397-92D4-54D00E2BB1C2}"/>
               </a:ext>
             </a:extLst>
           </p:cNvPr>
@@ -16307,7 +16455,7 @@
           <p:nvPr>
             <p:extLst>
               <p:ext uri="{386F3935-93C4-4BCD-93E2-E3B085C9AB24}">
-                <p16:designElem xmlns="" xmlns:p16="http://schemas.microsoft.com/office/powerpoint/2015/main" val="1"/>
+                <p16:designElem xmlns:p16="http://schemas.microsoft.com/office/powerpoint/2015/main" val="1"/>
               </p:ext>
             </p:extLst>
           </p:nvPr>
@@ -16502,7 +16650,7 @@
           <a:effectLst/>
           <a:extLst>
             <a:ext uri="{91240B29-F687-4f45-9708-019B960494DF}">
-              <a14:hiddenLine xmlns="" xmlns:a16="http://schemas.microsoft.com/office/drawing/2014/main" xmlns:p14="http://schemas.microsoft.com/office/powerpoint/2010/main" xmlns:a14="http://schemas.microsoft.com/office/drawing/2010/main" w="9525">
+              <a14:hiddenLine xmlns:a14="http://schemas.microsoft.com/office/drawing/2010/main" xmlns:p14="http://schemas.microsoft.com/office/powerpoint/2010/main" xmlns:a16="http://schemas.microsoft.com/office/drawing/2014/main" xmlns="" w="9525">
                 <a:solidFill>
                   <a:srgbClr val="000000"/>
                 </a:solidFill>
@@ -16533,7 +16681,7 @@
           <p:cNvPr id="2" name="标题 1">
             <a:extLst>
               <a:ext uri="{FF2B5EF4-FFF2-40B4-BE49-F238E27FC236}">
-                <a16:creationId xmlns="" xmlns:a16="http://schemas.microsoft.com/office/drawing/2014/main" id="{E96509DE-3F06-43CD-A0BC-6D0825469805}"/>
+                <a16:creationId xmlns:a16="http://schemas.microsoft.com/office/drawing/2014/main" id="{E96509DE-3F06-43CD-A0BC-6D0825469805}"/>
               </a:ext>
             </a:extLst>
           </p:cNvPr>
@@ -16608,13 +16756,7 @@
               <a:rPr lang="zh-CN" altLang="en-US" sz="2800" dirty="0">
                 <a:latin typeface="+mn-ea"/>
               </a:rPr>
-              <a:t>类图的一个实例，描述系统在具体时间点上所包含的对象以及各个对象的</a:t>
-            </a:r>
-            <a:r>
-              <a:rPr lang="zh-CN" altLang="en-US" sz="2800" dirty="0" smtClean="0">
-                <a:latin typeface="+mn-ea"/>
-              </a:rPr>
-              <a:t>关系</a:t>
+              <a:t>类图的一个实例，描述系统在具体时间点上所包含的对象以及各个对象的关系</a:t>
             </a:r>
           </a:p>
         </p:txBody>
@@ -16631,7 +16773,7 @@
           <a:blip r:embed="rId2">
             <a:extLst>
               <a:ext uri="{28A0092B-C50C-407E-A947-70E740481C1C}">
-                <a14:useLocalDpi xmlns="" xmlns:a14="http://schemas.microsoft.com/office/drawing/2010/main" val="0"/>
+                <a14:useLocalDpi xmlns:a14="http://schemas.microsoft.com/office/drawing/2010/main" val="0"/>
               </a:ext>
             </a:extLst>
           </a:blip>
@@ -16674,28 +16816,23 @@
             <a:pPr algn="ctr"/>
             <a:r>
               <a:rPr lang="zh-CN" altLang="en-US" sz="3200" dirty="0"/>
-              <a:t>机房收费</a:t>
-            </a:r>
-            <a:r>
-              <a:rPr lang="zh-CN" altLang="en-US" sz="3200" dirty="0" smtClean="0"/>
-              <a:t>系统</a:t>
-            </a:r>
-            <a:r>
-              <a:rPr lang="en-US" altLang="zh-CN" sz="3200" dirty="0" smtClean="0"/>
+              <a:t>机房收费系统</a:t>
+            </a:r>
+            <a:r>
+              <a:rPr lang="en-US" altLang="zh-CN" sz="3200" dirty="0"/>
               <a:t>——</a:t>
             </a:r>
             <a:r>
-              <a:rPr lang="zh-CN" altLang="en-US" sz="3200" dirty="0" smtClean="0"/>
+              <a:rPr lang="zh-CN" altLang="en-US" sz="3200" dirty="0"/>
               <a:t>注册</a:t>
             </a:r>
-            <a:endParaRPr lang="zh-CN" altLang="en-US" sz="3200" dirty="0"/>
           </a:p>
         </p:txBody>
       </p:sp>
     </p:spTree>
     <p:extLst>
       <p:ext uri="{BB962C8B-B14F-4D97-AF65-F5344CB8AC3E}">
-        <p14:creationId xmlns="" xmlns:p14="http://schemas.microsoft.com/office/powerpoint/2010/main" val="1281786505"/>
+        <p14:creationId xmlns:p14="http://schemas.microsoft.com/office/powerpoint/2010/main" val="1281786505"/>
       </p:ext>
     </p:extLst>
   </p:cSld>
@@ -16822,7 +16959,7 @@
           <p:nvPr>
             <p:extLst>
               <p:ext uri="{386F3935-93C4-4BCD-93E2-E3B085C9AB24}">
-                <p16:designElem xmlns="" xmlns:p16="http://schemas.microsoft.com/office/powerpoint/2015/main" val="1"/>
+                <p16:designElem xmlns:p16="http://schemas.microsoft.com/office/powerpoint/2015/main" val="1"/>
               </p:ext>
             </p:extLst>
           </p:nvPr>
@@ -16849,7 +16986,7 @@
           <p:cNvPr id="11" name="Freeform 6">
             <a:extLst>
               <a:ext uri="{FF2B5EF4-FFF2-40B4-BE49-F238E27FC236}">
-                <a16:creationId xmlns="" xmlns:a16="http://schemas.microsoft.com/office/drawing/2014/main" id="{8EE457FF-670E-4EC1-ACD4-1173DA9A7975}"/>
+                <a16:creationId xmlns:a16="http://schemas.microsoft.com/office/drawing/2014/main" id="{8EE457FF-670E-4EC1-ACD4-1173DA9A7975}"/>
               </a:ext>
             </a:extLst>
           </p:cNvPr>
@@ -16859,7 +16996,7 @@
           <p:nvPr>
             <p:extLst>
               <p:ext uri="{386F3935-93C4-4BCD-93E2-E3B085C9AB24}">
-                <p16:designElem xmlns="" xmlns:p16="http://schemas.microsoft.com/office/powerpoint/2015/main" val="1"/>
+                <p16:designElem xmlns:p16="http://schemas.microsoft.com/office/powerpoint/2015/main" val="1"/>
               </p:ext>
             </p:extLst>
           </p:nvPr>
@@ -16935,7 +17072,7 @@
           <a:ln/>
           <a:extLst>
             <a:ext uri="{91240B29-F687-4f45-9708-019B960494DF}">
-              <a14:hiddenLine xmlns="" xmlns:a14="http://schemas.microsoft.com/office/drawing/2010/main" w="9525">
+              <a14:hiddenLine xmlns:a14="http://schemas.microsoft.com/office/drawing/2010/main" xmlns="" w="9525">
                 <a:solidFill>
                   <a:srgbClr val="000000"/>
                 </a:solidFill>
@@ -16966,7 +17103,7 @@
           <p:cNvPr id="13" name="Rectangle 12">
             <a:extLst>
               <a:ext uri="{FF2B5EF4-FFF2-40B4-BE49-F238E27FC236}">
-                <a16:creationId xmlns="" xmlns:a16="http://schemas.microsoft.com/office/drawing/2014/main" id="{089A69AF-D57B-49B4-886C-D4A5DC194421}"/>
+                <a16:creationId xmlns:a16="http://schemas.microsoft.com/office/drawing/2014/main" id="{089A69AF-D57B-49B4-886C-D4A5DC194421}"/>
               </a:ext>
             </a:extLst>
           </p:cNvPr>
@@ -16976,7 +17113,7 @@
           <p:nvPr>
             <p:extLst>
               <p:ext uri="{386F3935-93C4-4BCD-93E2-E3B085C9AB24}">
-                <p16:designElem xmlns="" xmlns:p16="http://schemas.microsoft.com/office/powerpoint/2015/main" val="1"/>
+                <p16:designElem xmlns:p16="http://schemas.microsoft.com/office/powerpoint/2015/main" val="1"/>
               </p:ext>
             </p:extLst>
           </p:nvPr>
@@ -17026,7 +17163,7 @@
           <p:cNvPr id="15" name="Freeform: Shape 14">
             <a:extLst>
               <a:ext uri="{FF2B5EF4-FFF2-40B4-BE49-F238E27FC236}">
-                <a16:creationId xmlns="" xmlns:a16="http://schemas.microsoft.com/office/drawing/2014/main" id="{68F2977E-E0AE-4EB4-A059-59E908EB862A}"/>
+                <a16:creationId xmlns:a16="http://schemas.microsoft.com/office/drawing/2014/main" id="{68F2977E-E0AE-4EB4-A059-59E908EB862A}"/>
               </a:ext>
             </a:extLst>
           </p:cNvPr>
@@ -17036,7 +17173,7 @@
           <p:nvPr>
             <p:extLst>
               <p:ext uri="{386F3935-93C4-4BCD-93E2-E3B085C9AB24}">
-                <p16:designElem xmlns="" xmlns:p16="http://schemas.microsoft.com/office/powerpoint/2015/main" val="1"/>
+                <p16:designElem xmlns:p16="http://schemas.microsoft.com/office/powerpoint/2015/main" val="1"/>
               </p:ext>
             </p:extLst>
           </p:nvPr>
@@ -17263,7 +17400,7 @@
           <a:effectLst/>
           <a:extLst>
             <a:ext uri="{91240B29-F687-4f45-9708-019B960494DF}">
-              <a14:hiddenLine xmlns="" xmlns:a16="http://schemas.microsoft.com/office/drawing/2014/main" xmlns:p14="http://schemas.microsoft.com/office/powerpoint/2010/main" xmlns:a14="http://schemas.microsoft.com/office/drawing/2010/main" w="9525">
+              <a14:hiddenLine xmlns:a14="http://schemas.microsoft.com/office/drawing/2010/main" xmlns:p14="http://schemas.microsoft.com/office/powerpoint/2010/main" xmlns:a16="http://schemas.microsoft.com/office/drawing/2014/main" xmlns="" w="9525">
                 <a:solidFill>
                   <a:srgbClr val="000000"/>
                 </a:solidFill>
@@ -17294,7 +17431,7 @@
           <p:cNvPr id="2" name="标题 1">
             <a:extLst>
               <a:ext uri="{FF2B5EF4-FFF2-40B4-BE49-F238E27FC236}">
-                <a16:creationId xmlns="" xmlns:a16="http://schemas.microsoft.com/office/drawing/2014/main" id="{C02436D1-70D4-4430-AC58-3D56BFE150F9}"/>
+                <a16:creationId xmlns:a16="http://schemas.microsoft.com/office/drawing/2014/main" id="{C02436D1-70D4-4430-AC58-3D56BFE150F9}"/>
               </a:ext>
             </a:extLst>
           </p:cNvPr>
@@ -17361,14 +17498,10 @@
             </a:r>
             <a:r>
               <a:rPr lang="zh-CN" altLang="en-US" sz="2800" dirty="0"/>
-              <a:t>描述对象的所有状态以及事件发生而引起的状态之间的</a:t>
-            </a:r>
-            <a:r>
-              <a:rPr lang="zh-CN" altLang="en-US" sz="2800" dirty="0" smtClean="0"/>
-              <a:t>转移</a:t>
-            </a:r>
-            <a:r>
-              <a:rPr lang="en-US" altLang="zh-CN" sz="2800" dirty="0" smtClean="0"/>
+              <a:t>描述对象的所有状态以及事件发生而引起的状态之间的转移</a:t>
+            </a:r>
+            <a:r>
+              <a:rPr lang="en-US" altLang="zh-CN" sz="2800" dirty="0"/>
               <a:t>【</a:t>
             </a:r>
             <a:r>
@@ -17401,7 +17534,7 @@
           <a:blip r:embed="rId2">
             <a:extLst>
               <a:ext uri="{28A0092B-C50C-407E-A947-70E740481C1C}">
-                <a14:useLocalDpi xmlns="" xmlns:a14="http://schemas.microsoft.com/office/drawing/2010/main" val="0"/>
+                <a14:useLocalDpi xmlns:a14="http://schemas.microsoft.com/office/drawing/2010/main" val="0"/>
               </a:ext>
             </a:extLst>
           </a:blip>
@@ -17444,28 +17577,23 @@
             <a:pPr algn="ctr"/>
             <a:r>
               <a:rPr lang="zh-CN" altLang="en-US" sz="3200" dirty="0"/>
-              <a:t>机房收费</a:t>
-            </a:r>
-            <a:r>
-              <a:rPr lang="zh-CN" altLang="en-US" sz="3200" dirty="0" smtClean="0"/>
-              <a:t>系统</a:t>
-            </a:r>
-            <a:r>
-              <a:rPr lang="en-US" altLang="zh-CN" sz="3200" dirty="0" smtClean="0"/>
+              <a:t>机房收费系统</a:t>
+            </a:r>
+            <a:r>
+              <a:rPr lang="en-US" altLang="zh-CN" sz="3200" dirty="0"/>
               <a:t>——</a:t>
             </a:r>
             <a:r>
-              <a:rPr lang="zh-CN" altLang="en-US" sz="3200" dirty="0" smtClean="0"/>
+              <a:rPr lang="zh-CN" altLang="en-US" sz="3200" dirty="0"/>
               <a:t>注册</a:t>
             </a:r>
-            <a:endParaRPr lang="zh-CN" altLang="en-US" sz="3200" dirty="0"/>
           </a:p>
         </p:txBody>
       </p:sp>
     </p:spTree>
     <p:extLst>
       <p:ext uri="{BB962C8B-B14F-4D97-AF65-F5344CB8AC3E}">
-        <p14:creationId xmlns="" xmlns:p14="http://schemas.microsoft.com/office/powerpoint/2010/main" val="2541682403"/>
+        <p14:creationId xmlns:p14="http://schemas.microsoft.com/office/powerpoint/2010/main" val="2541682403"/>
       </p:ext>
     </p:extLst>
   </p:cSld>
@@ -17592,7 +17720,7 @@
           <p:nvPr>
             <p:extLst>
               <p:ext uri="{386F3935-93C4-4BCD-93E2-E3B085C9AB24}">
-                <p16:designElem xmlns="" xmlns:p16="http://schemas.microsoft.com/office/powerpoint/2015/main" val="1"/>
+                <p16:designElem xmlns:p16="http://schemas.microsoft.com/office/powerpoint/2015/main" val="1"/>
               </p:ext>
             </p:extLst>
           </p:nvPr>
@@ -17619,7 +17747,7 @@
           <p:cNvPr id="11" name="Freeform 6">
             <a:extLst>
               <a:ext uri="{FF2B5EF4-FFF2-40B4-BE49-F238E27FC236}">
-                <a16:creationId xmlns="" xmlns:a16="http://schemas.microsoft.com/office/drawing/2014/main" id="{8EE457FF-670E-4EC1-ACD4-1173DA9A7975}"/>
+                <a16:creationId xmlns:a16="http://schemas.microsoft.com/office/drawing/2014/main" id="{8EE457FF-670E-4EC1-ACD4-1173DA9A7975}"/>
               </a:ext>
             </a:extLst>
           </p:cNvPr>
@@ -17629,7 +17757,7 @@
           <p:nvPr>
             <p:extLst>
               <p:ext uri="{386F3935-93C4-4BCD-93E2-E3B085C9AB24}">
-                <p16:designElem xmlns="" xmlns:p16="http://schemas.microsoft.com/office/powerpoint/2015/main" val="1"/>
+                <p16:designElem xmlns:p16="http://schemas.microsoft.com/office/powerpoint/2015/main" val="1"/>
               </p:ext>
             </p:extLst>
           </p:nvPr>
@@ -17705,7 +17833,7 @@
           <a:ln/>
           <a:extLst>
             <a:ext uri="{91240B29-F687-4f45-9708-019B960494DF}">
-              <a14:hiddenLine xmlns="" xmlns:a14="http://schemas.microsoft.com/office/drawing/2010/main" w="9525">
+              <a14:hiddenLine xmlns:a14="http://schemas.microsoft.com/office/drawing/2010/main" xmlns="" w="9525">
                 <a:solidFill>
                   <a:srgbClr val="000000"/>
                 </a:solidFill>
@@ -17736,7 +17864,7 @@
           <p:cNvPr id="13" name="Rectangle 12">
             <a:extLst>
               <a:ext uri="{FF2B5EF4-FFF2-40B4-BE49-F238E27FC236}">
-                <a16:creationId xmlns="" xmlns:a16="http://schemas.microsoft.com/office/drawing/2014/main" id="{089A69AF-D57B-49B4-886C-D4A5DC194421}"/>
+                <a16:creationId xmlns:a16="http://schemas.microsoft.com/office/drawing/2014/main" id="{089A69AF-D57B-49B4-886C-D4A5DC194421}"/>
               </a:ext>
             </a:extLst>
           </p:cNvPr>
@@ -17746,7 +17874,7 @@
           <p:nvPr>
             <p:extLst>
               <p:ext uri="{386F3935-93C4-4BCD-93E2-E3B085C9AB24}">
-                <p16:designElem xmlns="" xmlns:p16="http://schemas.microsoft.com/office/powerpoint/2015/main" val="1"/>
+                <p16:designElem xmlns:p16="http://schemas.microsoft.com/office/powerpoint/2015/main" val="1"/>
               </p:ext>
             </p:extLst>
           </p:nvPr>
@@ -17793,7 +17921,7 @@
           <p:cNvPr id="15" name="Freeform: Shape 14">
             <a:extLst>
               <a:ext uri="{FF2B5EF4-FFF2-40B4-BE49-F238E27FC236}">
-                <a16:creationId xmlns="" xmlns:a16="http://schemas.microsoft.com/office/drawing/2014/main" id="{CABDC08D-6093-4397-92D4-54D00E2BB1C2}"/>
+                <a16:creationId xmlns:a16="http://schemas.microsoft.com/office/drawing/2014/main" id="{CABDC08D-6093-4397-92D4-54D00E2BB1C2}"/>
               </a:ext>
             </a:extLst>
           </p:cNvPr>
@@ -17803,7 +17931,7 @@
           <p:nvPr>
             <p:extLst>
               <p:ext uri="{386F3935-93C4-4BCD-93E2-E3B085C9AB24}">
-                <p16:designElem xmlns="" xmlns:p16="http://schemas.microsoft.com/office/powerpoint/2015/main" val="1"/>
+                <p16:designElem xmlns:p16="http://schemas.microsoft.com/office/powerpoint/2015/main" val="1"/>
               </p:ext>
             </p:extLst>
           </p:nvPr>
@@ -17998,7 +18126,7 @@
           <a:effectLst/>
           <a:extLst>
             <a:ext uri="{91240B29-F687-4f45-9708-019B960494DF}">
-              <a14:hiddenLine xmlns="" xmlns:a16="http://schemas.microsoft.com/office/drawing/2014/main" xmlns:p14="http://schemas.microsoft.com/office/powerpoint/2010/main" xmlns:a14="http://schemas.microsoft.com/office/drawing/2010/main" w="9525">
+              <a14:hiddenLine xmlns:a14="http://schemas.microsoft.com/office/drawing/2010/main" xmlns:p14="http://schemas.microsoft.com/office/powerpoint/2010/main" xmlns:a16="http://schemas.microsoft.com/office/drawing/2014/main" xmlns="" w="9525">
                 <a:solidFill>
                   <a:srgbClr val="000000"/>
                 </a:solidFill>
@@ -18029,7 +18157,7 @@
           <p:cNvPr id="2" name="标题 1">
             <a:extLst>
               <a:ext uri="{FF2B5EF4-FFF2-40B4-BE49-F238E27FC236}">
-                <a16:creationId xmlns="" xmlns:a16="http://schemas.microsoft.com/office/drawing/2014/main" id="{E96509DE-3F06-43CD-A0BC-6D0825469805}"/>
+                <a16:creationId xmlns:a16="http://schemas.microsoft.com/office/drawing/2014/main" id="{E96509DE-3F06-43CD-A0BC-6D0825469805}"/>
               </a:ext>
             </a:extLst>
           </p:cNvPr>
@@ -18173,7 +18301,7 @@
           <a:blip r:embed="rId2">
             <a:extLst>
               <a:ext uri="{28A0092B-C50C-407E-A947-70E740481C1C}">
-                <a14:useLocalDpi xmlns="" xmlns:a14="http://schemas.microsoft.com/office/drawing/2010/main" val="0"/>
+                <a14:useLocalDpi xmlns:a14="http://schemas.microsoft.com/office/drawing/2010/main" val="0"/>
               </a:ext>
             </a:extLst>
           </a:blip>
@@ -18215,33 +18343,30 @@
           <a:p>
             <a:pPr algn="ctr"/>
             <a:r>
-              <a:rPr lang="zh-CN" altLang="en-US" sz="3200" dirty="0" smtClean="0">
+              <a:rPr lang="zh-CN" altLang="en-US" sz="3200" dirty="0">
                 <a:latin typeface="+mn-ea"/>
               </a:rPr>
               <a:t>机房收费系统</a:t>
             </a:r>
             <a:r>
-              <a:rPr lang="en-US" altLang="zh-CN" sz="3200" dirty="0" smtClean="0">
+              <a:rPr lang="en-US" altLang="zh-CN" sz="3200" dirty="0">
                 <a:latin typeface="+mn-ea"/>
               </a:rPr>
               <a:t>——</a:t>
             </a:r>
             <a:r>
-              <a:rPr lang="zh-CN" altLang="en-US" sz="3200" dirty="0" smtClean="0">
+              <a:rPr lang="zh-CN" altLang="en-US" sz="3200" dirty="0">
                 <a:latin typeface="+mn-ea"/>
               </a:rPr>
               <a:t>注册</a:t>
             </a:r>
-            <a:endParaRPr lang="zh-CN" altLang="en-US" sz="3200" dirty="0">
-              <a:latin typeface="+mn-ea"/>
-            </a:endParaRPr>
           </a:p>
         </p:txBody>
       </p:sp>
     </p:spTree>
     <p:extLst>
       <p:ext uri="{BB962C8B-B14F-4D97-AF65-F5344CB8AC3E}">
-        <p14:creationId xmlns="" xmlns:p14="http://schemas.microsoft.com/office/powerpoint/2010/main" val="1649106166"/>
+        <p14:creationId xmlns:p14="http://schemas.microsoft.com/office/powerpoint/2010/main" val="1649106166"/>
       </p:ext>
     </p:extLst>
   </p:cSld>
@@ -18626,7 +18751,7 @@
           <p:nvPr>
             <p:extLst>
               <p:ext uri="{386F3935-93C4-4BCD-93E2-E3B085C9AB24}">
-                <p16:designElem xmlns="" xmlns:p16="http://schemas.microsoft.com/office/powerpoint/2015/main" val="1"/>
+                <p16:designElem xmlns:p16="http://schemas.microsoft.com/office/powerpoint/2015/main" val="1"/>
               </p:ext>
             </p:extLst>
           </p:nvPr>
@@ -18653,7 +18778,7 @@
           <p:cNvPr id="11" name="Freeform 6">
             <a:extLst>
               <a:ext uri="{FF2B5EF4-FFF2-40B4-BE49-F238E27FC236}">
-                <a16:creationId xmlns="" xmlns:a16="http://schemas.microsoft.com/office/drawing/2014/main" id="{8EE457FF-670E-4EC1-ACD4-1173DA9A7975}"/>
+                <a16:creationId xmlns:a16="http://schemas.microsoft.com/office/drawing/2014/main" id="{8EE457FF-670E-4EC1-ACD4-1173DA9A7975}"/>
               </a:ext>
             </a:extLst>
           </p:cNvPr>
@@ -18663,7 +18788,7 @@
           <p:nvPr>
             <p:extLst>
               <p:ext uri="{386F3935-93C4-4BCD-93E2-E3B085C9AB24}">
-                <p16:designElem xmlns="" xmlns:p16="http://schemas.microsoft.com/office/powerpoint/2015/main" val="1"/>
+                <p16:designElem xmlns:p16="http://schemas.microsoft.com/office/powerpoint/2015/main" val="1"/>
               </p:ext>
             </p:extLst>
           </p:nvPr>
@@ -18739,7 +18864,7 @@
           <a:ln/>
           <a:extLst>
             <a:ext uri="{91240B29-F687-4f45-9708-019B960494DF}">
-              <a14:hiddenLine xmlns="" xmlns:a14="http://schemas.microsoft.com/office/drawing/2010/main" w="9525">
+              <a14:hiddenLine xmlns:a14="http://schemas.microsoft.com/office/drawing/2010/main" xmlns="" w="9525">
                 <a:solidFill>
                   <a:srgbClr val="000000"/>
                 </a:solidFill>
@@ -18770,7 +18895,7 @@
           <p:cNvPr id="13" name="Rectangle 12">
             <a:extLst>
               <a:ext uri="{FF2B5EF4-FFF2-40B4-BE49-F238E27FC236}">
-                <a16:creationId xmlns="" xmlns:a16="http://schemas.microsoft.com/office/drawing/2014/main" id="{089A69AF-D57B-49B4-886C-D4A5DC194421}"/>
+                <a16:creationId xmlns:a16="http://schemas.microsoft.com/office/drawing/2014/main" id="{089A69AF-D57B-49B4-886C-D4A5DC194421}"/>
               </a:ext>
             </a:extLst>
           </p:cNvPr>
@@ -18780,7 +18905,7 @@
           <p:nvPr>
             <p:extLst>
               <p:ext uri="{386F3935-93C4-4BCD-93E2-E3B085C9AB24}">
-                <p16:designElem xmlns="" xmlns:p16="http://schemas.microsoft.com/office/powerpoint/2015/main" val="1"/>
+                <p16:designElem xmlns:p16="http://schemas.microsoft.com/office/powerpoint/2015/main" val="1"/>
               </p:ext>
             </p:extLst>
           </p:nvPr>
@@ -18830,7 +18955,7 @@
           <p:cNvPr id="15" name="Freeform: Shape 14">
             <a:extLst>
               <a:ext uri="{FF2B5EF4-FFF2-40B4-BE49-F238E27FC236}">
-                <a16:creationId xmlns="" xmlns:a16="http://schemas.microsoft.com/office/drawing/2014/main" id="{68F2977E-E0AE-4EB4-A059-59E908EB862A}"/>
+                <a16:creationId xmlns:a16="http://schemas.microsoft.com/office/drawing/2014/main" id="{68F2977E-E0AE-4EB4-A059-59E908EB862A}"/>
               </a:ext>
             </a:extLst>
           </p:cNvPr>
@@ -18840,7 +18965,7 @@
           <p:nvPr>
             <p:extLst>
               <p:ext uri="{386F3935-93C4-4BCD-93E2-E3B085C9AB24}">
-                <p16:designElem xmlns="" xmlns:p16="http://schemas.microsoft.com/office/powerpoint/2015/main" val="1"/>
+                <p16:designElem xmlns:p16="http://schemas.microsoft.com/office/powerpoint/2015/main" val="1"/>
               </p:ext>
             </p:extLst>
           </p:nvPr>
@@ -19067,7 +19192,7 @@
           <a:effectLst/>
           <a:extLst>
             <a:ext uri="{91240B29-F687-4f45-9708-019B960494DF}">
-              <a14:hiddenLine xmlns="" xmlns:a16="http://schemas.microsoft.com/office/drawing/2014/main" xmlns:p14="http://schemas.microsoft.com/office/powerpoint/2010/main" xmlns:a14="http://schemas.microsoft.com/office/drawing/2010/main" w="9525">
+              <a14:hiddenLine xmlns:a14="http://schemas.microsoft.com/office/drawing/2010/main" xmlns:p14="http://schemas.microsoft.com/office/powerpoint/2010/main" xmlns:a16="http://schemas.microsoft.com/office/drawing/2014/main" xmlns="" w="9525">
                 <a:solidFill>
                   <a:srgbClr val="000000"/>
                 </a:solidFill>
@@ -19098,7 +19223,7 @@
           <p:cNvPr id="2" name="标题 1">
             <a:extLst>
               <a:ext uri="{FF2B5EF4-FFF2-40B4-BE49-F238E27FC236}">
-                <a16:creationId xmlns="" xmlns:a16="http://schemas.microsoft.com/office/drawing/2014/main" id="{C02436D1-70D4-4430-AC58-3D56BFE150F9}"/>
+                <a16:creationId xmlns:a16="http://schemas.microsoft.com/office/drawing/2014/main" id="{C02436D1-70D4-4430-AC58-3D56BFE150F9}"/>
               </a:ext>
             </a:extLst>
           </p:cNvPr>
@@ -19123,16 +19248,8 @@
           <a:lstStyle/>
           <a:p>
             <a:r>
-              <a:rPr lang="zh-CN" altLang="zh-CN" sz="4000" b="1" dirty="0" smtClean="0"/>
-              <a:t>顺序</a:t>
-            </a:r>
-            <a:r>
-              <a:rPr lang="zh-CN" altLang="zh-CN" sz="4000" b="1" dirty="0" smtClean="0"/>
-              <a:t>机</a:t>
-            </a:r>
-            <a:r>
-              <a:rPr lang="zh-CN" altLang="zh-CN" sz="4000" b="1" dirty="0" smtClean="0"/>
-              <a:t>图</a:t>
+              <a:rPr lang="zh-CN" altLang="zh-CN" sz="4000" b="1" dirty="0"/>
+              <a:t>顺序机图</a:t>
             </a:r>
             <a:endParaRPr lang="zh-CN" altLang="en-US" sz="4000" b="1" dirty="0"/>
           </a:p>
@@ -19250,7 +19367,7 @@
           <a:blip r:embed="rId2">
             <a:extLst>
               <a:ext uri="{28A0092B-C50C-407E-A947-70E740481C1C}">
-                <a14:useLocalDpi xmlns="" xmlns:a14="http://schemas.microsoft.com/office/drawing/2010/main" val="0"/>
+                <a14:useLocalDpi xmlns:a14="http://schemas.microsoft.com/office/drawing/2010/main" val="0"/>
               </a:ext>
             </a:extLst>
           </a:blip>
@@ -19293,28 +19410,23 @@
             <a:pPr algn="ctr"/>
             <a:r>
               <a:rPr lang="zh-CN" altLang="en-US" sz="2800" dirty="0"/>
-              <a:t>机房收费</a:t>
-            </a:r>
-            <a:r>
-              <a:rPr lang="zh-CN" altLang="en-US" sz="2800" dirty="0" smtClean="0"/>
-              <a:t>系统</a:t>
-            </a:r>
-            <a:r>
-              <a:rPr lang="en-US" altLang="zh-CN" sz="2800" dirty="0" smtClean="0"/>
+              <a:t>机房收费系统</a:t>
+            </a:r>
+            <a:r>
+              <a:rPr lang="en-US" altLang="zh-CN" sz="2800" dirty="0"/>
               <a:t>——</a:t>
             </a:r>
             <a:r>
-              <a:rPr lang="zh-CN" altLang="en-US" sz="2800" dirty="0" smtClean="0"/>
+              <a:rPr lang="zh-CN" altLang="en-US" sz="2800" dirty="0"/>
               <a:t>注册</a:t>
             </a:r>
-            <a:endParaRPr lang="zh-CN" altLang="en-US" sz="2800" dirty="0"/>
           </a:p>
         </p:txBody>
       </p:sp>
     </p:spTree>
     <p:extLst>
       <p:ext uri="{BB962C8B-B14F-4D97-AF65-F5344CB8AC3E}">
-        <p14:creationId xmlns="" xmlns:p14="http://schemas.microsoft.com/office/powerpoint/2010/main" val="1987791018"/>
+        <p14:creationId xmlns:p14="http://schemas.microsoft.com/office/powerpoint/2010/main" val="1987791018"/>
       </p:ext>
     </p:extLst>
   </p:cSld>
@@ -19527,7 +19639,7 @@
           <p:nvPr>
             <p:extLst>
               <p:ext uri="{386F3935-93C4-4BCD-93E2-E3B085C9AB24}">
-                <p16:designElem xmlns="" xmlns:p16="http://schemas.microsoft.com/office/powerpoint/2015/main" val="1"/>
+                <p16:designElem xmlns:p16="http://schemas.microsoft.com/office/powerpoint/2015/main" val="1"/>
               </p:ext>
             </p:extLst>
           </p:nvPr>
@@ -19554,7 +19666,7 @@
           <p:cNvPr id="11" name="Freeform 6">
             <a:extLst>
               <a:ext uri="{FF2B5EF4-FFF2-40B4-BE49-F238E27FC236}">
-                <a16:creationId xmlns="" xmlns:a16="http://schemas.microsoft.com/office/drawing/2014/main" id="{8EE457FF-670E-4EC1-ACD4-1173DA9A7975}"/>
+                <a16:creationId xmlns:a16="http://schemas.microsoft.com/office/drawing/2014/main" id="{8EE457FF-670E-4EC1-ACD4-1173DA9A7975}"/>
               </a:ext>
             </a:extLst>
           </p:cNvPr>
@@ -19564,7 +19676,7 @@
           <p:nvPr>
             <p:extLst>
               <p:ext uri="{386F3935-93C4-4BCD-93E2-E3B085C9AB24}">
-                <p16:designElem xmlns="" xmlns:p16="http://schemas.microsoft.com/office/powerpoint/2015/main" val="1"/>
+                <p16:designElem xmlns:p16="http://schemas.microsoft.com/office/powerpoint/2015/main" val="1"/>
               </p:ext>
             </p:extLst>
           </p:nvPr>
@@ -19640,7 +19752,7 @@
           <a:ln/>
           <a:extLst>
             <a:ext uri="{91240B29-F687-4f45-9708-019B960494DF}">
-              <a14:hiddenLine xmlns="" xmlns:a14="http://schemas.microsoft.com/office/drawing/2010/main" w="9525">
+              <a14:hiddenLine xmlns:a14="http://schemas.microsoft.com/office/drawing/2010/main" xmlns="" w="9525">
                 <a:solidFill>
                   <a:srgbClr val="000000"/>
                 </a:solidFill>
@@ -19671,7 +19783,7 @@
           <p:cNvPr id="13" name="Rectangle 12">
             <a:extLst>
               <a:ext uri="{FF2B5EF4-FFF2-40B4-BE49-F238E27FC236}">
-                <a16:creationId xmlns="" xmlns:a16="http://schemas.microsoft.com/office/drawing/2014/main" id="{089A69AF-D57B-49B4-886C-D4A5DC194421}"/>
+                <a16:creationId xmlns:a16="http://schemas.microsoft.com/office/drawing/2014/main" id="{089A69AF-D57B-49B4-886C-D4A5DC194421}"/>
               </a:ext>
             </a:extLst>
           </p:cNvPr>
@@ -19681,7 +19793,7 @@
           <p:nvPr>
             <p:extLst>
               <p:ext uri="{386F3935-93C4-4BCD-93E2-E3B085C9AB24}">
-                <p16:designElem xmlns="" xmlns:p16="http://schemas.microsoft.com/office/powerpoint/2015/main" val="1"/>
+                <p16:designElem xmlns:p16="http://schemas.microsoft.com/office/powerpoint/2015/main" val="1"/>
               </p:ext>
             </p:extLst>
           </p:nvPr>
@@ -19728,7 +19840,7 @@
           <p:cNvPr id="15" name="Freeform: Shape 14">
             <a:extLst>
               <a:ext uri="{FF2B5EF4-FFF2-40B4-BE49-F238E27FC236}">
-                <a16:creationId xmlns="" xmlns:a16="http://schemas.microsoft.com/office/drawing/2014/main" id="{CABDC08D-6093-4397-92D4-54D00E2BB1C2}"/>
+                <a16:creationId xmlns:a16="http://schemas.microsoft.com/office/drawing/2014/main" id="{CABDC08D-6093-4397-92D4-54D00E2BB1C2}"/>
               </a:ext>
             </a:extLst>
           </p:cNvPr>
@@ -19738,7 +19850,7 @@
           <p:nvPr>
             <p:extLst>
               <p:ext uri="{386F3935-93C4-4BCD-93E2-E3B085C9AB24}">
-                <p16:designElem xmlns="" xmlns:p16="http://schemas.microsoft.com/office/powerpoint/2015/main" val="1"/>
+                <p16:designElem xmlns:p16="http://schemas.microsoft.com/office/powerpoint/2015/main" val="1"/>
               </p:ext>
             </p:extLst>
           </p:nvPr>
@@ -19933,7 +20045,7 @@
           <a:effectLst/>
           <a:extLst>
             <a:ext uri="{91240B29-F687-4f45-9708-019B960494DF}">
-              <a14:hiddenLine xmlns="" xmlns:a16="http://schemas.microsoft.com/office/drawing/2014/main" xmlns:p14="http://schemas.microsoft.com/office/powerpoint/2010/main" xmlns:a14="http://schemas.microsoft.com/office/drawing/2010/main" w="9525">
+              <a14:hiddenLine xmlns:a14="http://schemas.microsoft.com/office/drawing/2010/main" xmlns:p14="http://schemas.microsoft.com/office/powerpoint/2010/main" xmlns:a16="http://schemas.microsoft.com/office/drawing/2014/main" xmlns="" w="9525">
                 <a:solidFill>
                   <a:srgbClr val="000000"/>
                 </a:solidFill>
@@ -19964,7 +20076,7 @@
           <p:cNvPr id="2" name="标题 1">
             <a:extLst>
               <a:ext uri="{FF2B5EF4-FFF2-40B4-BE49-F238E27FC236}">
-                <a16:creationId xmlns="" xmlns:a16="http://schemas.microsoft.com/office/drawing/2014/main" id="{E96509DE-3F06-43CD-A0BC-6D0825469805}"/>
+                <a16:creationId xmlns:a16="http://schemas.microsoft.com/office/drawing/2014/main" id="{E96509DE-3F06-43CD-A0BC-6D0825469805}"/>
               </a:ext>
             </a:extLst>
           </p:cNvPr>
@@ -19988,11 +20100,11 @@
           <a:lstStyle/>
           <a:p>
             <a:r>
-              <a:rPr lang="zh-CN" altLang="zh-CN" sz="4000" b="1" dirty="0" smtClean="0"/>
+              <a:rPr lang="zh-CN" altLang="zh-CN" sz="4000" b="1" dirty="0"/>
               <a:t>通信</a:t>
             </a:r>
             <a:r>
-              <a:rPr lang="zh-CN" altLang="en-US" sz="4000" b="1" dirty="0" smtClean="0"/>
+              <a:rPr lang="zh-CN" altLang="en-US" sz="4000" b="1" dirty="0"/>
               <a:t>图</a:t>
             </a:r>
             <a:endParaRPr lang="en-US" altLang="zh-CN" sz="4000" b="1" dirty="0"/>
@@ -20060,7 +20172,7 @@
           <a:blip r:embed="rId2">
             <a:extLst>
               <a:ext uri="{28A0092B-C50C-407E-A947-70E740481C1C}">
-                <a14:useLocalDpi xmlns="" xmlns:a14="http://schemas.microsoft.com/office/drawing/2010/main" val="0"/>
+                <a14:useLocalDpi xmlns:a14="http://schemas.microsoft.com/office/drawing/2010/main" val="0"/>
               </a:ext>
             </a:extLst>
           </a:blip>
@@ -20103,22 +20215,18 @@
             <a:pPr algn="ctr"/>
             <a:r>
               <a:rPr lang="zh-CN" altLang="en-US" sz="3200" dirty="0"/>
-              <a:t>机房收费</a:t>
-            </a:r>
-            <a:r>
-              <a:rPr lang="zh-CN" altLang="en-US" sz="3200" dirty="0" smtClean="0"/>
-              <a:t>系统</a:t>
-            </a:r>
-            <a:r>
-              <a:rPr lang="en-US" altLang="zh-CN" sz="3200" dirty="0" smtClean="0"/>
+              <a:t>机房收费系统</a:t>
+            </a:r>
+            <a:r>
+              <a:rPr lang="en-US" altLang="zh-CN" sz="3200" dirty="0"/>
               <a:t>——</a:t>
             </a:r>
             <a:r>
-              <a:rPr lang="zh-CN" altLang="en-US" sz="3200" dirty="0" smtClean="0"/>
+              <a:rPr lang="zh-CN" altLang="en-US" sz="3200" dirty="0"/>
               <a:t>注册</a:t>
             </a:r>
             <a:r>
-              <a:rPr lang="en-US" altLang="zh-CN" dirty="0" smtClean="0"/>
+              <a:rPr lang="en-US" altLang="zh-CN" dirty="0"/>
               <a:t>	</a:t>
             </a:r>
             <a:endParaRPr lang="zh-CN" altLang="en-US" dirty="0"/>
@@ -20128,7 +20236,7 @@
     </p:spTree>
     <p:extLst>
       <p:ext uri="{BB962C8B-B14F-4D97-AF65-F5344CB8AC3E}">
-        <p14:creationId xmlns="" xmlns:p14="http://schemas.microsoft.com/office/powerpoint/2010/main" val="3007418108"/>
+        <p14:creationId xmlns:p14="http://schemas.microsoft.com/office/powerpoint/2010/main" val="3007418108"/>
       </p:ext>
     </p:extLst>
   </p:cSld>
@@ -20255,7 +20363,7 @@
           <p:nvPr>
             <p:extLst>
               <p:ext uri="{386F3935-93C4-4BCD-93E2-E3B085C9AB24}">
-                <p16:designElem xmlns="" xmlns:p16="http://schemas.microsoft.com/office/powerpoint/2015/main" val="1"/>
+                <p16:designElem xmlns:p16="http://schemas.microsoft.com/office/powerpoint/2015/main" val="1"/>
               </p:ext>
             </p:extLst>
           </p:nvPr>
@@ -20282,7 +20390,7 @@
           <p:cNvPr id="11" name="Freeform 6">
             <a:extLst>
               <a:ext uri="{FF2B5EF4-FFF2-40B4-BE49-F238E27FC236}">
-                <a16:creationId xmlns="" xmlns:a16="http://schemas.microsoft.com/office/drawing/2014/main" id="{8EE457FF-670E-4EC1-ACD4-1173DA9A7975}"/>
+                <a16:creationId xmlns:a16="http://schemas.microsoft.com/office/drawing/2014/main" id="{8EE457FF-670E-4EC1-ACD4-1173DA9A7975}"/>
               </a:ext>
             </a:extLst>
           </p:cNvPr>
@@ -20292,7 +20400,7 @@
           <p:nvPr>
             <p:extLst>
               <p:ext uri="{386F3935-93C4-4BCD-93E2-E3B085C9AB24}">
-                <p16:designElem xmlns="" xmlns:p16="http://schemas.microsoft.com/office/powerpoint/2015/main" val="1"/>
+                <p16:designElem xmlns:p16="http://schemas.microsoft.com/office/powerpoint/2015/main" val="1"/>
               </p:ext>
             </p:extLst>
           </p:nvPr>
@@ -20368,7 +20476,7 @@
           <a:ln/>
           <a:extLst>
             <a:ext uri="{91240B29-F687-4f45-9708-019B960494DF}">
-              <a14:hiddenLine xmlns="" xmlns:a14="http://schemas.microsoft.com/office/drawing/2010/main" w="9525">
+              <a14:hiddenLine xmlns:a14="http://schemas.microsoft.com/office/drawing/2010/main" xmlns="" w="9525">
                 <a:solidFill>
                   <a:srgbClr val="000000"/>
                 </a:solidFill>
@@ -20399,7 +20507,7 @@
           <p:cNvPr id="13" name="Rectangle 12">
             <a:extLst>
               <a:ext uri="{FF2B5EF4-FFF2-40B4-BE49-F238E27FC236}">
-                <a16:creationId xmlns="" xmlns:a16="http://schemas.microsoft.com/office/drawing/2014/main" id="{089A69AF-D57B-49B4-886C-D4A5DC194421}"/>
+                <a16:creationId xmlns:a16="http://schemas.microsoft.com/office/drawing/2014/main" id="{089A69AF-D57B-49B4-886C-D4A5DC194421}"/>
               </a:ext>
             </a:extLst>
           </p:cNvPr>
@@ -20409,7 +20517,7 @@
           <p:nvPr>
             <p:extLst>
               <p:ext uri="{386F3935-93C4-4BCD-93E2-E3B085C9AB24}">
-                <p16:designElem xmlns="" xmlns:p16="http://schemas.microsoft.com/office/powerpoint/2015/main" val="1"/>
+                <p16:designElem xmlns:p16="http://schemas.microsoft.com/office/powerpoint/2015/main" val="1"/>
               </p:ext>
             </p:extLst>
           </p:nvPr>
@@ -20459,7 +20567,7 @@
           <p:cNvPr id="15" name="Freeform: Shape 14">
             <a:extLst>
               <a:ext uri="{FF2B5EF4-FFF2-40B4-BE49-F238E27FC236}">
-                <a16:creationId xmlns="" xmlns:a16="http://schemas.microsoft.com/office/drawing/2014/main" id="{68F2977E-E0AE-4EB4-A059-59E908EB862A}"/>
+                <a16:creationId xmlns:a16="http://schemas.microsoft.com/office/drawing/2014/main" id="{68F2977E-E0AE-4EB4-A059-59E908EB862A}"/>
               </a:ext>
             </a:extLst>
           </p:cNvPr>
@@ -20469,7 +20577,7 @@
           <p:nvPr>
             <p:extLst>
               <p:ext uri="{386F3935-93C4-4BCD-93E2-E3B085C9AB24}">
-                <p16:designElem xmlns="" xmlns:p16="http://schemas.microsoft.com/office/powerpoint/2015/main" val="1"/>
+                <p16:designElem xmlns:p16="http://schemas.microsoft.com/office/powerpoint/2015/main" val="1"/>
               </p:ext>
             </p:extLst>
           </p:nvPr>
@@ -20696,7 +20804,7 @@
           <a:effectLst/>
           <a:extLst>
             <a:ext uri="{91240B29-F687-4f45-9708-019B960494DF}">
-              <a14:hiddenLine xmlns="" xmlns:a16="http://schemas.microsoft.com/office/drawing/2014/main" xmlns:p14="http://schemas.microsoft.com/office/powerpoint/2010/main" xmlns:a14="http://schemas.microsoft.com/office/drawing/2010/main" w="9525">
+              <a14:hiddenLine xmlns:a14="http://schemas.microsoft.com/office/drawing/2010/main" xmlns:p14="http://schemas.microsoft.com/office/powerpoint/2010/main" xmlns:a16="http://schemas.microsoft.com/office/drawing/2014/main" xmlns="" w="9525">
                 <a:solidFill>
                   <a:srgbClr val="000000"/>
                 </a:solidFill>
@@ -20727,7 +20835,7 @@
           <p:cNvPr id="2" name="标题 1">
             <a:extLst>
               <a:ext uri="{FF2B5EF4-FFF2-40B4-BE49-F238E27FC236}">
-                <a16:creationId xmlns="" xmlns:a16="http://schemas.microsoft.com/office/drawing/2014/main" id="{C02436D1-70D4-4430-AC58-3D56BFE150F9}"/>
+                <a16:creationId xmlns:a16="http://schemas.microsoft.com/office/drawing/2014/main" id="{C02436D1-70D4-4430-AC58-3D56BFE150F9}"/>
               </a:ext>
             </a:extLst>
           </p:cNvPr>
@@ -20871,7 +20979,7 @@
           <a:blip r:embed="rId2">
             <a:extLst>
               <a:ext uri="{28A0092B-C50C-407E-A947-70E740481C1C}">
-                <a14:useLocalDpi xmlns="" xmlns:a14="http://schemas.microsoft.com/office/drawing/2010/main" val="0"/>
+                <a14:useLocalDpi xmlns:a14="http://schemas.microsoft.com/office/drawing/2010/main" val="0"/>
               </a:ext>
             </a:extLst>
           </a:blip>
@@ -20922,7 +21030,7 @@
     </p:spTree>
     <p:extLst>
       <p:ext uri="{BB962C8B-B14F-4D97-AF65-F5344CB8AC3E}">
-        <p14:creationId xmlns="" xmlns:p14="http://schemas.microsoft.com/office/powerpoint/2010/main" val="1256486772"/>
+        <p14:creationId xmlns:p14="http://schemas.microsoft.com/office/powerpoint/2010/main" val="1256486772"/>
       </p:ext>
     </p:extLst>
   </p:cSld>
@@ -21135,7 +21243,7 @@
           <p:nvPr>
             <p:extLst>
               <p:ext uri="{386F3935-93C4-4BCD-93E2-E3B085C9AB24}">
-                <p16:designElem xmlns="" xmlns:p16="http://schemas.microsoft.com/office/powerpoint/2015/main" val="1"/>
+                <p16:designElem xmlns:p16="http://schemas.microsoft.com/office/powerpoint/2015/main" val="1"/>
               </p:ext>
             </p:extLst>
           </p:nvPr>
@@ -21162,7 +21270,7 @@
           <p:cNvPr id="12" name="Freeform 6">
             <a:extLst>
               <a:ext uri="{FF2B5EF4-FFF2-40B4-BE49-F238E27FC236}">
-                <a16:creationId xmlns="" xmlns:a16="http://schemas.microsoft.com/office/drawing/2014/main" id="{B9D93730-8C7D-423D-9137-597B5FA65701}"/>
+                <a16:creationId xmlns:a16="http://schemas.microsoft.com/office/drawing/2014/main" id="{B9D93730-8C7D-423D-9137-597B5FA65701}"/>
               </a:ext>
             </a:extLst>
           </p:cNvPr>
@@ -21172,7 +21280,7 @@
           <p:nvPr>
             <p:extLst>
               <p:ext uri="{386F3935-93C4-4BCD-93E2-E3B085C9AB24}">
-                <p16:designElem xmlns="" xmlns:p16="http://schemas.microsoft.com/office/powerpoint/2015/main" val="1"/>
+                <p16:designElem xmlns:p16="http://schemas.microsoft.com/office/powerpoint/2015/main" val="1"/>
               </p:ext>
             </p:extLst>
           </p:nvPr>
@@ -21248,7 +21356,7 @@
           <a:ln/>
           <a:extLst>
             <a:ext uri="{91240B29-F687-4f45-9708-019B960494DF}">
-              <a14:hiddenLine xmlns:a14="http://schemas.microsoft.com/office/drawing/2010/main" xmlns="" w="9525">
+              <a14:hiddenLine xmlns="" xmlns:a14="http://schemas.microsoft.com/office/drawing/2010/main" w="9525">
                 <a:solidFill>
                   <a:srgbClr val="000000"/>
                 </a:solidFill>
@@ -21279,7 +21387,7 @@
           <p:cNvPr id="14" name="Rectangle 13">
             <a:extLst>
               <a:ext uri="{FF2B5EF4-FFF2-40B4-BE49-F238E27FC236}">
-                <a16:creationId xmlns="" xmlns:a16="http://schemas.microsoft.com/office/drawing/2014/main" id="{A3322B77-FA16-4D4E-BAA6-811C61DB3E85}"/>
+                <a16:creationId xmlns:a16="http://schemas.microsoft.com/office/drawing/2014/main" id="{A3322B77-FA16-4D4E-BAA6-811C61DB3E85}"/>
               </a:ext>
             </a:extLst>
           </p:cNvPr>
@@ -21289,7 +21397,7 @@
           <p:nvPr>
             <p:extLst>
               <p:ext uri="{386F3935-93C4-4BCD-93E2-E3B085C9AB24}">
-                <p16:designElem xmlns="" xmlns:p16="http://schemas.microsoft.com/office/powerpoint/2015/main" val="1"/>
+                <p16:designElem xmlns:p16="http://schemas.microsoft.com/office/powerpoint/2015/main" val="1"/>
               </p:ext>
             </p:extLst>
           </p:nvPr>
@@ -21336,7 +21444,7 @@
           <p:cNvPr id="16" name="Freeform: Shape 15">
             <a:extLst>
               <a:ext uri="{FF2B5EF4-FFF2-40B4-BE49-F238E27FC236}">
-                <a16:creationId xmlns="" xmlns:a16="http://schemas.microsoft.com/office/drawing/2014/main" id="{CA6EF34F-3BAD-4CD8-B05E-03BA773AE864}"/>
+                <a16:creationId xmlns:a16="http://schemas.microsoft.com/office/drawing/2014/main" id="{CA6EF34F-3BAD-4CD8-B05E-03BA773AE864}"/>
               </a:ext>
             </a:extLst>
           </p:cNvPr>
@@ -21346,7 +21454,7 @@
           <p:nvPr>
             <p:extLst>
               <p:ext uri="{386F3935-93C4-4BCD-93E2-E3B085C9AB24}">
-                <p16:designElem xmlns="" xmlns:p16="http://schemas.microsoft.com/office/powerpoint/2015/main" val="1"/>
+                <p16:designElem xmlns:p16="http://schemas.microsoft.com/office/powerpoint/2015/main" val="1"/>
               </p:ext>
             </p:extLst>
           </p:nvPr>
@@ -21518,7 +21626,7 @@
           <p:cNvPr id="2" name="竖排标题 1">
             <a:extLst>
               <a:ext uri="{FF2B5EF4-FFF2-40B4-BE49-F238E27FC236}">
-                <a16:creationId xmlns="" xmlns:a16="http://schemas.microsoft.com/office/drawing/2014/main" id="{1177557D-E743-446B-B3A2-19511CAEF50D}"/>
+                <a16:creationId xmlns:a16="http://schemas.microsoft.com/office/drawing/2014/main" id="{1177557D-E743-446B-B3A2-19511CAEF50D}"/>
               </a:ext>
             </a:extLst>
           </p:cNvPr>
@@ -21559,7 +21667,7 @@
           <p:nvPr>
             <p:extLst>
               <p:ext uri="{D42A27DB-BD31-4B8C-83A1-F6EECF244321}">
-                <p14:modId xmlns="" xmlns:p14="http://schemas.microsoft.com/office/powerpoint/2010/main" val="3415005109"/>
+                <p14:modId xmlns:p14="http://schemas.microsoft.com/office/powerpoint/2010/main" val="3415005109"/>
               </p:ext>
             </p:extLst>
           </p:nvPr>
@@ -21577,7 +21685,7 @@
     </p:spTree>
     <p:extLst>
       <p:ext uri="{BB962C8B-B14F-4D97-AF65-F5344CB8AC3E}">
-        <p14:creationId xmlns="" xmlns:p14="http://schemas.microsoft.com/office/powerpoint/2010/main" val="514570204"/>
+        <p14:creationId xmlns:p14="http://schemas.microsoft.com/office/powerpoint/2010/main" val="514570204"/>
       </p:ext>
     </p:extLst>
   </p:cSld>
@@ -21701,7 +21809,7 @@
           <p:nvPr>
             <p:extLst>
               <p:ext uri="{386F3935-93C4-4BCD-93E2-E3B085C9AB24}">
-                <p16:designElem xmlns="" xmlns:p16="http://schemas.microsoft.com/office/powerpoint/2015/main" val="1"/>
+                <p16:designElem xmlns:p16="http://schemas.microsoft.com/office/powerpoint/2015/main" val="1"/>
               </p:ext>
             </p:extLst>
           </p:nvPr>
@@ -21728,7 +21836,7 @@
           <p:cNvPr id="11" name="Freeform 6">
             <a:extLst>
               <a:ext uri="{FF2B5EF4-FFF2-40B4-BE49-F238E27FC236}">
-                <a16:creationId xmlns="" xmlns:a16="http://schemas.microsoft.com/office/drawing/2014/main" id="{8EE457FF-670E-4EC1-ACD4-1173DA9A7975}"/>
+                <a16:creationId xmlns:a16="http://schemas.microsoft.com/office/drawing/2014/main" id="{8EE457FF-670E-4EC1-ACD4-1173DA9A7975}"/>
               </a:ext>
             </a:extLst>
           </p:cNvPr>
@@ -21738,7 +21846,7 @@
           <p:nvPr>
             <p:extLst>
               <p:ext uri="{386F3935-93C4-4BCD-93E2-E3B085C9AB24}">
-                <p16:designElem xmlns="" xmlns:p16="http://schemas.microsoft.com/office/powerpoint/2015/main" val="1"/>
+                <p16:designElem xmlns:p16="http://schemas.microsoft.com/office/powerpoint/2015/main" val="1"/>
               </p:ext>
             </p:extLst>
           </p:nvPr>
@@ -21814,7 +21922,7 @@
           <a:ln/>
           <a:extLst>
             <a:ext uri="{91240B29-F687-4f45-9708-019B960494DF}">
-              <a14:hiddenLine xmlns="" xmlns:a14="http://schemas.microsoft.com/office/drawing/2010/main" w="9525">
+              <a14:hiddenLine xmlns:a14="http://schemas.microsoft.com/office/drawing/2010/main" xmlns="" w="9525">
                 <a:solidFill>
                   <a:srgbClr val="000000"/>
                 </a:solidFill>
@@ -21845,7 +21953,7 @@
           <p:cNvPr id="13" name="Rectangle 12">
             <a:extLst>
               <a:ext uri="{FF2B5EF4-FFF2-40B4-BE49-F238E27FC236}">
-                <a16:creationId xmlns="" xmlns:a16="http://schemas.microsoft.com/office/drawing/2014/main" id="{089A69AF-D57B-49B4-886C-D4A5DC194421}"/>
+                <a16:creationId xmlns:a16="http://schemas.microsoft.com/office/drawing/2014/main" id="{089A69AF-D57B-49B4-886C-D4A5DC194421}"/>
               </a:ext>
             </a:extLst>
           </p:cNvPr>
@@ -21855,7 +21963,7 @@
           <p:nvPr>
             <p:extLst>
               <p:ext uri="{386F3935-93C4-4BCD-93E2-E3B085C9AB24}">
-                <p16:designElem xmlns="" xmlns:p16="http://schemas.microsoft.com/office/powerpoint/2015/main" val="1"/>
+                <p16:designElem xmlns:p16="http://schemas.microsoft.com/office/powerpoint/2015/main" val="1"/>
               </p:ext>
             </p:extLst>
           </p:nvPr>
@@ -21902,7 +22010,7 @@
           <p:cNvPr id="15" name="Freeform: Shape 14">
             <a:extLst>
               <a:ext uri="{FF2B5EF4-FFF2-40B4-BE49-F238E27FC236}">
-                <a16:creationId xmlns="" xmlns:a16="http://schemas.microsoft.com/office/drawing/2014/main" id="{CABDC08D-6093-4397-92D4-54D00E2BB1C2}"/>
+                <a16:creationId xmlns:a16="http://schemas.microsoft.com/office/drawing/2014/main" id="{CABDC08D-6093-4397-92D4-54D00E2BB1C2}"/>
               </a:ext>
             </a:extLst>
           </p:cNvPr>
@@ -21912,7 +22020,7 @@
           <p:nvPr>
             <p:extLst>
               <p:ext uri="{386F3935-93C4-4BCD-93E2-E3B085C9AB24}">
-                <p16:designElem xmlns="" xmlns:p16="http://schemas.microsoft.com/office/powerpoint/2015/main" val="1"/>
+                <p16:designElem xmlns:p16="http://schemas.microsoft.com/office/powerpoint/2015/main" val="1"/>
               </p:ext>
             </p:extLst>
           </p:nvPr>
@@ -22107,7 +22215,7 @@
           <a:effectLst/>
           <a:extLst>
             <a:ext uri="{91240B29-F687-4f45-9708-019B960494DF}">
-              <a14:hiddenLine xmlns="" xmlns:a16="http://schemas.microsoft.com/office/drawing/2014/main" xmlns:p14="http://schemas.microsoft.com/office/powerpoint/2010/main" xmlns:a14="http://schemas.microsoft.com/office/drawing/2010/main" w="9525">
+              <a14:hiddenLine xmlns:a14="http://schemas.microsoft.com/office/drawing/2010/main" xmlns:p14="http://schemas.microsoft.com/office/powerpoint/2010/main" xmlns:a16="http://schemas.microsoft.com/office/drawing/2014/main" xmlns="" w="9525">
                 <a:solidFill>
                   <a:srgbClr val="000000"/>
                 </a:solidFill>
@@ -22138,7 +22246,7 @@
           <p:cNvPr id="2" name="标题 1">
             <a:extLst>
               <a:ext uri="{FF2B5EF4-FFF2-40B4-BE49-F238E27FC236}">
-                <a16:creationId xmlns="" xmlns:a16="http://schemas.microsoft.com/office/drawing/2014/main" id="{E96509DE-3F06-43CD-A0BC-6D0825469805}"/>
+                <a16:creationId xmlns:a16="http://schemas.microsoft.com/office/drawing/2014/main" id="{E96509DE-3F06-43CD-A0BC-6D0825469805}"/>
               </a:ext>
             </a:extLst>
           </p:cNvPr>
@@ -22294,7 +22402,7 @@
           <a:blip r:embed="rId2">
             <a:extLst>
               <a:ext uri="{28A0092B-C50C-407E-A947-70E740481C1C}">
-                <a14:useLocalDpi xmlns="" xmlns:a14="http://schemas.microsoft.com/office/drawing/2010/main" val="0"/>
+                <a14:useLocalDpi xmlns:a14="http://schemas.microsoft.com/office/drawing/2010/main" val="0"/>
               </a:ext>
             </a:extLst>
           </a:blip>
@@ -22345,7 +22453,7 @@
     </p:spTree>
     <p:extLst>
       <p:ext uri="{BB962C8B-B14F-4D97-AF65-F5344CB8AC3E}">
-        <p14:creationId xmlns="" xmlns:p14="http://schemas.microsoft.com/office/powerpoint/2010/main" val="3981989275"/>
+        <p14:creationId xmlns:p14="http://schemas.microsoft.com/office/powerpoint/2010/main" val="3981989275"/>
       </p:ext>
     </p:extLst>
   </p:cSld>
@@ -22640,7 +22748,7 @@
           <p:cNvPr id="2" name="标题 1">
             <a:extLst>
               <a:ext uri="{FF2B5EF4-FFF2-40B4-BE49-F238E27FC236}">
-                <a16:creationId xmlns="" xmlns:a16="http://schemas.microsoft.com/office/drawing/2014/main" id="{029433F6-C7F9-4690-9C8A-51E513DA7BE9}"/>
+                <a16:creationId xmlns:a16="http://schemas.microsoft.com/office/drawing/2014/main" id="{029433F6-C7F9-4690-9C8A-51E513DA7BE9}"/>
               </a:ext>
             </a:extLst>
           </p:cNvPr>
@@ -22674,7 +22782,7 @@
             <a:hlinkClick r:id="rId2"/>
             <a:extLst>
               <a:ext uri="{FF2B5EF4-FFF2-40B4-BE49-F238E27FC236}">
-                <a16:creationId xmlns="" xmlns:a16="http://schemas.microsoft.com/office/drawing/2014/main" id="{220C1E04-0FAA-4810-9EB8-4FB5668628C3}"/>
+                <a16:creationId xmlns:a16="http://schemas.microsoft.com/office/drawing/2014/main" id="{220C1E04-0FAA-4810-9EB8-4FB5668628C3}"/>
               </a:ext>
             </a:extLst>
           </p:cNvPr>
@@ -22684,7 +22792,7 @@
         <p:spPr>
           <a:xfrm>
             <a:off x="854014" y="2734575"/>
-            <a:ext cx="10618613" cy="2215991"/>
+            <a:ext cx="10546477" cy="3693319"/>
           </a:xfrm>
           <a:prstGeom prst="rect">
             <a:avLst/>
@@ -22725,45 +22833,19 @@
               <a:buChar char="l"/>
             </a:pPr>
             <a:r>
-              <a:rPr lang="en-US" altLang="zh-CN" sz="2400" dirty="0" smtClean="0"/>
-              <a:t>《 UML2</a:t>
-            </a:r>
-            <a:r>
-              <a:rPr lang="zh-CN" altLang="en-US" sz="2400" dirty="0" smtClean="0"/>
-              <a:t>基础、建模与设计教程</a:t>
-            </a:r>
-            <a:r>
-              <a:rPr lang="en-US" altLang="zh-CN" sz="2400" dirty="0" smtClean="0"/>
-              <a:t>》</a:t>
-            </a:r>
-            <a:r>
-              <a:rPr lang="zh-CN" altLang="en-US" sz="2400" dirty="0" smtClean="0"/>
-              <a:t>第</a:t>
-            </a:r>
-            <a:r>
-              <a:rPr lang="en-US" altLang="zh-CN" sz="2400" dirty="0" smtClean="0"/>
-              <a:t>1</a:t>
-            </a:r>
-            <a:r>
-              <a:rPr lang="zh-CN" altLang="en-US" sz="2400" dirty="0" smtClean="0"/>
-              <a:t>章</a:t>
-            </a:r>
-            <a:r>
-              <a:rPr lang="en-US" altLang="zh-CN" sz="2400" dirty="0" smtClean="0"/>
-              <a:t>·UML</a:t>
-            </a:r>
-            <a:r>
-              <a:rPr lang="zh-CN" altLang="en-US" sz="2400" dirty="0" smtClean="0"/>
-              <a:t>概述</a:t>
-            </a:r>
-            <a:endParaRPr lang="en-US" altLang="zh-CN" sz="2400" dirty="0" smtClean="0"/>
+              <a:rPr lang="en-US" altLang="zh-CN" sz="2400" dirty="0">
+                <a:hlinkClick r:id="rId3"/>
+              </a:rPr>
+              <a:t>http://blog.csdn.net/chenxiaochan/article/details/39252823</a:t>
+            </a:r>
+            <a:endParaRPr lang="en-US" altLang="zh-CN" sz="2400" dirty="0"/>
           </a:p>
           <a:p>
             <a:pPr marL="285750" indent="-285750">
               <a:buFont typeface="Wingdings" panose="05000000000000000000" pitchFamily="2" charset="2"/>
               <a:buChar char="l"/>
             </a:pPr>
-            <a:endParaRPr lang="en-US" altLang="zh-CN" sz="2400" dirty="0" smtClean="0"/>
+            <a:endParaRPr lang="en-US" altLang="zh-CN" sz="2400" dirty="0"/>
           </a:p>
           <a:p>
             <a:pPr marL="285750" indent="-285750">
@@ -22771,67 +22853,135 @@
               <a:buChar char="l"/>
             </a:pPr>
             <a:r>
-              <a:rPr lang="en-US" altLang="zh-CN" sz="2400" dirty="0" smtClean="0"/>
+              <a:rPr lang="en-US" altLang="zh-CN" sz="2400" dirty="0"/>
+              <a:t>http://blog.csdn.net/wind19/article/details</a:t>
+            </a:r>
+            <a:r>
+              <a:rPr lang="en-US" altLang="zh-CN" sz="2400"/>
+              <a:t>/7583357</a:t>
+            </a:r>
+            <a:endParaRPr lang="en-US" altLang="zh-CN" sz="2400" dirty="0"/>
+          </a:p>
+          <a:p>
+            <a:pPr marL="285750" indent="-285750">
+              <a:buFont typeface="Wingdings" panose="05000000000000000000" pitchFamily="2" charset="2"/>
+              <a:buChar char="l"/>
+            </a:pPr>
+            <a:endParaRPr lang="en-US" altLang="zh-CN" sz="2400" dirty="0"/>
+          </a:p>
+          <a:p>
+            <a:pPr marL="285750" indent="-285750">
+              <a:buFont typeface="Wingdings" panose="05000000000000000000" pitchFamily="2" charset="2"/>
+              <a:buChar char="l"/>
+            </a:pPr>
+            <a:r>
+              <a:rPr lang="en-US" altLang="zh-CN" sz="2400" dirty="0"/>
+              <a:t>《 UML2</a:t>
+            </a:r>
+            <a:r>
+              <a:rPr lang="zh-CN" altLang="en-US" sz="2400" dirty="0"/>
+              <a:t>基础、建模与设计教程</a:t>
+            </a:r>
+            <a:r>
+              <a:rPr lang="en-US" altLang="zh-CN" sz="2400" dirty="0"/>
+              <a:t>》</a:t>
+            </a:r>
+            <a:r>
+              <a:rPr lang="zh-CN" altLang="en-US" sz="2400" dirty="0"/>
+              <a:t>第</a:t>
+            </a:r>
+            <a:r>
+              <a:rPr lang="en-US" altLang="zh-CN" sz="2400" dirty="0"/>
+              <a:t>1</a:t>
+            </a:r>
+            <a:r>
+              <a:rPr lang="zh-CN" altLang="en-US" sz="2400" dirty="0"/>
+              <a:t>章</a:t>
+            </a:r>
+            <a:r>
+              <a:rPr lang="en-US" altLang="zh-CN" sz="2400" dirty="0"/>
+              <a:t>·UML</a:t>
+            </a:r>
+            <a:r>
+              <a:rPr lang="zh-CN" altLang="en-US" sz="2400" dirty="0"/>
+              <a:t>概述</a:t>
+            </a:r>
+            <a:endParaRPr lang="en-US" altLang="zh-CN" sz="2400" dirty="0"/>
+          </a:p>
+          <a:p>
+            <a:pPr marL="285750" indent="-285750">
+              <a:buFont typeface="Wingdings" panose="05000000000000000000" pitchFamily="2" charset="2"/>
+              <a:buChar char="l"/>
+            </a:pPr>
+            <a:endParaRPr lang="en-US" altLang="zh-CN" sz="2400" dirty="0"/>
+          </a:p>
+          <a:p>
+            <a:pPr marL="285750" indent="-285750">
+              <a:buFont typeface="Wingdings" panose="05000000000000000000" pitchFamily="2" charset="2"/>
+              <a:buChar char="l"/>
+            </a:pPr>
+            <a:r>
+              <a:rPr lang="en-US" altLang="zh-CN" sz="2400" dirty="0"/>
               <a:t>《UML</a:t>
             </a:r>
             <a:r>
-              <a:rPr lang="zh-CN" altLang="en-US" sz="2400" dirty="0" smtClean="0"/>
+              <a:rPr lang="zh-CN" altLang="en-US" sz="2400" dirty="0"/>
               <a:t>用户指南（第</a:t>
             </a:r>
             <a:r>
-              <a:rPr lang="en-US" altLang="zh-CN" sz="2400" dirty="0" smtClean="0"/>
+              <a:rPr lang="en-US" altLang="zh-CN" sz="2400" dirty="0"/>
               <a:t>2</a:t>
             </a:r>
             <a:r>
-              <a:rPr lang="zh-CN" altLang="en-US" sz="2400" dirty="0" smtClean="0"/>
+              <a:rPr lang="zh-CN" altLang="en-US" sz="2400" dirty="0"/>
               <a:t>版</a:t>
             </a:r>
             <a:r>
-              <a:rPr lang="en-US" altLang="zh-CN" sz="2400" dirty="0" smtClean="0"/>
+              <a:rPr lang="en-US" altLang="zh-CN" sz="2400" dirty="0"/>
               <a:t>·</a:t>
             </a:r>
             <a:r>
-              <a:rPr lang="zh-CN" altLang="en-US" sz="2400" dirty="0" smtClean="0"/>
+              <a:rPr lang="zh-CN" altLang="en-US" sz="2400" dirty="0"/>
               <a:t>修订版）</a:t>
             </a:r>
             <a:r>
-              <a:rPr lang="en-US" altLang="zh-CN" sz="2400" dirty="0" smtClean="0"/>
+              <a:rPr lang="en-US" altLang="zh-CN" sz="2400" dirty="0"/>
               <a:t>》</a:t>
             </a:r>
             <a:r>
-              <a:rPr lang="zh-CN" altLang="en-US" sz="2400" dirty="0" smtClean="0"/>
+              <a:rPr lang="zh-CN" altLang="en-US" sz="2400" dirty="0"/>
               <a:t>第</a:t>
             </a:r>
             <a:r>
-              <a:rPr lang="en-US" altLang="zh-CN" sz="2400" dirty="0" smtClean="0"/>
+              <a:rPr lang="en-US" altLang="zh-CN" sz="2400" dirty="0"/>
               <a:t>1</a:t>
             </a:r>
             <a:r>
-              <a:rPr lang="zh-CN" altLang="en-US" sz="2400" dirty="0" smtClean="0"/>
+              <a:rPr lang="zh-CN" altLang="en-US" sz="2400" dirty="0"/>
               <a:t>章</a:t>
             </a:r>
             <a:r>
-              <a:rPr lang="en-US" altLang="zh-CN" sz="2400" dirty="0" smtClean="0"/>
+              <a:rPr lang="en-US" altLang="zh-CN" sz="2400" dirty="0"/>
               <a:t>·</a:t>
             </a:r>
             <a:r>
-              <a:rPr lang="zh-CN" altLang="en-US" sz="2400" dirty="0" smtClean="0"/>
+              <a:rPr lang="zh-CN" altLang="en-US" sz="2400" dirty="0"/>
               <a:t>为什么要建模；第</a:t>
             </a:r>
             <a:r>
-              <a:rPr lang="en-US" altLang="zh-CN" sz="2400" dirty="0" smtClean="0"/>
+              <a:rPr lang="en-US" altLang="zh-CN" sz="2400" dirty="0"/>
               <a:t>2</a:t>
             </a:r>
             <a:r>
-              <a:rPr lang="zh-CN" altLang="en-US" sz="2400" dirty="0" smtClean="0"/>
+              <a:rPr lang="zh-CN" altLang="en-US" sz="2400" dirty="0"/>
               <a:t>章</a:t>
             </a:r>
             <a:r>
-              <a:rPr lang="en-US" altLang="zh-CN" sz="2400" dirty="0" smtClean="0"/>
+              <a:rPr lang="en-US" altLang="zh-CN" sz="2400" dirty="0"/>
               <a:t>·UML</a:t>
             </a:r>
             <a:r>
-              <a:rPr lang="zh-CN" altLang="en-US" sz="2400" dirty="0" smtClean="0"/>
+              <a:rPr lang="zh-CN" altLang="en-US" sz="2400" dirty="0"/>
               <a:t>介绍</a:t>
             </a:r>
             <a:endParaRPr lang="en-US" altLang="zh-CN" sz="2400" dirty="0"/>
@@ -22848,7 +22998,7 @@
     </p:spTree>
     <p:extLst>
       <p:ext uri="{BB962C8B-B14F-4D97-AF65-F5344CB8AC3E}">
-        <p14:creationId xmlns="" xmlns:p14="http://schemas.microsoft.com/office/powerpoint/2010/main" val="622525484"/>
+        <p14:creationId xmlns:p14="http://schemas.microsoft.com/office/powerpoint/2010/main" val="622525484"/>
       </p:ext>
     </p:extLst>
   </p:cSld>
@@ -22966,7 +23116,7 @@
           <p:cNvPr id="2" name="标题 1">
             <a:extLst>
               <a:ext uri="{FF2B5EF4-FFF2-40B4-BE49-F238E27FC236}">
-                <a16:creationId xmlns="" xmlns:a16="http://schemas.microsoft.com/office/drawing/2014/main" id="{03F261DD-73E4-4180-97FD-1EE25B466BF2}"/>
+                <a16:creationId xmlns:a16="http://schemas.microsoft.com/office/drawing/2014/main" id="{03F261DD-73E4-4180-97FD-1EE25B466BF2}"/>
               </a:ext>
             </a:extLst>
           </p:cNvPr>
@@ -22999,7 +23149,7 @@
           <p:cNvPr id="3" name="内容占位符 2">
             <a:extLst>
               <a:ext uri="{FF2B5EF4-FFF2-40B4-BE49-F238E27FC236}">
-                <a16:creationId xmlns="" xmlns:a16="http://schemas.microsoft.com/office/drawing/2014/main" id="{2C3B77C6-9D77-4837-923D-3F06EBDDE5C8}"/>
+                <a16:creationId xmlns:a16="http://schemas.microsoft.com/office/drawing/2014/main" id="{2C3B77C6-9D77-4837-923D-3F06EBDDE5C8}"/>
               </a:ext>
             </a:extLst>
           </p:cNvPr>
@@ -23044,7 +23194,7 @@
           <p:cNvPr id="4" name="内容占位符 3">
             <a:extLst>
               <a:ext uri="{FF2B5EF4-FFF2-40B4-BE49-F238E27FC236}">
-                <a16:creationId xmlns="" xmlns:a16="http://schemas.microsoft.com/office/drawing/2014/main" id="{F6130195-C689-4876-9193-9310BDE66748}"/>
+                <a16:creationId xmlns:a16="http://schemas.microsoft.com/office/drawing/2014/main" id="{F6130195-C689-4876-9193-9310BDE66748}"/>
               </a:ext>
             </a:extLst>
           </p:cNvPr>
@@ -23103,20 +23253,13 @@
     </p:spTree>
     <p:extLst>
       <p:ext uri="{BB962C8B-B14F-4D97-AF65-F5344CB8AC3E}">
-        <p14:creationId xmlns="" xmlns:p14="http://schemas.microsoft.com/office/powerpoint/2010/main" val="3388837790"/>
+        <p14:creationId xmlns:p14="http://schemas.microsoft.com/office/powerpoint/2010/main" val="3388837790"/>
       </p:ext>
     </p:extLst>
   </p:cSld>
   <p:clrMapOvr>
     <a:masterClrMapping/>
   </p:clrMapOvr>
-  <p:timing>
-    <p:tnLst>
-      <p:par>
-        <p:cTn id="1" dur="indefinite" restart="never" nodeType="tmRoot"/>
-      </p:par>
-    </p:tnLst>
-  </p:timing>
 </p:sld>
 </file>
 
@@ -23142,7 +23285,7 @@
           <p:cNvPr id="2" name="标题 1">
             <a:extLst>
               <a:ext uri="{FF2B5EF4-FFF2-40B4-BE49-F238E27FC236}">
-                <a16:creationId xmlns="" xmlns:a16="http://schemas.microsoft.com/office/drawing/2014/main" id="{8050F867-BC96-4BDE-8D9B-B611C1196787}"/>
+                <a16:creationId xmlns:a16="http://schemas.microsoft.com/office/drawing/2014/main" id="{8050F867-BC96-4BDE-8D9B-B611C1196787}"/>
               </a:ext>
             </a:extLst>
           </p:cNvPr>
@@ -23183,7 +23326,7 @@
           <p:cNvPr id="3" name="文本框 2">
             <a:extLst>
               <a:ext uri="{FF2B5EF4-FFF2-40B4-BE49-F238E27FC236}">
-                <a16:creationId xmlns="" xmlns:a16="http://schemas.microsoft.com/office/drawing/2014/main" id="{4CDAD1FD-D4D8-48D1-81CD-F860BAF3F91C}"/>
+                <a16:creationId xmlns:a16="http://schemas.microsoft.com/office/drawing/2014/main" id="{4CDAD1FD-D4D8-48D1-81CD-F860BAF3F91C}"/>
               </a:ext>
             </a:extLst>
           </p:cNvPr>
@@ -23283,20 +23426,13 @@
     </p:spTree>
     <p:extLst>
       <p:ext uri="{BB962C8B-B14F-4D97-AF65-F5344CB8AC3E}">
-        <p14:creationId xmlns="" xmlns:p14="http://schemas.microsoft.com/office/powerpoint/2010/main" val="2655558641"/>
+        <p14:creationId xmlns:p14="http://schemas.microsoft.com/office/powerpoint/2010/main" val="2655558641"/>
       </p:ext>
     </p:extLst>
   </p:cSld>
   <p:clrMapOvr>
     <a:masterClrMapping/>
   </p:clrMapOvr>
-  <p:timing>
-    <p:tnLst>
-      <p:par>
-        <p:cTn id="1" dur="indefinite" restart="never" nodeType="tmRoot"/>
-      </p:par>
-    </p:tnLst>
-  </p:timing>
 </p:sld>
 </file>
 
@@ -23322,7 +23458,7 @@
           <p:cNvPr id="2" name="标题 1">
             <a:extLst>
               <a:ext uri="{FF2B5EF4-FFF2-40B4-BE49-F238E27FC236}">
-                <a16:creationId xmlns="" xmlns:a16="http://schemas.microsoft.com/office/drawing/2014/main" id="{07F82CAD-895A-43D3-8349-0BA3C86A2196}"/>
+                <a16:creationId xmlns:a16="http://schemas.microsoft.com/office/drawing/2014/main" id="{07F82CAD-895A-43D3-8349-0BA3C86A2196}"/>
               </a:ext>
             </a:extLst>
           </p:cNvPr>
@@ -23345,11 +23481,11 @@
           <a:p>
             <a:pPr algn="ctr"/>
             <a:r>
-              <a:rPr lang="zh-CN" altLang="zh-CN" sz="6000" dirty="0" smtClean="0"/>
+              <a:rPr lang="zh-CN" altLang="zh-CN" sz="6000" dirty="0"/>
               <a:t>什么是</a:t>
             </a:r>
             <a:r>
-              <a:rPr lang="en-US" altLang="zh-CN" sz="6000" dirty="0" smtClean="0"/>
+              <a:rPr lang="en-US" altLang="zh-CN" sz="6000" dirty="0"/>
               <a:t>UML</a:t>
             </a:r>
             <a:endParaRPr lang="zh-CN" altLang="en-US" sz="6000" dirty="0"/>
@@ -23361,7 +23497,7 @@
           <p:cNvPr id="3" name="内容占位符 2">
             <a:extLst>
               <a:ext uri="{FF2B5EF4-FFF2-40B4-BE49-F238E27FC236}">
-                <a16:creationId xmlns="" xmlns:a16="http://schemas.microsoft.com/office/drawing/2014/main" id="{46AF0ABC-912E-4F6F-A3AC-D7B963232466}"/>
+                <a16:creationId xmlns:a16="http://schemas.microsoft.com/office/drawing/2014/main" id="{46AF0ABC-912E-4F6F-A3AC-D7B963232466}"/>
               </a:ext>
             </a:extLst>
           </p:cNvPr>
@@ -23383,40 +23519,40 @@
           <a:lstStyle/>
           <a:p>
             <a:r>
-              <a:rPr lang="zh-CN" altLang="en-US" sz="3200" dirty="0" smtClean="0">
+              <a:rPr lang="zh-CN" altLang="en-US" sz="3200" dirty="0">
                 <a:latin typeface="+mn-ea"/>
               </a:rPr>
               <a:t>    </a:t>
             </a:r>
             <a:r>
-              <a:rPr lang="en-US" altLang="zh-CN" sz="3200" dirty="0" smtClean="0">
+              <a:rPr lang="en-US" altLang="zh-CN" sz="3200" dirty="0">
                 <a:latin typeface="+mn-ea"/>
               </a:rPr>
               <a:t>UML</a:t>
             </a:r>
             <a:r>
-              <a:rPr lang="zh-CN" altLang="en-US" sz="3200" dirty="0" smtClean="0">
+              <a:rPr lang="zh-CN" altLang="en-US" sz="3200" dirty="0">
                 <a:latin typeface="+mn-ea"/>
               </a:rPr>
               <a:t>这三个字母的全称是</a:t>
             </a:r>
             <a:r>
-              <a:rPr lang="en-US" altLang="zh-CN" sz="3200" dirty="0" smtClean="0">
+              <a:rPr lang="en-US" altLang="zh-CN" sz="3200" dirty="0">
                 <a:latin typeface="+mn-ea"/>
               </a:rPr>
               <a:t>Unified Modeling Language</a:t>
             </a:r>
             <a:r>
-              <a:rPr lang="zh-CN" altLang="en-US" sz="3200" dirty="0" smtClean="0">
+              <a:rPr lang="zh-CN" altLang="en-US" sz="3200" dirty="0">
                 <a:latin typeface="+mn-ea"/>
               </a:rPr>
               <a:t>，直接翻译就是统一建模语言</a:t>
             </a:r>
             <a:r>
-              <a:rPr lang="zh-CN" altLang="zh-CN" sz="3200" dirty="0" smtClean="0"/>
+              <a:rPr lang="zh-CN" altLang="zh-CN" sz="3200" dirty="0"/>
               <a:t>。</a:t>
             </a:r>
-            <a:endParaRPr lang="en-US" altLang="zh-CN" sz="3200" dirty="0" smtClean="0">
+            <a:endParaRPr lang="en-US" altLang="zh-CN" sz="3200" dirty="0">
               <a:latin typeface="+mn-ea"/>
             </a:endParaRPr>
           </a:p>
@@ -23425,13 +23561,13 @@
               <a:buNone/>
             </a:pPr>
             <a:r>
-              <a:rPr lang="en-US" altLang="zh-CN" sz="3200" dirty="0" smtClean="0">
+              <a:rPr lang="en-US" altLang="zh-CN" sz="3200" dirty="0">
                 <a:latin typeface="+mn-ea"/>
               </a:rPr>
               <a:t>      </a:t>
             </a:r>
             <a:r>
-              <a:rPr lang="zh-CN" altLang="zh-CN" sz="3200" dirty="0" smtClean="0"/>
+              <a:rPr lang="zh-CN" altLang="zh-CN" sz="3200" dirty="0"/>
               <a:t>一种对软件密集型系统的制品进行可视化，详述，构造，文档化的语言。</a:t>
             </a:r>
           </a:p>
@@ -23439,7 +23575,7 @@
             <a:pPr>
               <a:buNone/>
             </a:pPr>
-            <a:endParaRPr lang="en-US" altLang="zh-CN" sz="2000" dirty="0" smtClean="0">
+            <a:endParaRPr lang="en-US" altLang="zh-CN" sz="2000" dirty="0">
               <a:latin typeface="+mn-ea"/>
             </a:endParaRPr>
           </a:p>
@@ -23451,7 +23587,7 @@
     </p:spTree>
     <p:extLst>
       <p:ext uri="{BB962C8B-B14F-4D97-AF65-F5344CB8AC3E}">
-        <p14:creationId xmlns="" xmlns:p14="http://schemas.microsoft.com/office/powerpoint/2010/main" val="2147238212"/>
+        <p14:creationId xmlns:p14="http://schemas.microsoft.com/office/powerpoint/2010/main" val="2147238212"/>
       </p:ext>
     </p:extLst>
   </p:cSld>
@@ -23635,7 +23771,7 @@
           <p:cNvPr id="2" name="标题 1">
             <a:extLst>
               <a:ext uri="{FF2B5EF4-FFF2-40B4-BE49-F238E27FC236}">
-                <a16:creationId xmlns="" xmlns:a16="http://schemas.microsoft.com/office/drawing/2014/main" id="{07F82CAD-895A-43D3-8349-0BA3C86A2196}"/>
+                <a16:creationId xmlns:a16="http://schemas.microsoft.com/office/drawing/2014/main" id="{07F82CAD-895A-43D3-8349-0BA3C86A2196}"/>
               </a:ext>
             </a:extLst>
           </p:cNvPr>
@@ -23658,11 +23794,11 @@
           <a:p>
             <a:pPr algn="ctr"/>
             <a:r>
-              <a:rPr lang="en-US" altLang="zh-CN" sz="6000" dirty="0" smtClean="0"/>
+              <a:rPr lang="en-US" altLang="zh-CN" sz="6000" dirty="0"/>
               <a:t>UML</a:t>
             </a:r>
             <a:r>
-              <a:rPr lang="zh-CN" altLang="zh-CN" sz="6000" dirty="0" smtClean="0"/>
+              <a:rPr lang="zh-CN" altLang="zh-CN" sz="6000" dirty="0"/>
               <a:t>的背景</a:t>
             </a:r>
             <a:endParaRPr lang="zh-CN" altLang="en-US" sz="6000" dirty="0"/>
@@ -23674,7 +23810,7 @@
           <p:cNvPr id="3" name="内容占位符 2">
             <a:extLst>
               <a:ext uri="{FF2B5EF4-FFF2-40B4-BE49-F238E27FC236}">
-                <a16:creationId xmlns="" xmlns:a16="http://schemas.microsoft.com/office/drawing/2014/main" id="{46AF0ABC-912E-4F6F-A3AC-D7B963232466}"/>
+                <a16:creationId xmlns:a16="http://schemas.microsoft.com/office/drawing/2014/main" id="{46AF0ABC-912E-4F6F-A3AC-D7B963232466}"/>
               </a:ext>
             </a:extLst>
           </p:cNvPr>
@@ -23705,115 +23841,115 @@
           <a:p>
             <a:pPr lvl="0"/>
             <a:r>
-              <a:rPr lang="en-US" altLang="zh-CN" sz="3200" dirty="0" smtClean="0">
+              <a:rPr lang="en-US" altLang="zh-CN" sz="3200" dirty="0">
                 <a:latin typeface="+mn-ea"/>
               </a:rPr>
               <a:t>UML</a:t>
             </a:r>
             <a:r>
-              <a:rPr lang="zh-CN" altLang="zh-CN" sz="3200" dirty="0" smtClean="0">
+              <a:rPr lang="zh-CN" altLang="zh-CN" sz="3200" dirty="0">
                 <a:latin typeface="+mn-ea"/>
               </a:rPr>
               <a:t>意在成为一个统一的语言，使</a:t>
             </a:r>
             <a:r>
-              <a:rPr lang="en-US" altLang="zh-CN" sz="3200" dirty="0" smtClean="0">
+              <a:rPr lang="en-US" altLang="zh-CN" sz="3200" dirty="0">
                 <a:latin typeface="+mn-ea"/>
               </a:rPr>
               <a:t>IT</a:t>
             </a:r>
             <a:r>
-              <a:rPr lang="zh-CN" altLang="zh-CN" sz="3200" dirty="0" smtClean="0">
+              <a:rPr lang="zh-CN" altLang="zh-CN" sz="3200" dirty="0">
                 <a:latin typeface="+mn-ea"/>
               </a:rPr>
               <a:t>专业人员可以建模计算机应用程序。主要作者是</a:t>
             </a:r>
             <a:r>
-              <a:rPr lang="en-US" altLang="zh-CN" sz="3200" dirty="0" smtClean="0">
+              <a:rPr lang="en-US" altLang="zh-CN" sz="3200" dirty="0">
                 <a:latin typeface="+mn-ea"/>
               </a:rPr>
               <a:t>James </a:t>
             </a:r>
             <a:r>
-              <a:rPr lang="en-US" altLang="zh-CN" sz="3200" dirty="0" err="1" smtClean="0">
+              <a:rPr lang="en-US" altLang="zh-CN" sz="3200" dirty="0" err="1">
                 <a:latin typeface="+mn-ea"/>
               </a:rPr>
               <a:t>Rumbaugh</a:t>
             </a:r>
             <a:r>
-              <a:rPr lang="zh-CN" altLang="zh-CN" sz="3200" dirty="0" smtClean="0">
+              <a:rPr lang="zh-CN" altLang="zh-CN" sz="3200" dirty="0">
                 <a:latin typeface="+mn-ea"/>
               </a:rPr>
               <a:t>，</a:t>
             </a:r>
             <a:r>
-              <a:rPr lang="en-US" altLang="zh-CN" sz="3200" dirty="0" err="1" smtClean="0">
+              <a:rPr lang="en-US" altLang="zh-CN" sz="3200" dirty="0" err="1">
                 <a:latin typeface="+mn-ea"/>
               </a:rPr>
               <a:t>Ivar</a:t>
             </a:r>
             <a:r>
-              <a:rPr lang="en-US" altLang="zh-CN" sz="3200" dirty="0" smtClean="0">
+              <a:rPr lang="en-US" altLang="zh-CN" sz="3200" dirty="0">
                 <a:latin typeface="+mn-ea"/>
               </a:rPr>
               <a:t> Jacobson</a:t>
             </a:r>
             <a:r>
-              <a:rPr lang="zh-CN" altLang="zh-CN" sz="3200" dirty="0" smtClean="0">
+              <a:rPr lang="zh-CN" altLang="zh-CN" sz="3200" dirty="0">
                 <a:latin typeface="+mn-ea"/>
               </a:rPr>
               <a:t>和</a:t>
             </a:r>
             <a:r>
-              <a:rPr lang="en-US" altLang="zh-CN" sz="3200" dirty="0" smtClean="0">
+              <a:rPr lang="en-US" altLang="zh-CN" sz="3200" dirty="0">
                 <a:latin typeface="+mn-ea"/>
               </a:rPr>
               <a:t>Grady </a:t>
             </a:r>
             <a:r>
-              <a:rPr lang="en-US" altLang="zh-CN" sz="3200" dirty="0" err="1" smtClean="0">
+              <a:rPr lang="en-US" altLang="zh-CN" sz="3200" dirty="0" err="1">
                 <a:latin typeface="+mn-ea"/>
               </a:rPr>
               <a:t>Booch</a:t>
             </a:r>
             <a:r>
-              <a:rPr lang="zh-CN" altLang="zh-CN" sz="3200" dirty="0" smtClean="0">
+              <a:rPr lang="zh-CN" altLang="zh-CN" sz="3200" dirty="0">
                 <a:latin typeface="+mn-ea"/>
               </a:rPr>
               <a:t>，他们最初有自己的竞争方法（</a:t>
             </a:r>
             <a:r>
-              <a:rPr lang="en-US" altLang="zh-CN" sz="3200" dirty="0" smtClean="0">
+              <a:rPr lang="en-US" altLang="zh-CN" sz="3200" dirty="0">
                 <a:latin typeface="+mn-ea"/>
               </a:rPr>
               <a:t>OMT-Object Modeling Technology</a:t>
             </a:r>
             <a:r>
-              <a:rPr lang="zh-CN" altLang="zh-CN" sz="3200" dirty="0" smtClean="0">
+              <a:rPr lang="zh-CN" altLang="zh-CN" sz="3200" dirty="0">
                 <a:latin typeface="+mn-ea"/>
               </a:rPr>
               <a:t>，</a:t>
             </a:r>
             <a:r>
-              <a:rPr lang="en-US" altLang="zh-CN" sz="3200" dirty="0" smtClean="0">
+              <a:rPr lang="en-US" altLang="zh-CN" sz="3200" dirty="0">
                 <a:latin typeface="+mn-ea"/>
               </a:rPr>
               <a:t>OOSE-Object-oriented software engineering</a:t>
             </a:r>
             <a:r>
-              <a:rPr lang="zh-CN" altLang="zh-CN" sz="3200" dirty="0" smtClean="0">
+              <a:rPr lang="zh-CN" altLang="zh-CN" sz="3200" dirty="0">
                 <a:latin typeface="+mn-ea"/>
               </a:rPr>
               <a:t>和</a:t>
             </a:r>
             <a:r>
-              <a:rPr lang="en-US" altLang="zh-CN" sz="3200" dirty="0" err="1" smtClean="0">
+              <a:rPr lang="en-US" altLang="zh-CN" sz="3200" dirty="0" err="1">
                 <a:latin typeface="+mn-ea"/>
               </a:rPr>
               <a:t>Booch</a:t>
             </a:r>
             <a:r>
-              <a:rPr lang="zh-CN" altLang="zh-CN" sz="3200" dirty="0" smtClean="0">
+              <a:rPr lang="zh-CN" altLang="zh-CN" sz="3200" dirty="0">
                 <a:latin typeface="+mn-ea"/>
               </a:rPr>
               <a:t>）。最终，他们联合起来，实现了开放的标准。 </a:t>
@@ -23827,7 +23963,7 @@
     </p:spTree>
     <p:extLst>
       <p:ext uri="{BB962C8B-B14F-4D97-AF65-F5344CB8AC3E}">
-        <p14:creationId xmlns="" xmlns:p14="http://schemas.microsoft.com/office/powerpoint/2010/main" val="2147238212"/>
+        <p14:creationId xmlns:p14="http://schemas.microsoft.com/office/powerpoint/2010/main" val="2147238212"/>
       </p:ext>
     </p:extLst>
   </p:cSld>
@@ -23950,7 +24086,7 @@
           <p:cNvPr id="2" name="标题 1">
             <a:extLst>
               <a:ext uri="{FF2B5EF4-FFF2-40B4-BE49-F238E27FC236}">
-                <a16:creationId xmlns="" xmlns:a16="http://schemas.microsoft.com/office/drawing/2014/main" id="{AA66064C-5EDB-4BCA-AC68-6C951C8402E1}"/>
+                <a16:creationId xmlns:a16="http://schemas.microsoft.com/office/drawing/2014/main" id="{AA66064C-5EDB-4BCA-AC68-6C951C8402E1}"/>
               </a:ext>
             </a:extLst>
           </p:cNvPr>
@@ -23968,14 +24104,13 @@
           <a:p>
             <a:pPr algn="ctr"/>
             <a:r>
-              <a:rPr lang="en-US" altLang="zh-CN" sz="5400" dirty="0" smtClean="0"/>
+              <a:rPr lang="en-US" altLang="zh-CN" sz="5400" dirty="0"/>
               <a:t>UML</a:t>
             </a:r>
             <a:r>
-              <a:rPr lang="zh-CN" altLang="zh-CN" sz="5400" dirty="0" smtClean="0"/>
+              <a:rPr lang="zh-CN" altLang="zh-CN" sz="5400" dirty="0"/>
               <a:t>作用</a:t>
             </a:r>
-            <a:endParaRPr lang="zh-CN" altLang="zh-CN" sz="5400" dirty="0"/>
           </a:p>
         </p:txBody>
       </p:sp>
@@ -23984,7 +24119,7 @@
           <p:cNvPr id="3" name="内容占位符 2">
             <a:extLst>
               <a:ext uri="{FF2B5EF4-FFF2-40B4-BE49-F238E27FC236}">
-                <a16:creationId xmlns="" xmlns:a16="http://schemas.microsoft.com/office/drawing/2014/main" id="{095AF313-D740-4308-BC08-BFF7F6AE6620}"/>
+                <a16:creationId xmlns:a16="http://schemas.microsoft.com/office/drawing/2014/main" id="{095AF313-D740-4308-BC08-BFF7F6AE6620}"/>
               </a:ext>
             </a:extLst>
           </p:cNvPr>
@@ -24080,7 +24215,7 @@
     </p:spTree>
     <p:extLst>
       <p:ext uri="{BB962C8B-B14F-4D97-AF65-F5344CB8AC3E}">
-        <p14:creationId xmlns="" xmlns:p14="http://schemas.microsoft.com/office/powerpoint/2010/main" val="637050606"/>
+        <p14:creationId xmlns:p14="http://schemas.microsoft.com/office/powerpoint/2010/main" val="637050606"/>
       </p:ext>
     </p:extLst>
   </p:cSld>
@@ -24246,7 +24381,7 @@
           <p:cNvPr id="10" name="Rectangle 9">
             <a:extLst>
               <a:ext uri="{FF2B5EF4-FFF2-40B4-BE49-F238E27FC236}">
-                <a16:creationId xmlns="" xmlns:a16="http://schemas.microsoft.com/office/drawing/2014/main" id="{A3322B77-FA16-4D4E-BAA6-811C61DB3E85}"/>
+                <a16:creationId xmlns:a16="http://schemas.microsoft.com/office/drawing/2014/main" id="{A3322B77-FA16-4D4E-BAA6-811C61DB3E85}"/>
               </a:ext>
             </a:extLst>
           </p:cNvPr>
@@ -24256,7 +24391,7 @@
           <p:nvPr>
             <p:extLst>
               <p:ext uri="{386F3935-93C4-4BCD-93E2-E3B085C9AB24}">
-                <p16:designElem xmlns="" xmlns:p16="http://schemas.microsoft.com/office/powerpoint/2015/main" val="1"/>
+                <p16:designElem xmlns:p16="http://schemas.microsoft.com/office/powerpoint/2015/main" val="1"/>
               </p:ext>
             </p:extLst>
           </p:nvPr>
@@ -24303,7 +24438,7 @@
           <p:cNvPr id="12" name="Freeform: Shape 11">
             <a:extLst>
               <a:ext uri="{FF2B5EF4-FFF2-40B4-BE49-F238E27FC236}">
-                <a16:creationId xmlns="" xmlns:a16="http://schemas.microsoft.com/office/drawing/2014/main" id="{CA6EF34F-3BAD-4CD8-B05E-03BA773AE864}"/>
+                <a16:creationId xmlns:a16="http://schemas.microsoft.com/office/drawing/2014/main" id="{CA6EF34F-3BAD-4CD8-B05E-03BA773AE864}"/>
               </a:ext>
             </a:extLst>
           </p:cNvPr>
@@ -24313,7 +24448,7 @@
           <p:nvPr>
             <p:extLst>
               <p:ext uri="{386F3935-93C4-4BCD-93E2-E3B085C9AB24}">
-                <p16:designElem xmlns="" xmlns:p16="http://schemas.microsoft.com/office/powerpoint/2015/main" val="1"/>
+                <p16:designElem xmlns:p16="http://schemas.microsoft.com/office/powerpoint/2015/main" val="1"/>
               </p:ext>
             </p:extLst>
           </p:nvPr>
@@ -24485,7 +24620,7 @@
           <p:cNvPr id="2" name="标题 1">
             <a:extLst>
               <a:ext uri="{FF2B5EF4-FFF2-40B4-BE49-F238E27FC236}">
-                <a16:creationId xmlns="" xmlns:a16="http://schemas.microsoft.com/office/drawing/2014/main" id="{07F82CAD-895A-43D3-8349-0BA3C86A2196}"/>
+                <a16:creationId xmlns:a16="http://schemas.microsoft.com/office/drawing/2014/main" id="{07F82CAD-895A-43D3-8349-0BA3C86A2196}"/>
               </a:ext>
             </a:extLst>
           </p:cNvPr>
@@ -24514,13 +24649,8 @@
             </a:r>
             <a:r>
               <a:rPr lang="zh-CN" altLang="en-US" sz="4400" dirty="0"/>
-              <a:t>的</a:t>
-            </a:r>
-            <a:r>
-              <a:rPr lang="zh-CN" altLang="en-US" sz="4400" dirty="0" smtClean="0"/>
-              <a:t>特点</a:t>
-            </a:r>
-            <a:endParaRPr lang="zh-CN" altLang="en-US" sz="4400" dirty="0"/>
+              <a:t>的特点</a:t>
+            </a:r>
           </a:p>
         </p:txBody>
       </p:sp>
@@ -24534,7 +24664,7 @@
             <p:ph idx="1"/>
             <p:extLst>
               <p:ext uri="{D42A27DB-BD31-4B8C-83A1-F6EECF244321}">
-                <p14:modId xmlns="" xmlns:p14="http://schemas.microsoft.com/office/powerpoint/2010/main" val="1371003300"/>
+                <p14:modId xmlns:p14="http://schemas.microsoft.com/office/powerpoint/2010/main" val="1371003300"/>
               </p:ext>
             </p:extLst>
           </p:nvPr>
@@ -24552,7 +24682,7 @@
     </p:spTree>
     <p:extLst>
       <p:ext uri="{BB962C8B-B14F-4D97-AF65-F5344CB8AC3E}">
-        <p14:creationId xmlns="" xmlns:p14="http://schemas.microsoft.com/office/powerpoint/2010/main" val="828526820"/>
+        <p14:creationId xmlns:p14="http://schemas.microsoft.com/office/powerpoint/2010/main" val="828526820"/>
       </p:ext>
     </p:extLst>
   </p:cSld>
@@ -24672,7 +24802,7 @@
           <p:cNvPr id="2" name="标题 1">
             <a:extLst>
               <a:ext uri="{FF2B5EF4-FFF2-40B4-BE49-F238E27FC236}">
-                <a16:creationId xmlns:a16="http://schemas.microsoft.com/office/drawing/2014/main" xmlns="" id="{7CAD41F4-5EA9-4288-9F6B-AC877256EC40}"/>
+                <a16:creationId xmlns:a16="http://schemas.microsoft.com/office/drawing/2014/main" id="{7CAD41F4-5EA9-4288-9F6B-AC877256EC40}"/>
               </a:ext>
             </a:extLst>
           </p:cNvPr>
@@ -24701,10 +24831,6 @@
               <a:rPr lang="zh-CN" altLang="en-US" sz="2800" dirty="0"/>
               <a:t>构成：</a:t>
             </a:r>
-            <a:r>
-              <a:rPr lang="en-US" altLang="zh-CN" sz="2800" dirty="0"/>
-              <a:t/>
-            </a:r>
             <a:br>
               <a:rPr lang="en-US" altLang="zh-CN" sz="2800" dirty="0"/>
             </a:br>
@@ -24712,20 +24838,12 @@
               <a:rPr lang="zh-CN" altLang="en-US" sz="2800" dirty="0"/>
               <a:t>基本构造块</a:t>
             </a:r>
-            <a:r>
-              <a:rPr lang="en-US" altLang="zh-CN" sz="2800" dirty="0"/>
-              <a:t/>
-            </a:r>
             <a:br>
               <a:rPr lang="en-US" altLang="zh-CN" sz="2800" dirty="0"/>
             </a:br>
             <a:r>
               <a:rPr lang="zh-CN" altLang="en-US" sz="2800" dirty="0"/>
               <a:t>规则</a:t>
-            </a:r>
-            <a:r>
-              <a:rPr lang="en-US" altLang="zh-CN" sz="2800" dirty="0"/>
-              <a:t/>
             </a:r>
             <a:br>
               <a:rPr lang="en-US" altLang="zh-CN" sz="2800" dirty="0"/>
@@ -24742,7 +24860,7 @@
           <p:cNvPr id="5" name="内容占位符 4">
             <a:extLst>
               <a:ext uri="{FF2B5EF4-FFF2-40B4-BE49-F238E27FC236}">
-                <a16:creationId xmlns:a16="http://schemas.microsoft.com/office/drawing/2014/main" xmlns="" id="{322DC1F1-CF7B-4B97-8239-ED0A0AA961FF}"/>
+                <a16:creationId xmlns:a16="http://schemas.microsoft.com/office/drawing/2014/main" id="{322DC1F1-CF7B-4B97-8239-ED0A0AA961FF}"/>
               </a:ext>
             </a:extLst>
           </p:cNvPr>
@@ -24790,30 +24908,30 @@
           <a:p>
             <a:pPr lvl="0"/>
             <a:r>
-              <a:rPr lang="en-US" altLang="zh-CN" sz="2800" dirty="0" smtClean="0">
+              <a:rPr lang="en-US" altLang="zh-CN" sz="2800" dirty="0">
                 <a:latin typeface="+mn-ea"/>
               </a:rPr>
               <a:t>UML</a:t>
             </a:r>
             <a:r>
-              <a:rPr lang="zh-CN" altLang="zh-CN" sz="2800" dirty="0" smtClean="0">
+              <a:rPr lang="zh-CN" altLang="zh-CN" sz="2800" dirty="0">
                 <a:latin typeface="+mn-ea"/>
               </a:rPr>
               <a:t>主要由事物、图和关系组成。事物是</a:t>
             </a:r>
             <a:r>
-              <a:rPr lang="en-US" altLang="zh-CN" sz="2800" dirty="0" smtClean="0">
+              <a:rPr lang="en-US" altLang="zh-CN" sz="2800" dirty="0">
                 <a:latin typeface="+mn-ea"/>
               </a:rPr>
               <a:t>UML</a:t>
             </a:r>
             <a:r>
-              <a:rPr lang="zh-CN" altLang="zh-CN" sz="2800" dirty="0" smtClean="0">
+              <a:rPr lang="zh-CN" altLang="zh-CN" sz="2800" dirty="0">
                 <a:latin typeface="+mn-ea"/>
               </a:rPr>
               <a:t>中组成元素，关系把元素紧密联系在一起 ，图是有相互关系的事物的组。</a:t>
             </a:r>
-            <a:endParaRPr lang="en-US" altLang="zh-CN" sz="2800" dirty="0" smtClean="0">
+            <a:endParaRPr lang="en-US" altLang="zh-CN" sz="2800" dirty="0">
               <a:latin typeface="+mn-ea"/>
             </a:endParaRPr>
           </a:p>
@@ -24825,7 +24943,7 @@
     </p:spTree>
     <p:extLst>
       <p:ext uri="{BB962C8B-B14F-4D97-AF65-F5344CB8AC3E}">
-        <p14:creationId xmlns:p14="http://schemas.microsoft.com/office/powerpoint/2010/main" xmlns="" val="2038618891"/>
+        <p14:creationId xmlns:p14="http://schemas.microsoft.com/office/powerpoint/2010/main" val="2038618891"/>
       </p:ext>
     </p:extLst>
   </p:cSld>
@@ -24996,7 +25114,7 @@
           <p:cNvPr id="2" name="标题 1">
             <a:extLst>
               <a:ext uri="{FF2B5EF4-FFF2-40B4-BE49-F238E27FC236}">
-                <a16:creationId xmlns:a16="http://schemas.microsoft.com/office/drawing/2014/main" xmlns="" id="{517EC9A4-0166-49F8-91E4-2DC45DDAA464}"/>
+                <a16:creationId xmlns:a16="http://schemas.microsoft.com/office/drawing/2014/main" id="{517EC9A4-0166-49F8-91E4-2DC45DDAA464}"/>
               </a:ext>
             </a:extLst>
           </p:cNvPr>
@@ -25029,7 +25147,7 @@
           <p:cNvPr id="8" name="矩形 7">
             <a:extLst>
               <a:ext uri="{FF2B5EF4-FFF2-40B4-BE49-F238E27FC236}">
-                <a16:creationId xmlns:a16="http://schemas.microsoft.com/office/drawing/2014/main" xmlns="" id="{C8569A67-5C39-44DB-A938-392E732A0BF4}"/>
+                <a16:creationId xmlns:a16="http://schemas.microsoft.com/office/drawing/2014/main" id="{C8569A67-5C39-44DB-A938-392E732A0BF4}"/>
               </a:ext>
             </a:extLst>
           </p:cNvPr>
@@ -25083,7 +25201,7 @@
           <p:cNvPr id="9" name="矩形 8">
             <a:extLst>
               <a:ext uri="{FF2B5EF4-FFF2-40B4-BE49-F238E27FC236}">
-                <a16:creationId xmlns:a16="http://schemas.microsoft.com/office/drawing/2014/main" xmlns="" id="{01739E7F-8D37-46F3-A0AB-2013E8564C52}"/>
+                <a16:creationId xmlns:a16="http://schemas.microsoft.com/office/drawing/2014/main" id="{01739E7F-8D37-46F3-A0AB-2013E8564C52}"/>
               </a:ext>
             </a:extLst>
           </p:cNvPr>
@@ -25137,7 +25255,7 @@
           <p:cNvPr id="26" name="文本框 25">
             <a:extLst>
               <a:ext uri="{FF2B5EF4-FFF2-40B4-BE49-F238E27FC236}">
-                <a16:creationId xmlns:a16="http://schemas.microsoft.com/office/drawing/2014/main" xmlns="" id="{98740C3D-1798-47B2-8196-0DF8066D4EDE}"/>
+                <a16:creationId xmlns:a16="http://schemas.microsoft.com/office/drawing/2014/main" id="{98740C3D-1798-47B2-8196-0DF8066D4EDE}"/>
               </a:ext>
             </a:extLst>
           </p:cNvPr>
@@ -25196,7 +25314,7 @@
           <p:cNvPr id="33" name="矩形 32">
             <a:extLst>
               <a:ext uri="{FF2B5EF4-FFF2-40B4-BE49-F238E27FC236}">
-                <a16:creationId xmlns:a16="http://schemas.microsoft.com/office/drawing/2014/main" xmlns="" id="{D006F9C7-AE01-4281-9A20-1FD69B3BA225}"/>
+                <a16:creationId xmlns:a16="http://schemas.microsoft.com/office/drawing/2014/main" id="{D006F9C7-AE01-4281-9A20-1FD69B3BA225}"/>
               </a:ext>
             </a:extLst>
           </p:cNvPr>
@@ -25250,7 +25368,7 @@
           <p:cNvPr id="34" name="矩形 33">
             <a:extLst>
               <a:ext uri="{FF2B5EF4-FFF2-40B4-BE49-F238E27FC236}">
-                <a16:creationId xmlns:a16="http://schemas.microsoft.com/office/drawing/2014/main" xmlns="" id="{CDDA93DE-A456-4076-87B5-8B79B5AB610B}"/>
+                <a16:creationId xmlns:a16="http://schemas.microsoft.com/office/drawing/2014/main" id="{CDDA93DE-A456-4076-87B5-8B79B5AB610B}"/>
               </a:ext>
             </a:extLst>
           </p:cNvPr>
@@ -25304,7 +25422,7 @@
           <p:cNvPr id="35" name="文本框 34">
             <a:extLst>
               <a:ext uri="{FF2B5EF4-FFF2-40B4-BE49-F238E27FC236}">
-                <a16:creationId xmlns:a16="http://schemas.microsoft.com/office/drawing/2014/main" xmlns="" id="{29ACA48C-64BC-4D5F-BBA7-FE293E7CCB2B}"/>
+                <a16:creationId xmlns:a16="http://schemas.microsoft.com/office/drawing/2014/main" id="{29ACA48C-64BC-4D5F-BBA7-FE293E7CCB2B}"/>
               </a:ext>
             </a:extLst>
           </p:cNvPr>
@@ -25473,7 +25591,7 @@
           <p:cNvPr id="36" name="文本框 35">
             <a:extLst>
               <a:ext uri="{FF2B5EF4-FFF2-40B4-BE49-F238E27FC236}">
-                <a16:creationId xmlns:a16="http://schemas.microsoft.com/office/drawing/2014/main" xmlns="" id="{985E6DBE-2AA1-4337-BB25-D4C8F22A18F3}"/>
+                <a16:creationId xmlns:a16="http://schemas.microsoft.com/office/drawing/2014/main" id="{985E6DBE-2AA1-4337-BB25-D4C8F22A18F3}"/>
               </a:ext>
             </a:extLst>
           </p:cNvPr>
@@ -25552,7 +25670,7 @@
           <p:cNvPr id="37" name="文本框 36">
             <a:extLst>
               <a:ext uri="{FF2B5EF4-FFF2-40B4-BE49-F238E27FC236}">
-                <a16:creationId xmlns:a16="http://schemas.microsoft.com/office/drawing/2014/main" xmlns="" id="{46232BBC-F007-45B9-A6FB-D82E254AE3EE}"/>
+                <a16:creationId xmlns:a16="http://schemas.microsoft.com/office/drawing/2014/main" id="{46232BBC-F007-45B9-A6FB-D82E254AE3EE}"/>
               </a:ext>
             </a:extLst>
           </p:cNvPr>
@@ -25605,7 +25723,7 @@
     </p:spTree>
     <p:extLst>
       <p:ext uri="{BB962C8B-B14F-4D97-AF65-F5344CB8AC3E}">
-        <p14:creationId xmlns:p14="http://schemas.microsoft.com/office/powerpoint/2010/main" xmlns="" val="3121298719"/>
+        <p14:creationId xmlns:p14="http://schemas.microsoft.com/office/powerpoint/2010/main" val="3121298719"/>
       </p:ext>
     </p:extLst>
   </p:cSld>
@@ -26370,7 +26488,7 @@
           <p:cNvPr id="2" name="标题 1">
             <a:extLst>
               <a:ext uri="{FF2B5EF4-FFF2-40B4-BE49-F238E27FC236}">
-                <a16:creationId xmlns:a16="http://schemas.microsoft.com/office/drawing/2014/main" xmlns="" id="{517EC9A4-0166-49F8-91E4-2DC45DDAA464}"/>
+                <a16:creationId xmlns:a16="http://schemas.microsoft.com/office/drawing/2014/main" id="{517EC9A4-0166-49F8-91E4-2DC45DDAA464}"/>
               </a:ext>
             </a:extLst>
           </p:cNvPr>
@@ -26403,7 +26521,7 @@
           <p:cNvPr id="8" name="矩形 7">
             <a:extLst>
               <a:ext uri="{FF2B5EF4-FFF2-40B4-BE49-F238E27FC236}">
-                <a16:creationId xmlns:a16="http://schemas.microsoft.com/office/drawing/2014/main" xmlns="" id="{C8569A67-5C39-44DB-A938-392E732A0BF4}"/>
+                <a16:creationId xmlns:a16="http://schemas.microsoft.com/office/drawing/2014/main" id="{C8569A67-5C39-44DB-A938-392E732A0BF4}"/>
               </a:ext>
             </a:extLst>
           </p:cNvPr>
@@ -26457,7 +26575,7 @@
           <p:cNvPr id="9" name="矩形 8">
             <a:extLst>
               <a:ext uri="{FF2B5EF4-FFF2-40B4-BE49-F238E27FC236}">
-                <a16:creationId xmlns:a16="http://schemas.microsoft.com/office/drawing/2014/main" xmlns="" id="{01739E7F-8D37-46F3-A0AB-2013E8564C52}"/>
+                <a16:creationId xmlns:a16="http://schemas.microsoft.com/office/drawing/2014/main" id="{01739E7F-8D37-46F3-A0AB-2013E8564C52}"/>
               </a:ext>
             </a:extLst>
           </p:cNvPr>
@@ -26511,7 +26629,7 @@
           <p:cNvPr id="26" name="文本框 25">
             <a:extLst>
               <a:ext uri="{FF2B5EF4-FFF2-40B4-BE49-F238E27FC236}">
-                <a16:creationId xmlns:a16="http://schemas.microsoft.com/office/drawing/2014/main" xmlns="" id="{98740C3D-1798-47B2-8196-0DF8066D4EDE}"/>
+                <a16:creationId xmlns:a16="http://schemas.microsoft.com/office/drawing/2014/main" id="{98740C3D-1798-47B2-8196-0DF8066D4EDE}"/>
               </a:ext>
             </a:extLst>
           </p:cNvPr>
@@ -26567,7 +26685,7 @@
           <p:cNvPr id="33" name="矩形 32">
             <a:extLst>
               <a:ext uri="{FF2B5EF4-FFF2-40B4-BE49-F238E27FC236}">
-                <a16:creationId xmlns:a16="http://schemas.microsoft.com/office/drawing/2014/main" xmlns="" id="{D006F9C7-AE01-4281-9A20-1FD69B3BA225}"/>
+                <a16:creationId xmlns:a16="http://schemas.microsoft.com/office/drawing/2014/main" id="{D006F9C7-AE01-4281-9A20-1FD69B3BA225}"/>
               </a:ext>
             </a:extLst>
           </p:cNvPr>
@@ -26621,7 +26739,7 @@
           <p:cNvPr id="34" name="矩形 33">
             <a:extLst>
               <a:ext uri="{FF2B5EF4-FFF2-40B4-BE49-F238E27FC236}">
-                <a16:creationId xmlns:a16="http://schemas.microsoft.com/office/drawing/2014/main" xmlns="" id="{CDDA93DE-A456-4076-87B5-8B79B5AB610B}"/>
+                <a16:creationId xmlns:a16="http://schemas.microsoft.com/office/drawing/2014/main" id="{CDDA93DE-A456-4076-87B5-8B79B5AB610B}"/>
               </a:ext>
             </a:extLst>
           </p:cNvPr>
@@ -26675,7 +26793,7 @@
           <p:cNvPr id="35" name="文本框 34">
             <a:extLst>
               <a:ext uri="{FF2B5EF4-FFF2-40B4-BE49-F238E27FC236}">
-                <a16:creationId xmlns:a16="http://schemas.microsoft.com/office/drawing/2014/main" xmlns="" id="{29ACA48C-64BC-4D5F-BBA7-FE293E7CCB2B}"/>
+                <a16:creationId xmlns:a16="http://schemas.microsoft.com/office/drawing/2014/main" id="{29ACA48C-64BC-4D5F-BBA7-FE293E7CCB2B}"/>
               </a:ext>
             </a:extLst>
           </p:cNvPr>
@@ -26749,7 +26867,7 @@
           <p:cNvPr id="36" name="文本框 35">
             <a:extLst>
               <a:ext uri="{FF2B5EF4-FFF2-40B4-BE49-F238E27FC236}">
-                <a16:creationId xmlns:a16="http://schemas.microsoft.com/office/drawing/2014/main" xmlns="" id="{985E6DBE-2AA1-4337-BB25-D4C8F22A18F3}"/>
+                <a16:creationId xmlns:a16="http://schemas.microsoft.com/office/drawing/2014/main" id="{985E6DBE-2AA1-4337-BB25-D4C8F22A18F3}"/>
               </a:ext>
             </a:extLst>
           </p:cNvPr>
@@ -26794,16 +26912,11 @@
               <a:rPr lang="en-US" altLang="zh-CN" dirty="0"/>
               <a:t>0..1   </a:t>
             </a:r>
-            <a:endParaRPr lang="en-US" altLang="zh-CN" dirty="0" smtClean="0"/>
-          </a:p>
-          <a:p>
-            <a:r>
-              <a:rPr lang="en-US" altLang="zh-CN" dirty="0" smtClean="0"/>
-              <a:t>                            </a:t>
-            </a:r>
+          </a:p>
+          <a:p>
             <a:r>
               <a:rPr lang="en-US" altLang="zh-CN" dirty="0"/>
-              <a:t>.</a:t>
+              <a:t>                            .</a:t>
             </a:r>
           </a:p>
           <a:p>
@@ -26823,7 +26936,7 @@
           <p:cNvPr id="37" name="文本框 36">
             <a:extLst>
               <a:ext uri="{FF2B5EF4-FFF2-40B4-BE49-F238E27FC236}">
-                <a16:creationId xmlns:a16="http://schemas.microsoft.com/office/drawing/2014/main" xmlns="" id="{46232BBC-F007-45B9-A6FB-D82E254AE3EE}"/>
+                <a16:creationId xmlns:a16="http://schemas.microsoft.com/office/drawing/2014/main" id="{46232BBC-F007-45B9-A6FB-D82E254AE3EE}"/>
               </a:ext>
             </a:extLst>
           </p:cNvPr>
@@ -26851,17 +26964,17 @@
               <a:buChar char="l"/>
             </a:pPr>
             <a:r>
-              <a:rPr lang="zh-CN" altLang="en-US" dirty="0" smtClean="0"/>
+              <a:rPr lang="zh-CN" altLang="en-US" dirty="0"/>
               <a:t>实现</a:t>
             </a:r>
-            <a:endParaRPr lang="en-US" altLang="zh-CN" dirty="0" smtClean="0"/>
+            <a:endParaRPr lang="en-US" altLang="zh-CN" dirty="0"/>
           </a:p>
           <a:p>
             <a:pPr marL="285750" indent="-285750" algn="ctr">
               <a:buFont typeface="Wingdings" panose="05000000000000000000" pitchFamily="2" charset="2"/>
               <a:buChar char="l"/>
             </a:pPr>
-            <a:endParaRPr lang="en-US" altLang="zh-CN" dirty="0" smtClean="0"/>
+            <a:endParaRPr lang="en-US" altLang="zh-CN" dirty="0"/>
           </a:p>
           <a:p>
             <a:pPr marL="285750" indent="-285750" algn="ctr">
@@ -27001,7 +27114,7 @@
     </p:spTree>
     <p:extLst>
       <p:ext uri="{BB962C8B-B14F-4D97-AF65-F5344CB8AC3E}">
-        <p14:creationId xmlns:p14="http://schemas.microsoft.com/office/powerpoint/2010/main" xmlns="" val="3824438527"/>
+        <p14:creationId xmlns:p14="http://schemas.microsoft.com/office/powerpoint/2010/main" val="3824438527"/>
       </p:ext>
     </p:extLst>
   </p:cSld>
@@ -27742,7 +27855,7 @@
   <a:extraClrSchemeLst/>
   <a:extLst>
     <a:ext uri="{05A4C25C-085E-4340-85A3-A5531E510DB2}">
-      <thm15:themeFamily xmlns="" xmlns:thm15="http://schemas.microsoft.com/office/thememl/2012/main" name="Quotable" id="{39EC5628-30ED-4578-ACD8-9820EDB8E15A}" vid="{6F3559E9-1A4C-49D8-94D4-F41003531C49}"/>
+      <thm15:themeFamily xmlns:thm15="http://schemas.microsoft.com/office/thememl/2012/main" name="Quotable" id="{39EC5628-30ED-4578-ACD8-9820EDB8E15A}" vid="{6F3559E9-1A4C-49D8-94D4-F41003531C49}"/>
     </a:ext>
   </a:extLst>
 </a:theme>
@@ -28037,7 +28150,7 @@
   <a:extraClrSchemeLst/>
   <a:extLst>
     <a:ext uri="{05A4C25C-085E-4340-85A3-A5531E510DB2}">
-      <thm15:themeFamily xmlns="" xmlns:thm15="http://schemas.microsoft.com/office/thememl/2012/main" name="Office Theme" id="{62F939B6-93AF-4DB8-9C6B-D6C7DFDC589F}" vid="{4A3C46E8-61CC-4603-A589-7422A47A8E4A}"/>
+      <thm15:themeFamily xmlns:thm15="http://schemas.microsoft.com/office/thememl/2012/main" name="Office Theme" id="{62F939B6-93AF-4DB8-9C6B-D6C7DFDC589F}" vid="{4A3C46E8-61CC-4603-A589-7422A47A8E4A}"/>
     </a:ext>
   </a:extLst>
 </a:theme>

--- a/PRD-2017-G24/翻转课堂作业/UML概述/UML概述.pptx
+++ b/PRD-2017-G24/翻转课堂作业/UML概述/UML概述.pptx
@@ -2077,10 +2077,24 @@
     <dgm:pt modelId="{13C0A50F-A094-4D9E-B9F1-D9E857774541}" type="parTrans" cxnId="{921A8786-CEF7-4A09-8646-477EE41068EE}">
       <dgm:prSet/>
       <dgm:spPr/>
+      <dgm:t>
+        <a:bodyPr/>
+        <a:lstStyle/>
+        <a:p>
+          <a:endParaRPr lang="zh-CN" altLang="en-US"/>
+        </a:p>
+      </dgm:t>
     </dgm:pt>
     <dgm:pt modelId="{595CA217-5FB8-4751-9D92-FA205D95B673}" type="sibTrans" cxnId="{921A8786-CEF7-4A09-8646-477EE41068EE}">
       <dgm:prSet/>
       <dgm:spPr/>
+      <dgm:t>
+        <a:bodyPr/>
+        <a:lstStyle/>
+        <a:p>
+          <a:endParaRPr lang="zh-CN" altLang="en-US"/>
+        </a:p>
+      </dgm:t>
     </dgm:pt>
     <dgm:pt modelId="{16C4A9B8-6EFE-4EE6-A024-B6B528189985}" type="pres">
       <dgm:prSet presAssocID="{61344293-A1DE-4EC5-9A38-FAB9B9B4968C}" presName="vert0" presStyleCnt="0">
@@ -2552,8 +2566,8 @@
       </dsp:nvSpPr>
       <dsp:spPr>
         <a:xfrm>
-          <a:off x="0" y="528"/>
-          <a:ext cx="5816600" cy="0"/>
+          <a:off x="0" y="674"/>
+          <a:ext cx="6267888" cy="0"/>
         </a:xfrm>
         <a:prstGeom prst="line">
           <a:avLst/>
@@ -2616,8 +2630,8 @@
       </dsp:nvSpPr>
       <dsp:spPr>
         <a:xfrm>
-          <a:off x="0" y="528"/>
-          <a:ext cx="5816600" cy="480718"/>
+          <a:off x="0" y="674"/>
+          <a:ext cx="6267888" cy="614030"/>
         </a:xfrm>
         <a:prstGeom prst="rect">
           <a:avLst/>
@@ -2641,12 +2655,12 @@
         <a:fontRef idx="minor"/>
       </dsp:style>
       <dsp:txBody>
-        <a:bodyPr spcFirstLastPara="0" vert="horz" wrap="square" lIns="80010" tIns="80010" rIns="80010" bIns="80010" numCol="1" spcCol="1270" anchor="t" anchorCtr="0">
+        <a:bodyPr spcFirstLastPara="0" vert="horz" wrap="square" lIns="102870" tIns="102870" rIns="102870" bIns="102870" numCol="1" spcCol="1270" anchor="t" anchorCtr="0">
           <a:noAutofit/>
         </a:bodyPr>
         <a:lstStyle/>
         <a:p>
-          <a:pPr marL="0" lvl="0" indent="0" algn="l" defTabSz="933450">
+          <a:pPr marL="0" lvl="0" indent="0" algn="l" defTabSz="1200150">
             <a:lnSpc>
               <a:spcPct val="90000"/>
             </a:lnSpc>
@@ -2659,22 +2673,22 @@
             <a:buNone/>
           </a:pPr>
           <a:r>
-            <a:rPr lang="en-US" sz="2100" kern="1200" dirty="0"/>
+            <a:rPr lang="en-US" sz="2700" kern="1200" dirty="0"/>
             <a:t>1</a:t>
           </a:r>
           <a:r>
-            <a:rPr lang="zh-CN" sz="2100" kern="1200" dirty="0"/>
+            <a:rPr lang="zh-CN" sz="2700" kern="1200" dirty="0"/>
             <a:t>．什么是</a:t>
           </a:r>
           <a:r>
-            <a:rPr lang="en-US" sz="2100" kern="1200" dirty="0"/>
+            <a:rPr lang="en-US" sz="2700" kern="1200" dirty="0"/>
             <a:t>UML</a:t>
           </a:r>
         </a:p>
       </dsp:txBody>
       <dsp:txXfrm>
-        <a:off x="0" y="528"/>
-        <a:ext cx="5816600" cy="480718"/>
+        <a:off x="0" y="674"/>
+        <a:ext cx="6267888" cy="614030"/>
       </dsp:txXfrm>
     </dsp:sp>
     <dsp:sp modelId="{DF0B91BF-B4CA-4353-8D74-953111AFF567}">
@@ -2684,8 +2698,8 @@
       </dsp:nvSpPr>
       <dsp:spPr>
         <a:xfrm>
-          <a:off x="0" y="481246"/>
-          <a:ext cx="5816600" cy="0"/>
+          <a:off x="0" y="614704"/>
+          <a:ext cx="6267888" cy="0"/>
         </a:xfrm>
         <a:prstGeom prst="line">
           <a:avLst/>
@@ -2748,8 +2762,8 @@
       </dsp:nvSpPr>
       <dsp:spPr>
         <a:xfrm>
-          <a:off x="0" y="481246"/>
-          <a:ext cx="5816600" cy="480718"/>
+          <a:off x="0" y="614704"/>
+          <a:ext cx="6267888" cy="614030"/>
         </a:xfrm>
         <a:prstGeom prst="rect">
           <a:avLst/>
@@ -2773,12 +2787,12 @@
         <a:fontRef idx="minor"/>
       </dsp:style>
       <dsp:txBody>
-        <a:bodyPr spcFirstLastPara="0" vert="horz" wrap="square" lIns="80010" tIns="80010" rIns="80010" bIns="80010" numCol="1" spcCol="1270" anchor="t" anchorCtr="0">
+        <a:bodyPr spcFirstLastPara="0" vert="horz" wrap="square" lIns="102870" tIns="102870" rIns="102870" bIns="102870" numCol="1" spcCol="1270" anchor="t" anchorCtr="0">
           <a:noAutofit/>
         </a:bodyPr>
         <a:lstStyle/>
         <a:p>
-          <a:pPr marL="0" lvl="0" indent="0" algn="l" defTabSz="933450">
+          <a:pPr marL="0" lvl="0" indent="0" algn="l" defTabSz="1200150">
             <a:lnSpc>
               <a:spcPct val="90000"/>
             </a:lnSpc>
@@ -2791,27 +2805,27 @@
             <a:buNone/>
           </a:pPr>
           <a:r>
-            <a:rPr lang="en-US" sz="2100" kern="1200" dirty="0"/>
+            <a:rPr lang="en-US" sz="2700" kern="1200" dirty="0"/>
             <a:t>2</a:t>
           </a:r>
           <a:r>
-            <a:rPr lang="zh-CN" sz="2100" kern="1200" dirty="0"/>
+            <a:rPr lang="zh-CN" sz="2700" kern="1200" dirty="0"/>
             <a:t>．</a:t>
           </a:r>
           <a:r>
-            <a:rPr lang="en-US" sz="2100" kern="1200" dirty="0"/>
+            <a:rPr lang="en-US" sz="2700" kern="1200" dirty="0"/>
             <a:t>UML</a:t>
           </a:r>
           <a:r>
-            <a:rPr lang="zh-CN" sz="2100" kern="1200" dirty="0"/>
+            <a:rPr lang="zh-CN" sz="2700" kern="1200" dirty="0"/>
             <a:t>的背景</a:t>
           </a:r>
-          <a:endParaRPr lang="en-US" sz="2100" kern="1200" dirty="0"/>
+          <a:endParaRPr lang="en-US" sz="2700" kern="1200" dirty="0"/>
         </a:p>
       </dsp:txBody>
       <dsp:txXfrm>
-        <a:off x="0" y="481246"/>
-        <a:ext cx="5816600" cy="480718"/>
+        <a:off x="0" y="614704"/>
+        <a:ext cx="6267888" cy="614030"/>
       </dsp:txXfrm>
     </dsp:sp>
     <dsp:sp modelId="{95001912-062E-4B5A-8EC6-8187415768D3}">
@@ -2821,8 +2835,8 @@
       </dsp:nvSpPr>
       <dsp:spPr>
         <a:xfrm>
-          <a:off x="0" y="961965"/>
-          <a:ext cx="5816600" cy="0"/>
+          <a:off x="0" y="1228734"/>
+          <a:ext cx="6267888" cy="0"/>
         </a:xfrm>
         <a:prstGeom prst="line">
           <a:avLst/>
@@ -2885,8 +2899,8 @@
       </dsp:nvSpPr>
       <dsp:spPr>
         <a:xfrm>
-          <a:off x="0" y="961965"/>
-          <a:ext cx="5816600" cy="480718"/>
+          <a:off x="0" y="1228734"/>
+          <a:ext cx="6267888" cy="614030"/>
         </a:xfrm>
         <a:prstGeom prst="rect">
           <a:avLst/>
@@ -2910,12 +2924,12 @@
         <a:fontRef idx="minor"/>
       </dsp:style>
       <dsp:txBody>
-        <a:bodyPr spcFirstLastPara="0" vert="horz" wrap="square" lIns="80010" tIns="80010" rIns="80010" bIns="80010" numCol="1" spcCol="1270" anchor="t" anchorCtr="0">
+        <a:bodyPr spcFirstLastPara="0" vert="horz" wrap="square" lIns="102870" tIns="102870" rIns="102870" bIns="102870" numCol="1" spcCol="1270" anchor="t" anchorCtr="0">
           <a:noAutofit/>
         </a:bodyPr>
         <a:lstStyle/>
         <a:p>
-          <a:pPr marL="0" lvl="0" indent="0" algn="l" defTabSz="933450">
+          <a:pPr marL="0" lvl="0" indent="0" algn="l" defTabSz="1200150">
             <a:lnSpc>
               <a:spcPct val="90000"/>
             </a:lnSpc>
@@ -2928,27 +2942,27 @@
             <a:buNone/>
           </a:pPr>
           <a:r>
-            <a:rPr lang="en-US" sz="2100" kern="1200" dirty="0"/>
+            <a:rPr lang="en-US" sz="2700" kern="1200" dirty="0"/>
             <a:t>3</a:t>
           </a:r>
           <a:r>
-            <a:rPr lang="zh-CN" sz="2100" kern="1200" dirty="0"/>
+            <a:rPr lang="zh-CN" sz="2700" kern="1200" dirty="0"/>
             <a:t>．</a:t>
           </a:r>
           <a:r>
-            <a:rPr lang="en-US" sz="2100" kern="1200" dirty="0"/>
+            <a:rPr lang="en-US" sz="2700" kern="1200" dirty="0"/>
             <a:t>UML</a:t>
           </a:r>
           <a:r>
-            <a:rPr lang="zh-CN" sz="2100" kern="1200" dirty="0"/>
+            <a:rPr lang="zh-CN" sz="2700" kern="1200" dirty="0"/>
             <a:t>作用</a:t>
           </a:r>
-          <a:endParaRPr lang="en-US" sz="2100" kern="1200" dirty="0"/>
+          <a:endParaRPr lang="en-US" sz="2700" kern="1200" dirty="0"/>
         </a:p>
       </dsp:txBody>
       <dsp:txXfrm>
-        <a:off x="0" y="961965"/>
-        <a:ext cx="5816600" cy="480718"/>
+        <a:off x="0" y="1228734"/>
+        <a:ext cx="6267888" cy="614030"/>
       </dsp:txXfrm>
     </dsp:sp>
     <dsp:sp modelId="{1D5B3A02-00A6-473F-B5E2-9397402134CE}">
@@ -2958,8 +2972,8 @@
       </dsp:nvSpPr>
       <dsp:spPr>
         <a:xfrm>
-          <a:off x="0" y="1442684"/>
-          <a:ext cx="5816600" cy="0"/>
+          <a:off x="0" y="1842764"/>
+          <a:ext cx="6267888" cy="0"/>
         </a:xfrm>
         <a:prstGeom prst="line">
           <a:avLst/>
@@ -3022,8 +3036,8 @@
       </dsp:nvSpPr>
       <dsp:spPr>
         <a:xfrm>
-          <a:off x="0" y="1442684"/>
-          <a:ext cx="5816600" cy="480718"/>
+          <a:off x="0" y="1842764"/>
+          <a:ext cx="6267888" cy="614030"/>
         </a:xfrm>
         <a:prstGeom prst="rect">
           <a:avLst/>
@@ -3047,12 +3061,12 @@
         <a:fontRef idx="minor"/>
       </dsp:style>
       <dsp:txBody>
-        <a:bodyPr spcFirstLastPara="0" vert="horz" wrap="square" lIns="80010" tIns="80010" rIns="80010" bIns="80010" numCol="1" spcCol="1270" anchor="t" anchorCtr="0">
+        <a:bodyPr spcFirstLastPara="0" vert="horz" wrap="square" lIns="102870" tIns="102870" rIns="102870" bIns="102870" numCol="1" spcCol="1270" anchor="t" anchorCtr="0">
           <a:noAutofit/>
         </a:bodyPr>
         <a:lstStyle/>
         <a:p>
-          <a:pPr marL="0" lvl="0" indent="0" algn="l" defTabSz="933450">
+          <a:pPr marL="0" lvl="0" indent="0" algn="l" defTabSz="1200150">
             <a:lnSpc>
               <a:spcPct val="90000"/>
             </a:lnSpc>
@@ -3065,27 +3079,27 @@
             <a:buNone/>
           </a:pPr>
           <a:r>
-            <a:rPr lang="en-US" sz="2100" kern="1200" dirty="0"/>
+            <a:rPr lang="en-US" sz="2700" kern="1200" dirty="0"/>
             <a:t>4</a:t>
           </a:r>
           <a:r>
-            <a:rPr lang="zh-CN" sz="2100" kern="1200" dirty="0"/>
+            <a:rPr lang="zh-CN" sz="2700" kern="1200" dirty="0"/>
             <a:t>．</a:t>
           </a:r>
           <a:r>
-            <a:rPr lang="en-US" sz="2100" kern="1200" dirty="0"/>
+            <a:rPr lang="en-US" sz="2700" kern="1200" dirty="0"/>
             <a:t>UML</a:t>
           </a:r>
           <a:r>
-            <a:rPr lang="zh-CN" sz="2100" kern="1200" dirty="0"/>
+            <a:rPr lang="zh-CN" sz="2700" kern="1200" dirty="0"/>
             <a:t>特点</a:t>
           </a:r>
-          <a:endParaRPr lang="en-US" sz="2100" kern="1200" dirty="0"/>
+          <a:endParaRPr lang="en-US" sz="2700" kern="1200" dirty="0"/>
         </a:p>
       </dsp:txBody>
       <dsp:txXfrm>
-        <a:off x="0" y="1442684"/>
-        <a:ext cx="5816600" cy="480718"/>
+        <a:off x="0" y="1842764"/>
+        <a:ext cx="6267888" cy="614030"/>
       </dsp:txXfrm>
     </dsp:sp>
     <dsp:sp modelId="{165A2E05-853A-4796-A4F7-9A222BA428E6}">
@@ -3095,8 +3109,8 @@
       </dsp:nvSpPr>
       <dsp:spPr>
         <a:xfrm>
-          <a:off x="0" y="1923403"/>
-          <a:ext cx="5816600" cy="0"/>
+          <a:off x="0" y="2456794"/>
+          <a:ext cx="6267888" cy="0"/>
         </a:xfrm>
         <a:prstGeom prst="line">
           <a:avLst/>
@@ -3159,8 +3173,8 @@
       </dsp:nvSpPr>
       <dsp:spPr>
         <a:xfrm>
-          <a:off x="0" y="1923403"/>
-          <a:ext cx="5816600" cy="480718"/>
+          <a:off x="0" y="2456794"/>
+          <a:ext cx="6267888" cy="614030"/>
         </a:xfrm>
         <a:prstGeom prst="rect">
           <a:avLst/>
@@ -3184,12 +3198,12 @@
         <a:fontRef idx="minor"/>
       </dsp:style>
       <dsp:txBody>
-        <a:bodyPr spcFirstLastPara="0" vert="horz" wrap="square" lIns="80010" tIns="80010" rIns="80010" bIns="80010" numCol="1" spcCol="1270" anchor="t" anchorCtr="0">
+        <a:bodyPr spcFirstLastPara="0" vert="horz" wrap="square" lIns="102870" tIns="102870" rIns="102870" bIns="102870" numCol="1" spcCol="1270" anchor="t" anchorCtr="0">
           <a:noAutofit/>
         </a:bodyPr>
         <a:lstStyle/>
         <a:p>
-          <a:pPr marL="0" lvl="0" indent="0" algn="l" defTabSz="933450">
+          <a:pPr marL="0" lvl="0" indent="0" algn="l" defTabSz="1200150">
             <a:lnSpc>
               <a:spcPct val="90000"/>
             </a:lnSpc>
@@ -3202,27 +3216,27 @@
             <a:buNone/>
           </a:pPr>
           <a:r>
-            <a:rPr lang="en-US" sz="2100" kern="1200" dirty="0"/>
+            <a:rPr lang="en-US" sz="2700" kern="1200" dirty="0"/>
             <a:t>5</a:t>
           </a:r>
           <a:r>
-            <a:rPr lang="zh-CN" sz="2100" kern="1200" dirty="0"/>
+            <a:rPr lang="zh-CN" sz="2700" kern="1200" dirty="0"/>
             <a:t>．</a:t>
           </a:r>
           <a:r>
-            <a:rPr lang="en-US" sz="2100" kern="1200" dirty="0"/>
+            <a:rPr lang="en-US" sz="2700" kern="1200" dirty="0"/>
             <a:t>UML</a:t>
           </a:r>
           <a:r>
-            <a:rPr lang="zh-CN" sz="2100" kern="1200" dirty="0"/>
+            <a:rPr lang="zh-CN" sz="2700" kern="1200" dirty="0"/>
             <a:t>结构</a:t>
           </a:r>
-          <a:endParaRPr lang="en-US" sz="2100" kern="1200" dirty="0"/>
+          <a:endParaRPr lang="en-US" sz="2700" kern="1200" dirty="0"/>
         </a:p>
       </dsp:txBody>
       <dsp:txXfrm>
-        <a:off x="0" y="1923403"/>
-        <a:ext cx="5816600" cy="480718"/>
+        <a:off x="0" y="2456794"/>
+        <a:ext cx="6267888" cy="614030"/>
       </dsp:txXfrm>
     </dsp:sp>
     <dsp:sp modelId="{7614DB1E-CC9D-4EDF-AD13-F408C753FE43}">
@@ -3232,8 +3246,8 @@
       </dsp:nvSpPr>
       <dsp:spPr>
         <a:xfrm>
-          <a:off x="0" y="2404121"/>
-          <a:ext cx="5816600" cy="0"/>
+          <a:off x="0" y="3070825"/>
+          <a:ext cx="6267888" cy="0"/>
         </a:xfrm>
         <a:prstGeom prst="line">
           <a:avLst/>
@@ -3296,8 +3310,8 @@
       </dsp:nvSpPr>
       <dsp:spPr>
         <a:xfrm>
-          <a:off x="0" y="2404121"/>
-          <a:ext cx="5816600" cy="480718"/>
+          <a:off x="0" y="3070825"/>
+          <a:ext cx="6267888" cy="614030"/>
         </a:xfrm>
         <a:prstGeom prst="rect">
           <a:avLst/>
@@ -3321,12 +3335,12 @@
         <a:fontRef idx="minor"/>
       </dsp:style>
       <dsp:txBody>
-        <a:bodyPr spcFirstLastPara="0" vert="horz" wrap="square" lIns="80010" tIns="80010" rIns="80010" bIns="80010" numCol="1" spcCol="1270" anchor="t" anchorCtr="0">
+        <a:bodyPr spcFirstLastPara="0" vert="horz" wrap="square" lIns="102870" tIns="102870" rIns="102870" bIns="102870" numCol="1" spcCol="1270" anchor="t" anchorCtr="0">
           <a:noAutofit/>
         </a:bodyPr>
         <a:lstStyle/>
         <a:p>
-          <a:pPr marL="0" lvl="0" indent="0" algn="l" defTabSz="933450">
+          <a:pPr marL="0" lvl="0" indent="0" algn="l" defTabSz="1200150">
             <a:lnSpc>
               <a:spcPct val="90000"/>
             </a:lnSpc>
@@ -3339,27 +3353,27 @@
             <a:buNone/>
           </a:pPr>
           <a:r>
-            <a:rPr lang="en-US" sz="2100" kern="1200" dirty="0"/>
+            <a:rPr lang="en-US" sz="2700" kern="1200" dirty="0"/>
             <a:t>6</a:t>
           </a:r>
           <a:r>
-            <a:rPr lang="zh-CN" sz="2100" kern="1200" dirty="0"/>
+            <a:rPr lang="zh-CN" sz="2700" kern="1200" dirty="0"/>
             <a:t>．</a:t>
           </a:r>
           <a:r>
-            <a:rPr lang="en-US" sz="2100" kern="1200" dirty="0"/>
+            <a:rPr lang="en-US" sz="2700" kern="1200" dirty="0"/>
             <a:t>UML</a:t>
           </a:r>
           <a:r>
-            <a:rPr lang="zh-CN" sz="2100" kern="1200" dirty="0"/>
+            <a:rPr lang="zh-CN" sz="2700" kern="1200" dirty="0"/>
             <a:t>中的事物</a:t>
           </a:r>
-          <a:endParaRPr lang="en-US" sz="2100" kern="1200" dirty="0"/>
+          <a:endParaRPr lang="en-US" sz="2700" kern="1200" dirty="0"/>
         </a:p>
       </dsp:txBody>
       <dsp:txXfrm>
-        <a:off x="0" y="2404121"/>
-        <a:ext cx="5816600" cy="480718"/>
+        <a:off x="0" y="3070825"/>
+        <a:ext cx="6267888" cy="614030"/>
       </dsp:txXfrm>
     </dsp:sp>
     <dsp:sp modelId="{DF47E796-67DE-4A50-A12B-6A4070492B53}">
@@ -3369,8 +3383,8 @@
       </dsp:nvSpPr>
       <dsp:spPr>
         <a:xfrm>
-          <a:off x="0" y="2884840"/>
-          <a:ext cx="5816600" cy="0"/>
+          <a:off x="0" y="3684855"/>
+          <a:ext cx="6267888" cy="0"/>
         </a:xfrm>
         <a:prstGeom prst="line">
           <a:avLst/>
@@ -3433,8 +3447,8 @@
       </dsp:nvSpPr>
       <dsp:spPr>
         <a:xfrm>
-          <a:off x="0" y="2884840"/>
-          <a:ext cx="5816600" cy="480718"/>
+          <a:off x="0" y="3684855"/>
+          <a:ext cx="6267888" cy="614030"/>
         </a:xfrm>
         <a:prstGeom prst="rect">
           <a:avLst/>
@@ -3458,12 +3472,12 @@
         <a:fontRef idx="minor"/>
       </dsp:style>
       <dsp:txBody>
-        <a:bodyPr spcFirstLastPara="0" vert="horz" wrap="square" lIns="80010" tIns="80010" rIns="80010" bIns="80010" numCol="1" spcCol="1270" anchor="t" anchorCtr="0">
+        <a:bodyPr spcFirstLastPara="0" vert="horz" wrap="square" lIns="102870" tIns="102870" rIns="102870" bIns="102870" numCol="1" spcCol="1270" anchor="t" anchorCtr="0">
           <a:noAutofit/>
         </a:bodyPr>
         <a:lstStyle/>
         <a:p>
-          <a:pPr marL="0" lvl="0" indent="0" algn="l" defTabSz="933450">
+          <a:pPr marL="0" lvl="0" indent="0" algn="l" defTabSz="1200150">
             <a:lnSpc>
               <a:spcPct val="90000"/>
             </a:lnSpc>
@@ -3476,27 +3490,27 @@
             <a:buNone/>
           </a:pPr>
           <a:r>
-            <a:rPr lang="en-US" sz="2100" kern="1200" dirty="0"/>
+            <a:rPr lang="en-US" sz="2700" kern="1200" dirty="0"/>
             <a:t>7</a:t>
           </a:r>
           <a:r>
-            <a:rPr lang="zh-CN" sz="2100" kern="1200" dirty="0"/>
+            <a:rPr lang="zh-CN" sz="2700" kern="1200" dirty="0"/>
             <a:t>．</a:t>
           </a:r>
           <a:r>
-            <a:rPr lang="en-US" sz="2100" kern="1200" dirty="0"/>
+            <a:rPr lang="en-US" sz="2700" kern="1200" dirty="0"/>
             <a:t>UML</a:t>
           </a:r>
           <a:r>
-            <a:rPr lang="zh-CN" sz="2100" kern="1200" dirty="0"/>
+            <a:rPr lang="zh-CN" sz="2700" kern="1200" dirty="0"/>
             <a:t>中的关系</a:t>
           </a:r>
-          <a:endParaRPr lang="en-US" sz="2100" kern="1200" dirty="0"/>
+          <a:endParaRPr lang="en-US" sz="2700" kern="1200" dirty="0"/>
         </a:p>
       </dsp:txBody>
       <dsp:txXfrm>
-        <a:off x="0" y="2884840"/>
-        <a:ext cx="5816600" cy="480718"/>
+        <a:off x="0" y="3684855"/>
+        <a:ext cx="6267888" cy="614030"/>
       </dsp:txXfrm>
     </dsp:sp>
     <dsp:sp modelId="{762091DB-15F5-4D68-9F10-46BD9D28E7F0}">
@@ -3506,8 +3520,8 @@
       </dsp:nvSpPr>
       <dsp:spPr>
         <a:xfrm>
-          <a:off x="0" y="3365559"/>
-          <a:ext cx="5816600" cy="0"/>
+          <a:off x="0" y="4298885"/>
+          <a:ext cx="6267888" cy="0"/>
         </a:xfrm>
         <a:prstGeom prst="line">
           <a:avLst/>
@@ -3570,8 +3584,8 @@
       </dsp:nvSpPr>
       <dsp:spPr>
         <a:xfrm>
-          <a:off x="0" y="3365559"/>
-          <a:ext cx="5816600" cy="480718"/>
+          <a:off x="0" y="4298885"/>
+          <a:ext cx="6267888" cy="614030"/>
         </a:xfrm>
         <a:prstGeom prst="rect">
           <a:avLst/>
@@ -3595,12 +3609,12 @@
         <a:fontRef idx="minor"/>
       </dsp:style>
       <dsp:txBody>
-        <a:bodyPr spcFirstLastPara="0" vert="horz" wrap="square" lIns="80010" tIns="80010" rIns="80010" bIns="80010" numCol="1" spcCol="1270" anchor="t" anchorCtr="0">
+        <a:bodyPr spcFirstLastPara="0" vert="horz" wrap="square" lIns="102870" tIns="102870" rIns="102870" bIns="102870" numCol="1" spcCol="1270" anchor="t" anchorCtr="0">
           <a:noAutofit/>
         </a:bodyPr>
         <a:lstStyle/>
         <a:p>
-          <a:pPr marL="0" lvl="0" indent="0" algn="l" defTabSz="933450">
+          <a:pPr marL="0" lvl="0" indent="0" algn="l" defTabSz="1200150">
             <a:lnSpc>
               <a:spcPct val="90000"/>
             </a:lnSpc>
@@ -3613,27 +3627,27 @@
             <a:buNone/>
           </a:pPr>
           <a:r>
-            <a:rPr lang="en-US" sz="2100" kern="1200" dirty="0"/>
+            <a:rPr lang="en-US" sz="2700" kern="1200" dirty="0"/>
             <a:t>8</a:t>
           </a:r>
           <a:r>
-            <a:rPr lang="zh-CN" sz="2100" kern="1200" dirty="0"/>
+            <a:rPr lang="zh-CN" sz="2700" kern="1200" dirty="0"/>
             <a:t>．</a:t>
           </a:r>
           <a:r>
-            <a:rPr lang="en-US" sz="2100" kern="1200" dirty="0"/>
+            <a:rPr lang="en-US" sz="2700" kern="1200" dirty="0"/>
             <a:t>UML</a:t>
           </a:r>
           <a:r>
-            <a:rPr lang="zh-CN" sz="2100" kern="1200" dirty="0"/>
+            <a:rPr lang="zh-CN" sz="2700" kern="1200" dirty="0"/>
             <a:t>视图</a:t>
           </a:r>
-          <a:endParaRPr lang="en-US" sz="2100" kern="1200" dirty="0"/>
+          <a:endParaRPr lang="en-US" sz="2700" kern="1200" dirty="0"/>
         </a:p>
       </dsp:txBody>
       <dsp:txXfrm>
-        <a:off x="0" y="3365559"/>
-        <a:ext cx="5816600" cy="480718"/>
+        <a:off x="0" y="4298885"/>
+        <a:ext cx="6267888" cy="614030"/>
       </dsp:txXfrm>
     </dsp:sp>
     <dsp:sp modelId="{6DA84E7F-847E-4B70-BC40-484FD73FF94C}">
@@ -3643,8 +3657,8 @@
       </dsp:nvSpPr>
       <dsp:spPr>
         <a:xfrm>
-          <a:off x="0" y="3846278"/>
-          <a:ext cx="5816600" cy="0"/>
+          <a:off x="0" y="4912915"/>
+          <a:ext cx="6267888" cy="0"/>
         </a:xfrm>
         <a:prstGeom prst="line">
           <a:avLst/>
@@ -3707,8 +3721,8 @@
       </dsp:nvSpPr>
       <dsp:spPr>
         <a:xfrm>
-          <a:off x="0" y="3846278"/>
-          <a:ext cx="5816600" cy="480718"/>
+          <a:off x="0" y="4912915"/>
+          <a:ext cx="6267888" cy="614030"/>
         </a:xfrm>
         <a:prstGeom prst="rect">
           <a:avLst/>
@@ -3732,12 +3746,12 @@
         <a:fontRef idx="minor"/>
       </dsp:style>
       <dsp:txBody>
-        <a:bodyPr spcFirstLastPara="0" vert="horz" wrap="square" lIns="80010" tIns="80010" rIns="80010" bIns="80010" numCol="1" spcCol="1270" anchor="t" anchorCtr="0">
+        <a:bodyPr spcFirstLastPara="0" vert="horz" wrap="square" lIns="102870" tIns="102870" rIns="102870" bIns="102870" numCol="1" spcCol="1270" anchor="t" anchorCtr="0">
           <a:noAutofit/>
         </a:bodyPr>
         <a:lstStyle/>
         <a:p>
-          <a:pPr marL="0" lvl="0" indent="0" algn="l" defTabSz="933450">
+          <a:pPr marL="0" lvl="0" indent="0" algn="l" defTabSz="1200150">
             <a:lnSpc>
               <a:spcPct val="90000"/>
             </a:lnSpc>
@@ -3750,27 +3764,27 @@
             <a:buNone/>
           </a:pPr>
           <a:r>
-            <a:rPr lang="en-US" sz="2100" kern="1200"/>
+            <a:rPr lang="en-US" sz="2700" kern="1200"/>
             <a:t>9</a:t>
           </a:r>
           <a:r>
-            <a:rPr lang="zh-CN" sz="2100" kern="1200"/>
+            <a:rPr lang="zh-CN" sz="2700" kern="1200"/>
             <a:t>．</a:t>
           </a:r>
           <a:r>
-            <a:rPr lang="en-US" sz="2100" kern="1200"/>
+            <a:rPr lang="en-US" sz="2700" kern="1200"/>
             <a:t>UML</a:t>
           </a:r>
           <a:r>
-            <a:rPr lang="zh-CN" sz="2100" kern="1200"/>
+            <a:rPr lang="zh-CN" sz="2700" kern="1200"/>
             <a:t>的图</a:t>
           </a:r>
-          <a:endParaRPr lang="en-US" sz="2100" kern="1200" dirty="0"/>
+          <a:endParaRPr lang="en-US" sz="2700" kern="1200" dirty="0"/>
         </a:p>
       </dsp:txBody>
       <dsp:txXfrm>
-        <a:off x="0" y="3846278"/>
-        <a:ext cx="5816600" cy="480718"/>
+        <a:off x="0" y="4912915"/>
+        <a:ext cx="6267888" cy="614030"/>
       </dsp:txXfrm>
     </dsp:sp>
   </dsp:spTree>
@@ -7265,7 +7279,7 @@
             <a:fld id="{BC02ACD8-9D28-445F-BAFE-92DA3311E912}" type="datetimeFigureOut">
               <a:rPr lang="zh-CN" altLang="en-US" smtClean="0"/>
               <a:pPr/>
-              <a:t>2017/10/17</a:t>
+              <a:t>2017/10/20</a:t>
             </a:fld>
             <a:endParaRPr lang="zh-CN" altLang="en-US"/>
           </a:p>
@@ -7992,7 +8006,7 @@
           <a:effectLst/>
           <a:extLst>
             <a:ext uri="{91240B29-F687-4f45-9708-019B960494DF}">
-              <a14:hiddenLine xmlns="" xmlns:a14="http://schemas.microsoft.com/office/drawing/2010/main" w="9525">
+              <a14:hiddenLine xmlns:a14="http://schemas.microsoft.com/office/drawing/2010/main" xmlns="" w="9525">
                 <a:solidFill>
                   <a:srgbClr val="000000"/>
                 </a:solidFill>
@@ -8185,7 +8199,7 @@
             <a:fld id="{08B9EBBA-996F-894A-B54A-D6246ED52CEA}" type="datetimeFigureOut">
               <a:rPr lang="en-US" dirty="0"/>
               <a:pPr/>
-              <a:t>10/17/2017</a:t>
+              <a:t>10/20/2017</a:t>
             </a:fld>
             <a:endParaRPr lang="en-US" dirty="0"/>
           </a:p>
@@ -8500,7 +8514,7 @@
             <a:fld id="{18C79C5D-2A6F-F04D-97DA-BEF2467B64E4}" type="datetimeFigureOut">
               <a:rPr lang="en-US" dirty="0"/>
               <a:pPr/>
-              <a:t>10/17/2017</a:t>
+              <a:t>10/20/2017</a:t>
             </a:fld>
             <a:endParaRPr lang="en-US" dirty="0"/>
           </a:p>
@@ -8985,7 +8999,7 @@
             <a:fld id="{8DFA1846-DA80-1C48-A609-854EA85C59AD}" type="datetimeFigureOut">
               <a:rPr lang="en-US" dirty="0"/>
               <a:pPr/>
-              <a:t>10/17/2017</a:t>
+              <a:t>10/20/2017</a:t>
             </a:fld>
             <a:endParaRPr lang="en-US" dirty="0"/>
           </a:p>
@@ -9351,7 +9365,7 @@
             <a:fld id="{FBF54567-0DE4-3F47-BF90-CB84690072F9}" type="datetimeFigureOut">
               <a:rPr lang="en-US" dirty="0"/>
               <a:pPr/>
-              <a:t>10/17/2017</a:t>
+              <a:t>10/20/2017</a:t>
             </a:fld>
             <a:endParaRPr lang="en-US" dirty="0"/>
           </a:p>
@@ -9502,7 +9516,7 @@
           <a:ln/>
           <a:extLst>
             <a:ext uri="{91240B29-F687-4f45-9708-019B960494DF}">
-              <a14:hiddenLine xmlns="" xmlns:a14="http://schemas.microsoft.com/office/drawing/2010/main" w="9525">
+              <a14:hiddenLine xmlns:a14="http://schemas.microsoft.com/office/drawing/2010/main" xmlns="" w="9525">
                 <a:solidFill>
                   <a:srgbClr val="000000"/>
                 </a:solidFill>
@@ -9621,7 +9635,7 @@
             <a:fld id="{C6C52C72-DE31-F449-A4ED-4C594FD91407}" type="datetimeFigureOut">
               <a:rPr lang="en-US" dirty="0"/>
               <a:pPr/>
-              <a:t>10/17/2017</a:t>
+              <a:t>10/20/2017</a:t>
             </a:fld>
             <a:endParaRPr lang="en-US" dirty="0"/>
           </a:p>
@@ -9774,7 +9788,7 @@
           <a:ln/>
           <a:extLst>
             <a:ext uri="{91240B29-F687-4f45-9708-019B960494DF}">
-              <a14:hiddenLine xmlns="" xmlns:a14="http://schemas.microsoft.com/office/drawing/2010/main" w="9525">
+              <a14:hiddenLine xmlns:a14="http://schemas.microsoft.com/office/drawing/2010/main" xmlns="" w="9525">
                 <a:solidFill>
                   <a:srgbClr val="000000"/>
                 </a:solidFill>
@@ -9903,7 +9917,7 @@
             <a:fld id="{ED62726E-379B-B349-9EED-81ED093FA806}" type="datetimeFigureOut">
               <a:rPr lang="en-US" dirty="0"/>
               <a:pPr/>
-              <a:t>10/17/2017</a:t>
+              <a:t>10/20/2017</a:t>
             </a:fld>
             <a:endParaRPr lang="en-US" dirty="0"/>
           </a:p>
@@ -10054,7 +10068,7 @@
           <a:ln/>
           <a:extLst>
             <a:ext uri="{91240B29-F687-4f45-9708-019B960494DF}">
-              <a14:hiddenLine xmlns="" xmlns:a14="http://schemas.microsoft.com/office/drawing/2010/main" w="9525">
+              <a14:hiddenLine xmlns:a14="http://schemas.microsoft.com/office/drawing/2010/main" xmlns="" w="9525">
                 <a:solidFill>
                   <a:srgbClr val="000000"/>
                 </a:solidFill>
@@ -10183,7 +10197,7 @@
             <a:fld id="{9B3A1323-8D79-1946-B0D7-40001CF92E9D}" type="datetimeFigureOut">
               <a:rPr lang="en-US" dirty="0"/>
               <a:pPr/>
-              <a:t>10/17/2017</a:t>
+              <a:t>10/20/2017</a:t>
             </a:fld>
             <a:endParaRPr lang="en-US" dirty="0"/>
           </a:p>
@@ -10523,7 +10537,7 @@
             <a:fld id="{8DFA1846-DA80-1C48-A609-854EA85C59AD}" type="datetimeFigureOut">
               <a:rPr lang="en-US" dirty="0"/>
               <a:pPr/>
-              <a:t>10/17/2017</a:t>
+              <a:t>10/20/2017</a:t>
             </a:fld>
             <a:endParaRPr lang="en-US" dirty="0"/>
           </a:p>
@@ -10674,7 +10688,7 @@
           <a:ln/>
           <a:extLst>
             <a:ext uri="{91240B29-F687-4f45-9708-019B960494DF}">
-              <a14:hiddenLine xmlns="" xmlns:a14="http://schemas.microsoft.com/office/drawing/2010/main" w="9525">
+              <a14:hiddenLine xmlns:a14="http://schemas.microsoft.com/office/drawing/2010/main" xmlns="" w="9525">
                 <a:solidFill>
                   <a:srgbClr val="000000"/>
                 </a:solidFill>
@@ -10859,7 +10873,7 @@
             <a:fld id="{57302355-E14B-8545-A8F8-0FE83CC9D524}" type="datetimeFigureOut">
               <a:rPr lang="en-US" dirty="0"/>
               <a:pPr/>
-              <a:t>10/17/2017</a:t>
+              <a:t>10/20/2017</a:t>
             </a:fld>
             <a:endParaRPr lang="en-US" dirty="0"/>
           </a:p>
@@ -11010,7 +11024,7 @@
           <a:ln/>
           <a:extLst>
             <a:ext uri="{91240B29-F687-4f45-9708-019B960494DF}">
-              <a14:hiddenLine xmlns="" xmlns:a14="http://schemas.microsoft.com/office/drawing/2010/main" w="9525">
+              <a14:hiddenLine xmlns:a14="http://schemas.microsoft.com/office/drawing/2010/main" xmlns="" w="9525">
                 <a:solidFill>
                   <a:srgbClr val="000000"/>
                 </a:solidFill>
@@ -11333,7 +11347,7 @@
             <a:fld id="{02640F58-564D-2B4F-AE67-E407BA4FCF45}" type="datetimeFigureOut">
               <a:rPr lang="en-US" dirty="0"/>
               <a:pPr/>
-              <a:t>10/17/2017</a:t>
+              <a:t>10/20/2017</a:t>
             </a:fld>
             <a:endParaRPr lang="en-US" dirty="0"/>
           </a:p>
@@ -11484,7 +11498,7 @@
           <a:ln/>
           <a:extLst>
             <a:ext uri="{91240B29-F687-4f45-9708-019B960494DF}">
-              <a14:hiddenLine xmlns="" xmlns:a14="http://schemas.microsoft.com/office/drawing/2010/main" w="9525">
+              <a14:hiddenLine xmlns:a14="http://schemas.microsoft.com/office/drawing/2010/main" xmlns="" w="9525">
                 <a:solidFill>
                   <a:srgbClr val="000000"/>
                 </a:solidFill>
@@ -11551,7 +11565,7 @@
             <a:fld id="{F13A34C8-038E-2045-AF43-DF7DBB8E0E9E}" type="datetimeFigureOut">
               <a:rPr lang="en-US" dirty="0"/>
               <a:pPr/>
-              <a:t>10/17/2017</a:t>
+              <a:t>10/20/2017</a:t>
             </a:fld>
             <a:endParaRPr lang="en-US" dirty="0"/>
           </a:p>
@@ -11643,7 +11657,7 @@
             <a:fld id="{8818C68F-D26B-8F47-958C-23B49CF8A634}" type="datetimeFigureOut">
               <a:rPr lang="en-US" dirty="0"/>
               <a:pPr/>
-              <a:t>10/17/2017</a:t>
+              <a:t>10/20/2017</a:t>
             </a:fld>
             <a:endParaRPr lang="en-US" dirty="0"/>
           </a:p>
@@ -11907,7 +11921,7 @@
           <a:ln/>
           <a:extLst>
             <a:ext uri="{91240B29-F687-4f45-9708-019B960494DF}">
-              <a14:hiddenLine xmlns="" xmlns:a14="http://schemas.microsoft.com/office/drawing/2010/main" w="9525">
+              <a14:hiddenLine xmlns:a14="http://schemas.microsoft.com/office/drawing/2010/main" xmlns="" w="9525">
                 <a:solidFill>
                   <a:srgbClr val="000000"/>
                 </a:solidFill>
@@ -12107,7 +12121,7 @@
             <a:fld id="{D0DF5E60-9974-AC48-9591-99C2BB44B7CF}" type="datetimeFigureOut">
               <a:rPr lang="en-US" dirty="0"/>
               <a:pPr/>
-              <a:t>10/17/2017</a:t>
+              <a:t>10/20/2017</a:t>
             </a:fld>
             <a:endParaRPr lang="en-US" dirty="0"/>
           </a:p>
@@ -12417,7 +12431,7 @@
             <a:fld id="{18C79C5D-2A6F-F04D-97DA-BEF2467B64E4}" type="datetimeFigureOut">
               <a:rPr lang="en-US" dirty="0"/>
               <a:pPr/>
-              <a:t>10/17/2017</a:t>
+              <a:t>10/20/2017</a:t>
             </a:fld>
             <a:endParaRPr lang="en-US" dirty="0"/>
           </a:p>
@@ -12684,7 +12698,7 @@
             <a:fld id="{09B482E8-6E0E-1B4F-B1FD-C69DB9E858D9}" type="datetimeFigureOut">
               <a:rPr lang="en-US" dirty="0"/>
               <a:pPr/>
-              <a:t>10/17/2017</a:t>
+              <a:t>10/20/2017</a:t>
             </a:fld>
             <a:endParaRPr lang="en-US" dirty="0"/>
           </a:p>
@@ -14629,7 +14643,7 @@
           <a:ln/>
           <a:extLst>
             <a:ext uri="{91240B29-F687-4f45-9708-019B960494DF}">
-              <a14:hiddenLine xmlns="" xmlns:a14="http://schemas.microsoft.com/office/drawing/2010/main" w="9525">
+              <a14:hiddenLine xmlns:a14="http://schemas.microsoft.com/office/drawing/2010/main" xmlns="" w="9525">
                 <a:solidFill>
                   <a:srgbClr val="000000"/>
                 </a:solidFill>
@@ -14922,7 +14936,7 @@
           <a:effectLst/>
           <a:extLst>
             <a:ext uri="{91240B29-F687-4f45-9708-019B960494DF}">
-              <a14:hiddenLine xmlns="" xmlns:a16="http://schemas.microsoft.com/office/drawing/2014/main" xmlns:p14="http://schemas.microsoft.com/office/powerpoint/2010/main" xmlns:a14="http://schemas.microsoft.com/office/drawing/2010/main" w="9525">
+              <a14:hiddenLine xmlns:a14="http://schemas.microsoft.com/office/drawing/2010/main" xmlns:p14="http://schemas.microsoft.com/office/powerpoint/2010/main" xmlns:a16="http://schemas.microsoft.com/office/drawing/2014/main" xmlns="" w="9525">
                 <a:solidFill>
                   <a:srgbClr val="000000"/>
                 </a:solidFill>
@@ -15477,7 +15491,7 @@
           <a:ln/>
           <a:extLst>
             <a:ext uri="{91240B29-F687-4f45-9708-019B960494DF}">
-              <a14:hiddenLine xmlns:a14="http://schemas.microsoft.com/office/drawing/2010/main" xmlns="" w="9525">
+              <a14:hiddenLine xmlns="" xmlns:a14="http://schemas.microsoft.com/office/drawing/2010/main" w="9525">
                 <a:solidFill>
                   <a:srgbClr val="000000"/>
                 </a:solidFill>
@@ -15805,7 +15819,7 @@
           <a:effectLst/>
           <a:extLst>
             <a:ext uri="{91240B29-F687-4f45-9708-019B960494DF}">
-              <a14:hiddenLine xmlns:a14="http://schemas.microsoft.com/office/drawing/2010/main" xmlns:p14="http://schemas.microsoft.com/office/powerpoint/2010/main" xmlns:a16="http://schemas.microsoft.com/office/drawing/2014/main" xmlns="" w="9525">
+              <a14:hiddenLine xmlns="" xmlns:a16="http://schemas.microsoft.com/office/drawing/2014/main" xmlns:p14="http://schemas.microsoft.com/office/powerpoint/2010/main" xmlns:a14="http://schemas.microsoft.com/office/drawing/2010/main" w="9525">
                 <a:solidFill>
                   <a:srgbClr val="000000"/>
                 </a:solidFill>
@@ -16357,7 +16371,7 @@
           <a:ln/>
           <a:extLst>
             <a:ext uri="{91240B29-F687-4f45-9708-019B960494DF}">
-              <a14:hiddenLine xmlns:a14="http://schemas.microsoft.com/office/drawing/2010/main" xmlns="" w="9525">
+              <a14:hiddenLine xmlns="" xmlns:a14="http://schemas.microsoft.com/office/drawing/2010/main" w="9525">
                 <a:solidFill>
                   <a:srgbClr val="000000"/>
                 </a:solidFill>
@@ -16650,7 +16664,7 @@
           <a:effectLst/>
           <a:extLst>
             <a:ext uri="{91240B29-F687-4f45-9708-019B960494DF}">
-              <a14:hiddenLine xmlns:a14="http://schemas.microsoft.com/office/drawing/2010/main" xmlns:p14="http://schemas.microsoft.com/office/powerpoint/2010/main" xmlns:a16="http://schemas.microsoft.com/office/drawing/2014/main" xmlns="" w="9525">
+              <a14:hiddenLine xmlns="" xmlns:a16="http://schemas.microsoft.com/office/drawing/2014/main" xmlns:p14="http://schemas.microsoft.com/office/powerpoint/2010/main" xmlns:a14="http://schemas.microsoft.com/office/drawing/2010/main" w="9525">
                 <a:solidFill>
                   <a:srgbClr val="000000"/>
                 </a:solidFill>
@@ -17072,7 +17086,7 @@
           <a:ln/>
           <a:extLst>
             <a:ext uri="{91240B29-F687-4f45-9708-019B960494DF}">
-              <a14:hiddenLine xmlns:a14="http://schemas.microsoft.com/office/drawing/2010/main" xmlns="" w="9525">
+              <a14:hiddenLine xmlns="" xmlns:a14="http://schemas.microsoft.com/office/drawing/2010/main" w="9525">
                 <a:solidFill>
                   <a:srgbClr val="000000"/>
                 </a:solidFill>
@@ -17400,7 +17414,7 @@
           <a:effectLst/>
           <a:extLst>
             <a:ext uri="{91240B29-F687-4f45-9708-019B960494DF}">
-              <a14:hiddenLine xmlns:a14="http://schemas.microsoft.com/office/drawing/2010/main" xmlns:p14="http://schemas.microsoft.com/office/powerpoint/2010/main" xmlns:a16="http://schemas.microsoft.com/office/drawing/2014/main" xmlns="" w="9525">
+              <a14:hiddenLine xmlns="" xmlns:a16="http://schemas.microsoft.com/office/drawing/2014/main" xmlns:p14="http://schemas.microsoft.com/office/powerpoint/2010/main" xmlns:a14="http://schemas.microsoft.com/office/drawing/2010/main" w="9525">
                 <a:solidFill>
                   <a:srgbClr val="000000"/>
                 </a:solidFill>
@@ -17833,7 +17847,7 @@
           <a:ln/>
           <a:extLst>
             <a:ext uri="{91240B29-F687-4f45-9708-019B960494DF}">
-              <a14:hiddenLine xmlns:a14="http://schemas.microsoft.com/office/drawing/2010/main" xmlns="" w="9525">
+              <a14:hiddenLine xmlns="" xmlns:a14="http://schemas.microsoft.com/office/drawing/2010/main" w="9525">
                 <a:solidFill>
                   <a:srgbClr val="000000"/>
                 </a:solidFill>
@@ -18126,7 +18140,7 @@
           <a:effectLst/>
           <a:extLst>
             <a:ext uri="{91240B29-F687-4f45-9708-019B960494DF}">
-              <a14:hiddenLine xmlns:a14="http://schemas.microsoft.com/office/drawing/2010/main" xmlns:p14="http://schemas.microsoft.com/office/powerpoint/2010/main" xmlns:a16="http://schemas.microsoft.com/office/drawing/2014/main" xmlns="" w="9525">
+              <a14:hiddenLine xmlns="" xmlns:a16="http://schemas.microsoft.com/office/drawing/2014/main" xmlns:p14="http://schemas.microsoft.com/office/powerpoint/2010/main" xmlns:a14="http://schemas.microsoft.com/office/drawing/2010/main" w="9525">
                 <a:solidFill>
                   <a:srgbClr val="000000"/>
                 </a:solidFill>
@@ -18864,7 +18878,7 @@
           <a:ln/>
           <a:extLst>
             <a:ext uri="{91240B29-F687-4f45-9708-019B960494DF}">
-              <a14:hiddenLine xmlns:a14="http://schemas.microsoft.com/office/drawing/2010/main" xmlns="" w="9525">
+              <a14:hiddenLine xmlns="" xmlns:a14="http://schemas.microsoft.com/office/drawing/2010/main" w="9525">
                 <a:solidFill>
                   <a:srgbClr val="000000"/>
                 </a:solidFill>
@@ -19192,7 +19206,7 @@
           <a:effectLst/>
           <a:extLst>
             <a:ext uri="{91240B29-F687-4f45-9708-019B960494DF}">
-              <a14:hiddenLine xmlns:a14="http://schemas.microsoft.com/office/drawing/2010/main" xmlns:p14="http://schemas.microsoft.com/office/powerpoint/2010/main" xmlns:a16="http://schemas.microsoft.com/office/drawing/2014/main" xmlns="" w="9525">
+              <a14:hiddenLine xmlns="" xmlns:a16="http://schemas.microsoft.com/office/drawing/2014/main" xmlns:p14="http://schemas.microsoft.com/office/powerpoint/2010/main" xmlns:a14="http://schemas.microsoft.com/office/drawing/2010/main" w="9525">
                 <a:solidFill>
                   <a:srgbClr val="000000"/>
                 </a:solidFill>
@@ -19752,7 +19766,7 @@
           <a:ln/>
           <a:extLst>
             <a:ext uri="{91240B29-F687-4f45-9708-019B960494DF}">
-              <a14:hiddenLine xmlns:a14="http://schemas.microsoft.com/office/drawing/2010/main" xmlns="" w="9525">
+              <a14:hiddenLine xmlns="" xmlns:a14="http://schemas.microsoft.com/office/drawing/2010/main" w="9525">
                 <a:solidFill>
                   <a:srgbClr val="000000"/>
                 </a:solidFill>
@@ -20045,7 +20059,7 @@
           <a:effectLst/>
           <a:extLst>
             <a:ext uri="{91240B29-F687-4f45-9708-019B960494DF}">
-              <a14:hiddenLine xmlns:a14="http://schemas.microsoft.com/office/drawing/2010/main" xmlns:p14="http://schemas.microsoft.com/office/powerpoint/2010/main" xmlns:a16="http://schemas.microsoft.com/office/drawing/2014/main" xmlns="" w="9525">
+              <a14:hiddenLine xmlns="" xmlns:a16="http://schemas.microsoft.com/office/drawing/2014/main" xmlns:p14="http://schemas.microsoft.com/office/powerpoint/2010/main" xmlns:a14="http://schemas.microsoft.com/office/drawing/2010/main" w="9525">
                 <a:solidFill>
                   <a:srgbClr val="000000"/>
                 </a:solidFill>
@@ -20476,7 +20490,7 @@
           <a:ln/>
           <a:extLst>
             <a:ext uri="{91240B29-F687-4f45-9708-019B960494DF}">
-              <a14:hiddenLine xmlns:a14="http://schemas.microsoft.com/office/drawing/2010/main" xmlns="" w="9525">
+              <a14:hiddenLine xmlns="" xmlns:a14="http://schemas.microsoft.com/office/drawing/2010/main" w="9525">
                 <a:solidFill>
                   <a:srgbClr val="000000"/>
                 </a:solidFill>
@@ -20804,7 +20818,7 @@
           <a:effectLst/>
           <a:extLst>
             <a:ext uri="{91240B29-F687-4f45-9708-019B960494DF}">
-              <a14:hiddenLine xmlns:a14="http://schemas.microsoft.com/office/drawing/2010/main" xmlns:p14="http://schemas.microsoft.com/office/powerpoint/2010/main" xmlns:a16="http://schemas.microsoft.com/office/drawing/2014/main" xmlns="" w="9525">
+              <a14:hiddenLine xmlns="" xmlns:a16="http://schemas.microsoft.com/office/drawing/2014/main" xmlns:p14="http://schemas.microsoft.com/office/powerpoint/2010/main" xmlns:a14="http://schemas.microsoft.com/office/drawing/2010/main" w="9525">
                 <a:solidFill>
                   <a:srgbClr val="000000"/>
                 </a:solidFill>
@@ -21356,7 +21370,7 @@
           <a:ln/>
           <a:extLst>
             <a:ext uri="{91240B29-F687-4f45-9708-019B960494DF}">
-              <a14:hiddenLine xmlns="" xmlns:a14="http://schemas.microsoft.com/office/drawing/2010/main" w="9525">
+              <a14:hiddenLine xmlns:a14="http://schemas.microsoft.com/office/drawing/2010/main" xmlns="" w="9525">
                 <a:solidFill>
                   <a:srgbClr val="000000"/>
                 </a:solidFill>
@@ -21667,14 +21681,14 @@
           <p:nvPr>
             <p:extLst>
               <p:ext uri="{D42A27DB-BD31-4B8C-83A1-F6EECF244321}">
-                <p14:modId xmlns:p14="http://schemas.microsoft.com/office/powerpoint/2010/main" val="3415005109"/>
+                <p14:modId xmlns:p14="http://schemas.microsoft.com/office/powerpoint/2010/main" val="2380048104"/>
               </p:ext>
             </p:extLst>
           </p:nvPr>
         </p:nvGraphicFramePr>
         <p:xfrm>
-          <a:off x="5556250" y="1262063"/>
-          <a:ext cx="5816600" cy="4327525"/>
+          <a:off x="5188388" y="557871"/>
+          <a:ext cx="6267888" cy="5527620"/>
         </p:xfrm>
         <a:graphic>
           <a:graphicData uri="http://schemas.openxmlformats.org/drawingml/2006/diagram">
@@ -21922,7 +21936,7 @@
           <a:ln/>
           <a:extLst>
             <a:ext uri="{91240B29-F687-4f45-9708-019B960494DF}">
-              <a14:hiddenLine xmlns:a14="http://schemas.microsoft.com/office/drawing/2010/main" xmlns="" w="9525">
+              <a14:hiddenLine xmlns="" xmlns:a14="http://schemas.microsoft.com/office/drawing/2010/main" w="9525">
                 <a:solidFill>
                   <a:srgbClr val="000000"/>
                 </a:solidFill>
@@ -22215,7 +22229,7 @@
           <a:effectLst/>
           <a:extLst>
             <a:ext uri="{91240B29-F687-4f45-9708-019B960494DF}">
-              <a14:hiddenLine xmlns:a14="http://schemas.microsoft.com/office/drawing/2010/main" xmlns:p14="http://schemas.microsoft.com/office/powerpoint/2010/main" xmlns:a16="http://schemas.microsoft.com/office/drawing/2014/main" xmlns="" w="9525">
+              <a14:hiddenLine xmlns="" xmlns:a16="http://schemas.microsoft.com/office/drawing/2014/main" xmlns:p14="http://schemas.microsoft.com/office/powerpoint/2010/main" xmlns:a14="http://schemas.microsoft.com/office/drawing/2010/main" w="9525">
                 <a:solidFill>
                   <a:srgbClr val="000000"/>
                 </a:solidFill>
@@ -23129,7 +23143,7 @@
         </p:nvSpPr>
         <p:spPr>
           <a:xfrm>
-            <a:off x="2999527" y="354909"/>
+            <a:off x="2379417" y="270826"/>
             <a:ext cx="10571998" cy="970450"/>
           </a:xfrm>
         </p:spPr>
@@ -23140,6 +23154,22 @@
             <a:r>
               <a:rPr lang="zh-CN" altLang="en-US" dirty="0"/>
               <a:t>小组成员分工与评价</a:t>
+            </a:r>
+            <a:r>
+              <a:rPr lang="en-US" altLang="zh-CN" dirty="0"/>
+              <a:t>(</a:t>
+            </a:r>
+            <a:r>
+              <a:rPr lang="zh-CN" altLang="en-US" dirty="0"/>
+              <a:t>总分</a:t>
+            </a:r>
+            <a:r>
+              <a:rPr lang="en-US" altLang="zh-CN" dirty="0"/>
+              <a:t>5</a:t>
+            </a:r>
+            <a:r>
+              <a:rPr lang="zh-CN" altLang="en-US" dirty="0"/>
+              <a:t>分）</a:t>
             </a:r>
           </a:p>
         </p:txBody>
@@ -23160,55 +23190,10 @@
             <p:ph sz="half" idx="1"/>
           </p:nvPr>
         </p:nvSpPr>
-        <p:spPr/>
-        <p:txBody>
-          <a:bodyPr>
-            <a:normAutofit/>
-          </a:bodyPr>
-          <a:lstStyle/>
-          <a:p>
-            <a:r>
-              <a:rPr lang="zh-CN" altLang="en-US" sz="2800" dirty="0"/>
-              <a:t>黄栋材和徐鹏搜集资料</a:t>
-            </a:r>
-            <a:endParaRPr lang="en-US" altLang="zh-CN" sz="2800" dirty="0"/>
-          </a:p>
-          <a:p>
-            <a:r>
-              <a:rPr lang="zh-CN" altLang="en-US" sz="2800" dirty="0"/>
-              <a:t>冯涛完成</a:t>
-            </a:r>
-            <a:r>
-              <a:rPr lang="en-US" altLang="zh-CN" sz="2800" dirty="0"/>
-              <a:t>PPT</a:t>
-            </a:r>
-            <a:r>
-              <a:rPr lang="zh-CN" altLang="en-US" sz="2800" dirty="0"/>
-              <a:t>制作</a:t>
-            </a:r>
-          </a:p>
-        </p:txBody>
-      </p:sp>
-      <p:sp>
-        <p:nvSpPr>
-          <p:cNvPr id="4" name="内容占位符 3">
-            <a:extLst>
-              <a:ext uri="{FF2B5EF4-FFF2-40B4-BE49-F238E27FC236}">
-                <a16:creationId xmlns:a16="http://schemas.microsoft.com/office/drawing/2014/main" id="{F6130195-C689-4876-9193-9310BDE66748}"/>
-              </a:ext>
-            </a:extLst>
-          </p:cNvPr>
-          <p:cNvSpPr>
-            <a:spLocks noGrp="1"/>
-          </p:cNvSpPr>
-          <p:nvPr>
-            <p:ph sz="half" idx="2"/>
-          </p:nvPr>
-        </p:nvSpPr>
         <p:spPr>
           <a:xfrm>
-            <a:off x="5181601" y="2222287"/>
-            <a:ext cx="6662056" cy="3638764"/>
+            <a:off x="1480863" y="2527087"/>
+            <a:ext cx="8787743" cy="3638763"/>
           </a:xfrm>
         </p:spPr>
         <p:txBody>
@@ -23219,7 +23204,22 @@
           <a:p>
             <a:r>
               <a:rPr lang="zh-CN" altLang="en-US" sz="2800" dirty="0"/>
-              <a:t>陈泓见准备</a:t>
+              <a:t>黄栋材搜集资料</a:t>
+            </a:r>
+            <a:r>
+              <a:rPr lang="en-US" altLang="zh-CN" sz="2800" dirty="0"/>
+              <a:t>——3</a:t>
+            </a:r>
+            <a:r>
+              <a:rPr lang="zh-CN" altLang="en-US" sz="2800" dirty="0"/>
+              <a:t>分</a:t>
+            </a:r>
+            <a:endParaRPr lang="en-US" altLang="zh-CN" sz="2800" dirty="0"/>
+          </a:p>
+          <a:p>
+            <a:r>
+              <a:rPr lang="zh-CN" altLang="en-US" sz="2800" dirty="0"/>
+              <a:t>冯涛部分</a:t>
             </a:r>
             <a:r>
               <a:rPr lang="en-US" altLang="zh-CN" sz="2800" dirty="0"/>
@@ -23227,12 +23227,63 @@
             </a:r>
             <a:r>
               <a:rPr lang="zh-CN" altLang="en-US" sz="2800" dirty="0"/>
-              <a:t>讲解材料以及修改</a:t>
+              <a:t>制作</a:t>
+            </a:r>
+            <a:r>
+              <a:rPr lang="en-US" altLang="zh-CN" sz="2800" dirty="0"/>
+              <a:t>——2</a:t>
+            </a:r>
+            <a:r>
+              <a:rPr lang="zh-CN" altLang="en-US" sz="2800" dirty="0"/>
+              <a:t>分</a:t>
+            </a:r>
+            <a:endParaRPr lang="en-US" altLang="zh-CN" sz="2800" dirty="0"/>
+          </a:p>
+          <a:p>
+            <a:r>
+              <a:rPr lang="zh-CN" altLang="en-US" sz="2800" dirty="0"/>
+              <a:t>徐鹏部分</a:t>
             </a:r>
             <a:r>
               <a:rPr lang="en-US" altLang="zh-CN" sz="2800" dirty="0"/>
               <a:t>PPT</a:t>
             </a:r>
+            <a:r>
+              <a:rPr lang="zh-CN" altLang="en-US" sz="2800" dirty="0"/>
+              <a:t>制作</a:t>
+            </a:r>
+            <a:r>
+              <a:rPr lang="en-US" altLang="zh-CN" sz="2800" dirty="0"/>
+              <a:t>——2</a:t>
+            </a:r>
+            <a:r>
+              <a:rPr lang="zh-CN" altLang="en-US" sz="2800" dirty="0"/>
+              <a:t>分</a:t>
+            </a:r>
+            <a:endParaRPr lang="en-US" altLang="zh-CN" sz="2800" dirty="0"/>
+          </a:p>
+          <a:p>
+            <a:r>
+              <a:rPr lang="zh-CN" altLang="en-US" sz="2800" dirty="0"/>
+              <a:t>陈泓见（负责人）部分制作</a:t>
+            </a:r>
+            <a:r>
+              <a:rPr lang="en-US" altLang="zh-CN" sz="2800" dirty="0"/>
+              <a:t>PPT+</a:t>
+            </a:r>
+            <a:r>
+              <a:rPr lang="zh-CN" altLang="en-US" sz="2800" dirty="0"/>
+              <a:t>整合</a:t>
+            </a:r>
+            <a:r>
+              <a:rPr lang="en-US" altLang="zh-CN" sz="2800" dirty="0"/>
+              <a:t>PPT——4</a:t>
+            </a:r>
+            <a:r>
+              <a:rPr lang="zh-CN" altLang="en-US" sz="2800" dirty="0"/>
+              <a:t>分</a:t>
+            </a:r>
+            <a:endParaRPr lang="en-US" altLang="zh-CN" sz="2800" dirty="0"/>
           </a:p>
           <a:p>
             <a:r>
@@ -23247,6 +23298,17 @@
               <a:rPr lang="zh-CN" altLang="en-US" sz="2800" dirty="0"/>
               <a:t>和做最后的修改</a:t>
             </a:r>
+            <a:r>
+              <a:rPr lang="en-US" altLang="zh-CN" sz="2800" dirty="0"/>
+              <a:t>——2</a:t>
+            </a:r>
+            <a:r>
+              <a:rPr lang="zh-CN" altLang="en-US" sz="2800" dirty="0"/>
+              <a:t>分</a:t>
+            </a:r>
+          </a:p>
+          <a:p>
+            <a:endParaRPr lang="zh-CN" altLang="en-US" sz="2800" dirty="0"/>
           </a:p>
         </p:txBody>
       </p:sp>
